--- a/Presentation/AI_project_presentation.pptx
+++ b/Presentation/AI_project_presentation.pptx
@@ -5,10 +5,10 @@
     <p:sldMasterId id="2147483648" r:id="rId1"/>
   </p:sldMasterIdLst>
   <p:notesMasterIdLst>
-    <p:notesMasterId r:id="rId21"/>
+    <p:notesMasterId r:id="rId20"/>
   </p:notesMasterIdLst>
   <p:handoutMasterIdLst>
-    <p:handoutMasterId r:id="rId22"/>
+    <p:handoutMasterId r:id="rId21"/>
   </p:handoutMasterIdLst>
   <p:sldIdLst>
     <p:sldId id="256" r:id="rId2"/>
@@ -21,15 +21,14 @@
     <p:sldId id="260" r:id="rId9"/>
     <p:sldId id="262" r:id="rId10"/>
     <p:sldId id="266" r:id="rId11"/>
-    <p:sldId id="268" r:id="rId12"/>
-    <p:sldId id="270" r:id="rId13"/>
-    <p:sldId id="271" r:id="rId14"/>
-    <p:sldId id="279" r:id="rId15"/>
-    <p:sldId id="277" r:id="rId16"/>
-    <p:sldId id="276" r:id="rId17"/>
-    <p:sldId id="263" r:id="rId18"/>
-    <p:sldId id="261" r:id="rId19"/>
-    <p:sldId id="269" r:id="rId20"/>
+    <p:sldId id="270" r:id="rId12"/>
+    <p:sldId id="271" r:id="rId13"/>
+    <p:sldId id="279" r:id="rId14"/>
+    <p:sldId id="277" r:id="rId15"/>
+    <p:sldId id="276" r:id="rId16"/>
+    <p:sldId id="263" r:id="rId17"/>
+    <p:sldId id="261" r:id="rId18"/>
+    <p:sldId id="269" r:id="rId19"/>
   </p:sldIdLst>
   <p:sldSz cx="9144000" cy="6858000" type="screen4x3"/>
   <p:notesSz cx="6858000" cy="9144000"/>
@@ -4188,8 +4187,12 @@
               <a:t> </a:t>
             </a:r>
             <a:r>
+              <a:rPr lang="de-DE" dirty="0" err="1"/>
+              <a:t>C</a:t>
+            </a:r>
+            <a:r>
               <a:rPr lang="de-DE" dirty="0" err="1" smtClean="0"/>
-              <a:t>course</a:t>
+              <a:t>ourse</a:t>
             </a:r>
             <a:r>
               <a:rPr lang="de-DE" dirty="0" smtClean="0"/>
@@ -4203,12 +4206,20 @@
           </a:p>
           <a:p>
             <a:r>
-              <a:rPr lang="de-DE" dirty="0" err="1" smtClean="0"/>
-              <a:t>At</a:t>
+              <a:rPr lang="de-DE" dirty="0" err="1"/>
+              <a:t>a</a:t>
+            </a:r>
+            <a:r>
+              <a:rPr lang="de-DE" smtClean="0"/>
+              <a:t>t</a:t>
             </a:r>
             <a:r>
               <a:rPr lang="de-DE" dirty="0" smtClean="0"/>
-              <a:t> KTH</a:t>
+              <a:t> </a:t>
+            </a:r>
+            <a:r>
+              <a:rPr lang="de-DE" dirty="0" smtClean="0"/>
+              <a:t>KTH</a:t>
             </a:r>
             <a:endParaRPr lang="de-DE" dirty="0"/>
           </a:p>
@@ -4293,6 +4304,13 @@
   <p:clrMapOvr>
     <a:masterClrMapping/>
   </p:clrMapOvr>
+  <p:timing>
+    <p:tnLst>
+      <p:par>
+        <p:cTn xmlns:p14="http://schemas.microsoft.com/office/powerpoint/2010/main" id="1" dur="indefinite" restart="never" nodeType="tmRoot"/>
+      </p:par>
+    </p:tnLst>
+  </p:timing>
 </p:sld>
 </file>
 
@@ -7760,1326 +7778,6 @@
 </file>
 
 <file path=ppt/slides/slide11.xml><?xml version="1.0" encoding="utf-8"?>
-<p:sld xmlns:a="http://schemas.openxmlformats.org/drawingml/2006/main" xmlns:r="http://schemas.openxmlformats.org/officeDocument/2006/relationships" xmlns:p="http://schemas.openxmlformats.org/presentationml/2006/main" show="0">
-  <p:cSld>
-    <p:spTree>
-      <p:nvGrpSpPr>
-        <p:cNvPr id="1" name=""/>
-        <p:cNvGrpSpPr/>
-        <p:nvPr/>
-      </p:nvGrpSpPr>
-      <p:grpSpPr>
-        <a:xfrm>
-          <a:off x="0" y="0"/>
-          <a:ext cx="0" cy="0"/>
-          <a:chOff x="0" y="0"/>
-          <a:chExt cx="0" cy="0"/>
-        </a:xfrm>
-      </p:grpSpPr>
-      <p:sp>
-        <p:nvSpPr>
-          <p:cNvPr id="2" name="Titel 1"/>
-          <p:cNvSpPr>
-            <a:spLocks noGrp="1"/>
-          </p:cNvSpPr>
-          <p:nvPr>
-            <p:ph type="title"/>
-          </p:nvPr>
-        </p:nvSpPr>
-        <p:spPr>
-          <a:xfrm>
-            <a:off x="457200" y="274637"/>
-            <a:ext cx="3600502" cy="2700791"/>
-          </a:xfrm>
-        </p:spPr>
-        <p:txBody>
-          <a:bodyPr>
-            <a:normAutofit/>
-          </a:bodyPr>
-          <a:lstStyle/>
-          <a:p>
-            <a:pPr algn="l"/>
-            <a:r>
-              <a:rPr lang="de-DE" dirty="0" err="1" smtClean="0"/>
-              <a:t>Bag</a:t>
-            </a:r>
-            <a:r>
-              <a:rPr lang="de-DE" dirty="0" smtClean="0"/>
-              <a:t>-</a:t>
-            </a:r>
-            <a:r>
-              <a:rPr lang="de-DE" dirty="0" err="1" smtClean="0"/>
-              <a:t>of</a:t>
-            </a:r>
-            <a:r>
-              <a:rPr lang="de-DE" dirty="0" smtClean="0"/>
-              <a:t>-Words Model</a:t>
-            </a:r>
-            <a:endParaRPr lang="de-DE" dirty="0"/>
-          </a:p>
-        </p:txBody>
-      </p:sp>
-      <p:sp>
-        <p:nvSpPr>
-          <p:cNvPr id="4" name="Datumsplatzhalter 3"/>
-          <p:cNvSpPr>
-            <a:spLocks noGrp="1"/>
-          </p:cNvSpPr>
-          <p:nvPr>
-            <p:ph type="dt" sz="half" idx="10"/>
-          </p:nvPr>
-        </p:nvSpPr>
-        <p:spPr/>
-        <p:txBody>
-          <a:bodyPr/>
-          <a:lstStyle/>
-          <a:p>
-            <a:fld id="{0176A06F-AB14-F94A-8BCE-1C0CB4911F8E}" type="datetime5">
-              <a:rPr lang="de-DE" smtClean="0"/>
-              <a:t>19-Okt-15</a:t>
-            </a:fld>
-            <a:endParaRPr lang="de-DE"/>
-          </a:p>
-        </p:txBody>
-      </p:sp>
-      <p:sp>
-        <p:nvSpPr>
-          <p:cNvPr id="5" name="Fußzeilenplatzhalter 4"/>
-          <p:cNvSpPr>
-            <a:spLocks noGrp="1"/>
-          </p:cNvSpPr>
-          <p:nvPr>
-            <p:ph type="ftr" sz="quarter" idx="11"/>
-          </p:nvPr>
-        </p:nvSpPr>
-        <p:spPr/>
-        <p:txBody>
-          <a:bodyPr/>
-          <a:lstStyle/>
-          <a:p>
-            <a:r>
-              <a:rPr lang="de-DE" smtClean="0"/>
-              <a:t>A. Patel, C. Kaiser, L. Schmitz, N. Tatarakis </a:t>
-            </a:r>
-            <a:endParaRPr lang="de-DE"/>
-          </a:p>
-        </p:txBody>
-      </p:sp>
-      <p:sp>
-        <p:nvSpPr>
-          <p:cNvPr id="6" name="Foliennummernplatzhalter 5"/>
-          <p:cNvSpPr>
-            <a:spLocks noGrp="1"/>
-          </p:cNvSpPr>
-          <p:nvPr>
-            <p:ph type="sldNum" sz="quarter" idx="12"/>
-          </p:nvPr>
-        </p:nvSpPr>
-        <p:spPr/>
-        <p:txBody>
-          <a:bodyPr/>
-          <a:lstStyle/>
-          <a:p>
-            <a:fld id="{C01938AF-F9EA-434A-A4EB-30D6D6E13CD1}" type="slidenum">
-              <a:rPr lang="de-DE" smtClean="0"/>
-              <a:t>11</a:t>
-            </a:fld>
-            <a:endParaRPr lang="de-DE"/>
-          </a:p>
-        </p:txBody>
-      </p:sp>
-      <p:sp>
-        <p:nvSpPr>
-          <p:cNvPr id="7" name="Pfeil nach links/rechts/oben 6"/>
-          <p:cNvSpPr/>
-          <p:nvPr/>
-        </p:nvSpPr>
-        <p:spPr>
-          <a:xfrm>
-            <a:off x="4057702" y="3540782"/>
-            <a:ext cx="2336682" cy="950133"/>
-          </a:xfrm>
-          <a:prstGeom prst="leftRightUpArrow">
-            <a:avLst>
-              <a:gd name="adj1" fmla="val 8051"/>
-              <a:gd name="adj2" fmla="val 25000"/>
-              <a:gd name="adj3" fmla="val 25000"/>
-            </a:avLst>
-          </a:prstGeom>
-        </p:spPr>
-        <p:style>
-          <a:lnRef idx="2">
-            <a:schemeClr val="accent1">
-              <a:shade val="50000"/>
-            </a:schemeClr>
-          </a:lnRef>
-          <a:fillRef idx="1">
-            <a:schemeClr val="accent1"/>
-          </a:fillRef>
-          <a:effectRef idx="0">
-            <a:schemeClr val="accent1"/>
-          </a:effectRef>
-          <a:fontRef idx="minor">
-            <a:schemeClr val="lt1"/>
-          </a:fontRef>
-        </p:style>
-        <p:txBody>
-          <a:bodyPr rtlCol="0" anchor="ctr"/>
-          <a:lstStyle/>
-          <a:p>
-            <a:pPr algn="ctr"/>
-            <a:endParaRPr lang="de-DE" sz="1200"/>
-          </a:p>
-        </p:txBody>
-      </p:sp>
-      <p:sp>
-        <p:nvSpPr>
-          <p:cNvPr id="8" name="Zylinder 7"/>
-          <p:cNvSpPr/>
-          <p:nvPr/>
-        </p:nvSpPr>
-        <p:spPr>
-          <a:xfrm>
-            <a:off x="4481236" y="167052"/>
-            <a:ext cx="1489614" cy="744807"/>
-          </a:xfrm>
-          <a:prstGeom prst="can">
-            <a:avLst/>
-          </a:prstGeom>
-        </p:spPr>
-        <p:style>
-          <a:lnRef idx="2">
-            <a:schemeClr val="accent1">
-              <a:shade val="50000"/>
-            </a:schemeClr>
-          </a:lnRef>
-          <a:fillRef idx="1">
-            <a:schemeClr val="accent1"/>
-          </a:fillRef>
-          <a:effectRef idx="0">
-            <a:schemeClr val="accent1"/>
-          </a:effectRef>
-          <a:fontRef idx="minor">
-            <a:schemeClr val="lt1"/>
-          </a:fontRef>
-        </p:style>
-        <p:txBody>
-          <a:bodyPr rot="0" spcFirstLastPara="0" vert="horz" wrap="square" lIns="91440" tIns="45720" rIns="91440" bIns="45720" numCol="1" spcCol="0" rtlCol="0" fromWordArt="0" anchor="ctr" anchorCtr="0" forceAA="0" compatLnSpc="1">
-            <a:prstTxWarp prst="textNoShape">
-              <a:avLst/>
-            </a:prstTxWarp>
-            <a:noAutofit/>
-          </a:bodyPr>
-          <a:lstStyle/>
-          <a:p>
-            <a:pPr algn="ctr">
-              <a:spcAft>
-                <a:spcPts val="0"/>
-              </a:spcAft>
-            </a:pPr>
-            <a:r>
-              <a:rPr lang="en-GB" sz="1200">
-                <a:effectLst/>
-                <a:ea typeface="ＭＳ 明朝"/>
-                <a:cs typeface="Times New Roman"/>
-              </a:rPr>
-              <a:t>Dataset</a:t>
-            </a:r>
-            <a:endParaRPr lang="de-DE" sz="1200">
-              <a:effectLst/>
-              <a:ea typeface="ＭＳ 明朝"/>
-              <a:cs typeface="Times New Roman"/>
-            </a:endParaRPr>
-          </a:p>
-        </p:txBody>
-      </p:sp>
-      <p:sp>
-        <p:nvSpPr>
-          <p:cNvPr id="9" name="Rechteck 8"/>
-          <p:cNvSpPr/>
-          <p:nvPr/>
-        </p:nvSpPr>
-        <p:spPr>
-          <a:xfrm>
-            <a:off x="4481236" y="1283049"/>
-            <a:ext cx="1489614" cy="577640"/>
-          </a:xfrm>
-          <a:prstGeom prst="rect">
-            <a:avLst/>
-          </a:prstGeom>
-        </p:spPr>
-        <p:style>
-          <a:lnRef idx="2">
-            <a:schemeClr val="accent1"/>
-          </a:lnRef>
-          <a:fillRef idx="1">
-            <a:schemeClr val="lt1"/>
-          </a:fillRef>
-          <a:effectRef idx="0">
-            <a:schemeClr val="accent1"/>
-          </a:effectRef>
-          <a:fontRef idx="minor">
-            <a:schemeClr val="dk1"/>
-          </a:fontRef>
-        </p:style>
-        <p:txBody>
-          <a:bodyPr rot="0" spcFirstLastPara="0" vert="horz" wrap="square" lIns="91440" tIns="45720" rIns="91440" bIns="45720" numCol="1" spcCol="0" rtlCol="0" fromWordArt="0" anchor="ctr" anchorCtr="0" forceAA="0" compatLnSpc="1">
-            <a:prstTxWarp prst="textNoShape">
-              <a:avLst/>
-            </a:prstTxWarp>
-            <a:noAutofit/>
-          </a:bodyPr>
-          <a:lstStyle/>
-          <a:p>
-            <a:pPr algn="ctr">
-              <a:spcAft>
-                <a:spcPts val="0"/>
-              </a:spcAft>
-            </a:pPr>
-            <a:r>
-              <a:rPr lang="en-GB" sz="1200" dirty="0">
-                <a:effectLst/>
-                <a:ea typeface="ＭＳ 明朝"/>
-                <a:cs typeface="Times New Roman"/>
-              </a:rPr>
-              <a:t>Pre-Processing</a:t>
-            </a:r>
-            <a:endParaRPr lang="de-DE" sz="1200" dirty="0">
-              <a:effectLst/>
-              <a:ea typeface="ＭＳ 明朝"/>
-              <a:cs typeface="Times New Roman"/>
-            </a:endParaRPr>
-          </a:p>
-        </p:txBody>
-      </p:sp>
-      <p:sp>
-        <p:nvSpPr>
-          <p:cNvPr id="10" name="Rechteck 9"/>
-          <p:cNvSpPr/>
-          <p:nvPr/>
-        </p:nvSpPr>
-        <p:spPr>
-          <a:xfrm>
-            <a:off x="4481236" y="2209141"/>
-            <a:ext cx="1489614" cy="577640"/>
-          </a:xfrm>
-          <a:prstGeom prst="rect">
-            <a:avLst/>
-          </a:prstGeom>
-        </p:spPr>
-        <p:style>
-          <a:lnRef idx="2">
-            <a:schemeClr val="accent1"/>
-          </a:lnRef>
-          <a:fillRef idx="1">
-            <a:schemeClr val="lt1"/>
-          </a:fillRef>
-          <a:effectRef idx="0">
-            <a:schemeClr val="accent1"/>
-          </a:effectRef>
-          <a:fontRef idx="minor">
-            <a:schemeClr val="dk1"/>
-          </a:fontRef>
-        </p:style>
-        <p:txBody>
-          <a:bodyPr rot="0" spcFirstLastPara="0" vert="horz" wrap="square" lIns="91440" tIns="45720" rIns="91440" bIns="45720" numCol="1" spcCol="0" rtlCol="0" fromWordArt="0" anchor="ctr" anchorCtr="0" forceAA="0" compatLnSpc="1">
-            <a:prstTxWarp prst="textNoShape">
-              <a:avLst/>
-            </a:prstTxWarp>
-            <a:noAutofit/>
-          </a:bodyPr>
-          <a:lstStyle/>
-          <a:p>
-            <a:pPr algn="ctr">
-              <a:spcAft>
-                <a:spcPts val="0"/>
-              </a:spcAft>
-            </a:pPr>
-            <a:r>
-              <a:rPr lang="en-GB" sz="1200" dirty="0">
-                <a:effectLst/>
-                <a:ea typeface="ＭＳ 明朝"/>
-                <a:cs typeface="Times New Roman"/>
-              </a:rPr>
-              <a:t>Feature Extraction</a:t>
-            </a:r>
-            <a:endParaRPr lang="de-DE" sz="1200" dirty="0">
-              <a:effectLst/>
-              <a:ea typeface="ＭＳ 明朝"/>
-              <a:cs typeface="Times New Roman"/>
-            </a:endParaRPr>
-          </a:p>
-        </p:txBody>
-      </p:sp>
-      <p:sp>
-        <p:nvSpPr>
-          <p:cNvPr id="11" name="Zylinder 10"/>
-          <p:cNvSpPr/>
-          <p:nvPr/>
-        </p:nvSpPr>
-        <p:spPr>
-          <a:xfrm>
-            <a:off x="4481236" y="3134945"/>
-            <a:ext cx="1489614" cy="744807"/>
-          </a:xfrm>
-          <a:prstGeom prst="can">
-            <a:avLst/>
-          </a:prstGeom>
-        </p:spPr>
-        <p:style>
-          <a:lnRef idx="2">
-            <a:schemeClr val="accent1">
-              <a:shade val="50000"/>
-            </a:schemeClr>
-          </a:lnRef>
-          <a:fillRef idx="1">
-            <a:schemeClr val="accent1"/>
-          </a:fillRef>
-          <a:effectRef idx="0">
-            <a:schemeClr val="accent1"/>
-          </a:effectRef>
-          <a:fontRef idx="minor">
-            <a:schemeClr val="lt1"/>
-          </a:fontRef>
-        </p:style>
-        <p:txBody>
-          <a:bodyPr rot="0" spcFirstLastPara="0" vert="horz" wrap="square" lIns="91440" tIns="45720" rIns="91440" bIns="45720" numCol="1" spcCol="0" rtlCol="0" fromWordArt="0" anchor="ctr" anchorCtr="0" forceAA="0" compatLnSpc="1">
-            <a:prstTxWarp prst="textNoShape">
-              <a:avLst/>
-            </a:prstTxWarp>
-            <a:noAutofit/>
-          </a:bodyPr>
-          <a:lstStyle/>
-          <a:p>
-            <a:pPr algn="ctr">
-              <a:spcAft>
-                <a:spcPts val="0"/>
-              </a:spcAft>
-            </a:pPr>
-            <a:r>
-              <a:rPr lang="en-GB" sz="1200" dirty="0">
-                <a:effectLst/>
-                <a:ea typeface="ＭＳ 明朝"/>
-                <a:cs typeface="Times New Roman"/>
-              </a:rPr>
-              <a:t>Dictionary</a:t>
-            </a:r>
-            <a:endParaRPr lang="de-DE" sz="1200" dirty="0">
-              <a:effectLst/>
-              <a:ea typeface="ＭＳ 明朝"/>
-              <a:cs typeface="Times New Roman"/>
-            </a:endParaRPr>
-          </a:p>
-          <a:p>
-            <a:pPr algn="ctr">
-              <a:spcAft>
-                <a:spcPts val="0"/>
-              </a:spcAft>
-            </a:pPr>
-            <a:r>
-              <a:rPr lang="en-GB" sz="1200" dirty="0">
-                <a:effectLst/>
-                <a:ea typeface="ＭＳ 明朝"/>
-                <a:cs typeface="Times New Roman"/>
-              </a:rPr>
-              <a:t>n-gram collection</a:t>
-            </a:r>
-            <a:endParaRPr lang="de-DE" sz="1200" dirty="0">
-              <a:effectLst/>
-              <a:ea typeface="ＭＳ 明朝"/>
-              <a:cs typeface="Times New Roman"/>
-            </a:endParaRPr>
-          </a:p>
-        </p:txBody>
-      </p:sp>
-      <p:cxnSp>
-        <p:nvCxnSpPr>
-          <p:cNvPr id="12" name="Gerade Verbindung mit Pfeil 11"/>
-          <p:cNvCxnSpPr>
-            <a:stCxn id="8" idx="3"/>
-            <a:endCxn id="9" idx="0"/>
-          </p:cNvCxnSpPr>
-          <p:nvPr/>
-        </p:nvCxnSpPr>
-        <p:spPr>
-          <a:xfrm>
-            <a:off x="5226043" y="911859"/>
-            <a:ext cx="0" cy="371190"/>
-          </a:xfrm>
-          <a:prstGeom prst="straightConnector1">
-            <a:avLst/>
-          </a:prstGeom>
-          <a:ln>
-            <a:tailEnd type="arrow"/>
-          </a:ln>
-        </p:spPr>
-        <p:style>
-          <a:lnRef idx="2">
-            <a:schemeClr val="accent1"/>
-          </a:lnRef>
-          <a:fillRef idx="0">
-            <a:schemeClr val="accent1"/>
-          </a:fillRef>
-          <a:effectRef idx="1">
-            <a:schemeClr val="accent1"/>
-          </a:effectRef>
-          <a:fontRef idx="minor">
-            <a:schemeClr val="tx1"/>
-          </a:fontRef>
-        </p:style>
-      </p:cxnSp>
-      <p:cxnSp>
-        <p:nvCxnSpPr>
-          <p:cNvPr id="13" name="Gerade Verbindung mit Pfeil 12"/>
-          <p:cNvCxnSpPr>
-            <a:stCxn id="9" idx="2"/>
-            <a:endCxn id="10" idx="0"/>
-          </p:cNvCxnSpPr>
-          <p:nvPr/>
-        </p:nvCxnSpPr>
-        <p:spPr>
-          <a:xfrm>
-            <a:off x="5226043" y="1860689"/>
-            <a:ext cx="0" cy="348452"/>
-          </a:xfrm>
-          <a:prstGeom prst="straightConnector1">
-            <a:avLst/>
-          </a:prstGeom>
-          <a:ln>
-            <a:tailEnd type="arrow"/>
-          </a:ln>
-        </p:spPr>
-        <p:style>
-          <a:lnRef idx="2">
-            <a:schemeClr val="accent1"/>
-          </a:lnRef>
-          <a:fillRef idx="0">
-            <a:schemeClr val="accent1"/>
-          </a:fillRef>
-          <a:effectRef idx="1">
-            <a:schemeClr val="accent1"/>
-          </a:effectRef>
-          <a:fontRef idx="minor">
-            <a:schemeClr val="tx1"/>
-          </a:fontRef>
-        </p:style>
-      </p:cxnSp>
-      <p:cxnSp>
-        <p:nvCxnSpPr>
-          <p:cNvPr id="14" name="Gerade Verbindung mit Pfeil 13"/>
-          <p:cNvCxnSpPr>
-            <a:stCxn id="10" idx="2"/>
-            <a:endCxn id="11" idx="1"/>
-          </p:cNvCxnSpPr>
-          <p:nvPr/>
-        </p:nvCxnSpPr>
-        <p:spPr>
-          <a:xfrm>
-            <a:off x="5226043" y="2786781"/>
-            <a:ext cx="0" cy="348164"/>
-          </a:xfrm>
-          <a:prstGeom prst="straightConnector1">
-            <a:avLst/>
-          </a:prstGeom>
-          <a:ln>
-            <a:tailEnd type="arrow"/>
-          </a:ln>
-        </p:spPr>
-        <p:style>
-          <a:lnRef idx="2">
-            <a:schemeClr val="accent1"/>
-          </a:lnRef>
-          <a:fillRef idx="0">
-            <a:schemeClr val="accent1"/>
-          </a:fillRef>
-          <a:effectRef idx="1">
-            <a:schemeClr val="accent1"/>
-          </a:effectRef>
-          <a:fontRef idx="minor">
-            <a:schemeClr val="tx1"/>
-          </a:fontRef>
-        </p:style>
-      </p:cxnSp>
-      <p:sp>
-        <p:nvSpPr>
-          <p:cNvPr id="15" name="Zylinder 14"/>
-          <p:cNvSpPr/>
-          <p:nvPr/>
-        </p:nvSpPr>
-        <p:spPr>
-          <a:xfrm>
-            <a:off x="2675982" y="3878385"/>
-            <a:ext cx="1381720" cy="690860"/>
-          </a:xfrm>
-          <a:prstGeom prst="can">
-            <a:avLst/>
-          </a:prstGeom>
-        </p:spPr>
-        <p:style>
-          <a:lnRef idx="2">
-            <a:schemeClr val="accent1">
-              <a:shade val="50000"/>
-            </a:schemeClr>
-          </a:lnRef>
-          <a:fillRef idx="1">
-            <a:schemeClr val="accent1"/>
-          </a:fillRef>
-          <a:effectRef idx="0">
-            <a:schemeClr val="accent1"/>
-          </a:effectRef>
-          <a:fontRef idx="minor">
-            <a:schemeClr val="lt1"/>
-          </a:fontRef>
-        </p:style>
-        <p:txBody>
-          <a:bodyPr rot="0" spcFirstLastPara="0" vert="horz" wrap="square" lIns="91440" tIns="45720" rIns="91440" bIns="45720" numCol="1" spcCol="0" rtlCol="0" fromWordArt="0" anchor="ctr" anchorCtr="0" forceAA="0" compatLnSpc="1">
-            <a:prstTxWarp prst="textNoShape">
-              <a:avLst/>
-            </a:prstTxWarp>
-            <a:noAutofit/>
-          </a:bodyPr>
-          <a:lstStyle/>
-          <a:p>
-            <a:pPr algn="ctr">
-              <a:spcAft>
-                <a:spcPts val="0"/>
-              </a:spcAft>
-            </a:pPr>
-            <a:r>
-              <a:rPr lang="de-DE" sz="1200" dirty="0" smtClean="0">
-                <a:effectLst/>
-                <a:ea typeface="ＭＳ 明朝"/>
-                <a:cs typeface="Times New Roman"/>
-              </a:rPr>
-              <a:t>Trainingsset</a:t>
-            </a:r>
-            <a:endParaRPr lang="de-DE" sz="1200" dirty="0">
-              <a:effectLst/>
-              <a:ea typeface="ＭＳ 明朝"/>
-              <a:cs typeface="Times New Roman"/>
-            </a:endParaRPr>
-          </a:p>
-        </p:txBody>
-      </p:sp>
-      <p:sp>
-        <p:nvSpPr>
-          <p:cNvPr id="16" name="Zylinder 15"/>
-          <p:cNvSpPr/>
-          <p:nvPr/>
-        </p:nvSpPr>
-        <p:spPr>
-          <a:xfrm>
-            <a:off x="6394384" y="4005384"/>
-            <a:ext cx="971062" cy="485531"/>
-          </a:xfrm>
-          <a:prstGeom prst="can">
-            <a:avLst/>
-          </a:prstGeom>
-        </p:spPr>
-        <p:style>
-          <a:lnRef idx="2">
-            <a:schemeClr val="accent1">
-              <a:shade val="50000"/>
-            </a:schemeClr>
-          </a:lnRef>
-          <a:fillRef idx="1">
-            <a:schemeClr val="accent1"/>
-          </a:fillRef>
-          <a:effectRef idx="0">
-            <a:schemeClr val="accent1"/>
-          </a:effectRef>
-          <a:fontRef idx="minor">
-            <a:schemeClr val="lt1"/>
-          </a:fontRef>
-        </p:style>
-        <p:txBody>
-          <a:bodyPr rot="0" spcFirstLastPara="0" vert="horz" wrap="square" lIns="91440" tIns="45720" rIns="91440" bIns="45720" numCol="1" spcCol="0" rtlCol="0" fromWordArt="0" anchor="ctr" anchorCtr="0" forceAA="0" compatLnSpc="1">
-            <a:prstTxWarp prst="textNoShape">
-              <a:avLst/>
-            </a:prstTxWarp>
-            <a:noAutofit/>
-          </a:bodyPr>
-          <a:lstStyle/>
-          <a:p>
-            <a:pPr algn="ctr">
-              <a:spcAft>
-                <a:spcPts val="0"/>
-              </a:spcAft>
-            </a:pPr>
-            <a:r>
-              <a:rPr lang="de-DE" sz="1200" dirty="0" err="1" smtClean="0">
-                <a:effectLst/>
-                <a:ea typeface="ＭＳ 明朝"/>
-                <a:cs typeface="Times New Roman"/>
-              </a:rPr>
-              <a:t>Testset</a:t>
-            </a:r>
-            <a:endParaRPr lang="de-DE" sz="1200" dirty="0">
-              <a:effectLst/>
-              <a:ea typeface="ＭＳ 明朝"/>
-              <a:cs typeface="Times New Roman"/>
-            </a:endParaRPr>
-          </a:p>
-        </p:txBody>
-      </p:sp>
-      <p:sp>
-        <p:nvSpPr>
-          <p:cNvPr id="17" name="Würfel 16"/>
-          <p:cNvSpPr/>
-          <p:nvPr/>
-        </p:nvSpPr>
-        <p:spPr>
-          <a:xfrm>
-            <a:off x="6275416" y="5001846"/>
-            <a:ext cx="1390590" cy="801078"/>
-          </a:xfrm>
-          <a:prstGeom prst="cube">
-            <a:avLst/>
-          </a:prstGeom>
-        </p:spPr>
-        <p:style>
-          <a:lnRef idx="2">
-            <a:schemeClr val="accent6">
-              <a:shade val="50000"/>
-            </a:schemeClr>
-          </a:lnRef>
-          <a:fillRef idx="1">
-            <a:schemeClr val="accent6"/>
-          </a:fillRef>
-          <a:effectRef idx="0">
-            <a:schemeClr val="accent6"/>
-          </a:effectRef>
-          <a:fontRef idx="minor">
-            <a:schemeClr val="lt1"/>
-          </a:fontRef>
-        </p:style>
-        <p:txBody>
-          <a:bodyPr rtlCol="0" anchor="ctr"/>
-          <a:lstStyle/>
-          <a:p>
-            <a:pPr algn="ctr"/>
-            <a:r>
-              <a:rPr lang="de-DE" sz="1200" dirty="0" err="1" smtClean="0">
-                <a:solidFill>
-                  <a:schemeClr val="tx1"/>
-                </a:solidFill>
-              </a:rPr>
-              <a:t>Classifier</a:t>
-            </a:r>
-            <a:endParaRPr lang="de-DE" sz="1200" dirty="0">
-              <a:solidFill>
-                <a:schemeClr val="tx1"/>
-              </a:solidFill>
-            </a:endParaRPr>
-          </a:p>
-        </p:txBody>
-      </p:sp>
-      <p:cxnSp>
-        <p:nvCxnSpPr>
-          <p:cNvPr id="18" name="Gerade Verbindung 17"/>
-          <p:cNvCxnSpPr/>
-          <p:nvPr/>
-        </p:nvCxnSpPr>
-        <p:spPr>
-          <a:xfrm flipV="1">
-            <a:off x="3366842" y="4591228"/>
-            <a:ext cx="0" cy="911292"/>
-          </a:xfrm>
-          <a:prstGeom prst="line">
-            <a:avLst/>
-          </a:prstGeom>
-        </p:spPr>
-        <p:style>
-          <a:lnRef idx="2">
-            <a:schemeClr val="dk1"/>
-          </a:lnRef>
-          <a:fillRef idx="0">
-            <a:schemeClr val="dk1"/>
-          </a:fillRef>
-          <a:effectRef idx="1">
-            <a:schemeClr val="dk1"/>
-          </a:effectRef>
-          <a:fontRef idx="minor">
-            <a:schemeClr val="tx1"/>
-          </a:fontRef>
-        </p:style>
-      </p:cxnSp>
-      <p:cxnSp>
-        <p:nvCxnSpPr>
-          <p:cNvPr id="19" name="Gerade Verbindung mit Pfeil 18"/>
-          <p:cNvCxnSpPr>
-            <a:endCxn id="17" idx="2"/>
-          </p:cNvCxnSpPr>
-          <p:nvPr/>
-        </p:nvCxnSpPr>
-        <p:spPr>
-          <a:xfrm>
-            <a:off x="3366842" y="5502520"/>
-            <a:ext cx="2908574" cy="0"/>
-          </a:xfrm>
-          <a:prstGeom prst="straightConnector1">
-            <a:avLst/>
-          </a:prstGeom>
-          <a:ln>
-            <a:tailEnd type="arrow"/>
-          </a:ln>
-        </p:spPr>
-        <p:style>
-          <a:lnRef idx="2">
-            <a:schemeClr val="dk1"/>
-          </a:lnRef>
-          <a:fillRef idx="0">
-            <a:schemeClr val="dk1"/>
-          </a:fillRef>
-          <a:effectRef idx="1">
-            <a:schemeClr val="dk1"/>
-          </a:effectRef>
-          <a:fontRef idx="minor">
-            <a:schemeClr val="tx1"/>
-          </a:fontRef>
-        </p:style>
-      </p:cxnSp>
-      <p:cxnSp>
-        <p:nvCxnSpPr>
-          <p:cNvPr id="20" name="Gerade Verbindung mit Pfeil 19"/>
-          <p:cNvCxnSpPr>
-            <a:stCxn id="16" idx="3"/>
-            <a:endCxn id="17" idx="1"/>
-          </p:cNvCxnSpPr>
-          <p:nvPr/>
-        </p:nvCxnSpPr>
-        <p:spPr>
-          <a:xfrm flipH="1">
-            <a:off x="6870576" y="4490915"/>
-            <a:ext cx="9339" cy="711201"/>
-          </a:xfrm>
-          <a:prstGeom prst="straightConnector1">
-            <a:avLst/>
-          </a:prstGeom>
-          <a:ln>
-            <a:tailEnd type="arrow"/>
-          </a:ln>
-        </p:spPr>
-        <p:style>
-          <a:lnRef idx="2">
-            <a:schemeClr val="dk1"/>
-          </a:lnRef>
-          <a:fillRef idx="0">
-            <a:schemeClr val="dk1"/>
-          </a:fillRef>
-          <a:effectRef idx="1">
-            <a:schemeClr val="dk1"/>
-          </a:effectRef>
-          <a:fontRef idx="minor">
-            <a:schemeClr val="tx1"/>
-          </a:fontRef>
-        </p:style>
-      </p:cxnSp>
-      <p:sp>
-        <p:nvSpPr>
-          <p:cNvPr id="21" name="Textfeld 20"/>
-          <p:cNvSpPr txBox="1"/>
-          <p:nvPr/>
-        </p:nvSpPr>
-        <p:spPr>
-          <a:xfrm>
-            <a:off x="4057702" y="5215753"/>
-            <a:ext cx="1524000" cy="276999"/>
-          </a:xfrm>
-          <a:prstGeom prst="rect">
-            <a:avLst/>
-          </a:prstGeom>
-          <a:noFill/>
-        </p:spPr>
-        <p:txBody>
-          <a:bodyPr wrap="square" rtlCol="0">
-            <a:spAutoFit/>
-          </a:bodyPr>
-          <a:lstStyle/>
-          <a:p>
-            <a:r>
-              <a:rPr lang="de-DE" sz="1200" dirty="0" err="1" smtClean="0"/>
-              <a:t>train</a:t>
-            </a:r>
-            <a:r>
-              <a:rPr lang="de-DE" sz="1200" dirty="0" smtClean="0"/>
-              <a:t> </a:t>
-            </a:r>
-            <a:r>
-              <a:rPr lang="de-DE" sz="1200" dirty="0" err="1" smtClean="0"/>
-              <a:t>classifier</a:t>
-            </a:r>
-            <a:endParaRPr lang="de-DE" sz="1200" dirty="0"/>
-          </a:p>
-        </p:txBody>
-      </p:sp>
-      <p:sp>
-        <p:nvSpPr>
-          <p:cNvPr id="22" name="Textfeld 21"/>
-          <p:cNvSpPr txBox="1"/>
-          <p:nvPr/>
-        </p:nvSpPr>
-        <p:spPr>
-          <a:xfrm>
-            <a:off x="6894999" y="4569245"/>
-            <a:ext cx="1524000" cy="276999"/>
-          </a:xfrm>
-          <a:prstGeom prst="rect">
-            <a:avLst/>
-          </a:prstGeom>
-          <a:noFill/>
-        </p:spPr>
-        <p:txBody>
-          <a:bodyPr wrap="square" rtlCol="0">
-            <a:spAutoFit/>
-          </a:bodyPr>
-          <a:lstStyle/>
-          <a:p>
-            <a:r>
-              <a:rPr lang="de-DE" sz="1200" dirty="0" err="1"/>
-              <a:t>t</a:t>
-            </a:r>
-            <a:r>
-              <a:rPr lang="de-DE" sz="1200" dirty="0" err="1" smtClean="0"/>
-              <a:t>est</a:t>
-            </a:r>
-            <a:r>
-              <a:rPr lang="de-DE" sz="1200" dirty="0" smtClean="0"/>
-              <a:t> </a:t>
-            </a:r>
-            <a:r>
-              <a:rPr lang="de-DE" sz="1200" dirty="0" err="1" smtClean="0"/>
-              <a:t>classifier</a:t>
-            </a:r>
-            <a:endParaRPr lang="de-DE" sz="1200" dirty="0"/>
-          </a:p>
-        </p:txBody>
-      </p:sp>
-      <p:sp>
-        <p:nvSpPr>
-          <p:cNvPr id="23" name="Rechteck 22"/>
-          <p:cNvSpPr/>
-          <p:nvPr/>
-        </p:nvSpPr>
-        <p:spPr>
-          <a:xfrm>
-            <a:off x="6184620" y="6188809"/>
-            <a:ext cx="1390590" cy="542192"/>
-          </a:xfrm>
-          <a:prstGeom prst="rect">
-            <a:avLst/>
-          </a:prstGeom>
-        </p:spPr>
-        <p:style>
-          <a:lnRef idx="2">
-            <a:schemeClr val="accent5">
-              <a:shade val="50000"/>
-            </a:schemeClr>
-          </a:lnRef>
-          <a:fillRef idx="1">
-            <a:schemeClr val="accent5"/>
-          </a:fillRef>
-          <a:effectRef idx="0">
-            <a:schemeClr val="accent5"/>
-          </a:effectRef>
-          <a:fontRef idx="minor">
-            <a:schemeClr val="lt1"/>
-          </a:fontRef>
-        </p:style>
-        <p:txBody>
-          <a:bodyPr rtlCol="0" anchor="ctr"/>
-          <a:lstStyle/>
-          <a:p>
-            <a:pPr algn="ctr"/>
-            <a:r>
-              <a:rPr lang="de-DE" sz="1200" dirty="0" smtClean="0"/>
-              <a:t>Labels</a:t>
-            </a:r>
-            <a:endParaRPr lang="de-DE" sz="1200" dirty="0"/>
-          </a:p>
-        </p:txBody>
-      </p:sp>
-      <p:cxnSp>
-        <p:nvCxnSpPr>
-          <p:cNvPr id="24" name="Gerade Verbindung mit Pfeil 23"/>
-          <p:cNvCxnSpPr>
-            <a:stCxn id="17" idx="3"/>
-            <a:endCxn id="23" idx="0"/>
-          </p:cNvCxnSpPr>
-          <p:nvPr/>
-        </p:nvCxnSpPr>
-        <p:spPr>
-          <a:xfrm>
-            <a:off x="6870576" y="5802924"/>
-            <a:ext cx="9339" cy="385885"/>
-          </a:xfrm>
-          <a:prstGeom prst="straightConnector1">
-            <a:avLst/>
-          </a:prstGeom>
-          <a:ln>
-            <a:tailEnd type="arrow"/>
-          </a:ln>
-        </p:spPr>
-        <p:style>
-          <a:lnRef idx="2">
-            <a:schemeClr val="dk1"/>
-          </a:lnRef>
-          <a:fillRef idx="0">
-            <a:schemeClr val="dk1"/>
-          </a:fillRef>
-          <a:effectRef idx="1">
-            <a:schemeClr val="dk1"/>
-          </a:effectRef>
-          <a:fontRef idx="minor">
-            <a:schemeClr val="tx1"/>
-          </a:fontRef>
-        </p:style>
-      </p:cxnSp>
-      <p:sp>
-        <p:nvSpPr>
-          <p:cNvPr id="25" name="Rechteck 24"/>
-          <p:cNvSpPr/>
-          <p:nvPr/>
-        </p:nvSpPr>
-        <p:spPr>
-          <a:xfrm>
-            <a:off x="6184352" y="6188809"/>
-            <a:ext cx="1390590" cy="542192"/>
-          </a:xfrm>
-          <a:prstGeom prst="rect">
-            <a:avLst/>
-          </a:prstGeom>
-        </p:spPr>
-        <p:style>
-          <a:lnRef idx="2">
-            <a:schemeClr val="accent5">
-              <a:shade val="50000"/>
-            </a:schemeClr>
-          </a:lnRef>
-          <a:fillRef idx="1">
-            <a:schemeClr val="accent5"/>
-          </a:fillRef>
-          <a:effectRef idx="0">
-            <a:schemeClr val="accent5"/>
-          </a:effectRef>
-          <a:fontRef idx="minor">
-            <a:schemeClr val="lt1"/>
-          </a:fontRef>
-        </p:style>
-        <p:txBody>
-          <a:bodyPr rtlCol="0" anchor="ctr"/>
-          <a:lstStyle/>
-          <a:p>
-            <a:pPr algn="ctr"/>
-            <a:r>
-              <a:rPr lang="de-DE" sz="1200" dirty="0" smtClean="0"/>
-              <a:t>Labels</a:t>
-            </a:r>
-            <a:endParaRPr lang="de-DE" sz="1200" dirty="0"/>
-          </a:p>
-        </p:txBody>
-      </p:sp>
-      <p:cxnSp>
-        <p:nvCxnSpPr>
-          <p:cNvPr id="26" name="Gerade Verbindung mit Pfeil 25"/>
-          <p:cNvCxnSpPr>
-            <a:endCxn id="25" idx="0"/>
-          </p:cNvCxnSpPr>
-          <p:nvPr/>
-        </p:nvCxnSpPr>
-        <p:spPr>
-          <a:xfrm>
-            <a:off x="6870308" y="5802924"/>
-            <a:ext cx="9339" cy="385885"/>
-          </a:xfrm>
-          <a:prstGeom prst="straightConnector1">
-            <a:avLst/>
-          </a:prstGeom>
-          <a:ln>
-            <a:tailEnd type="arrow"/>
-          </a:ln>
-        </p:spPr>
-        <p:style>
-          <a:lnRef idx="2">
-            <a:schemeClr val="dk1"/>
-          </a:lnRef>
-          <a:fillRef idx="0">
-            <a:schemeClr val="dk1"/>
-          </a:fillRef>
-          <a:effectRef idx="1">
-            <a:schemeClr val="dk1"/>
-          </a:effectRef>
-          <a:fontRef idx="minor">
-            <a:schemeClr val="tx1"/>
-          </a:fontRef>
-        </p:style>
-      </p:cxnSp>
-    </p:spTree>
-    <p:extLst>
-      <p:ext uri="{BB962C8B-B14F-4D97-AF65-F5344CB8AC3E}">
-        <p14:creationId xmlns:p14="http://schemas.microsoft.com/office/powerpoint/2010/main" val="1533815703"/>
-      </p:ext>
-    </p:extLst>
-  </p:cSld>
-  <p:clrMapOvr>
-    <a:masterClrMapping/>
-  </p:clrMapOvr>
-  <mc:AlternateContent xmlns:mc="http://schemas.openxmlformats.org/markup-compatibility/2006">
-    <mc:Choice xmlns:p14="http://schemas.microsoft.com/office/powerpoint/2010/main" Requires="p14">
-      <p:transition spd="slow" p14:dur="2000"/>
-    </mc:Choice>
-    <mc:Fallback>
-      <p:transition xmlns:p14="http://schemas.microsoft.com/office/powerpoint/2010/main" spd="slow"/>
-    </mc:Fallback>
-  </mc:AlternateContent>
-  <p:timing>
-    <p:tnLst>
-      <p:par>
-        <p:cTn xmlns:p14="http://schemas.microsoft.com/office/powerpoint/2010/main" id="1" dur="indefinite" restart="never" nodeType="tmRoot">
-          <p:childTnLst>
-            <p:seq concurrent="1" nextAc="seek">
-              <p:cTn id="2" dur="indefinite" nodeType="mainSeq">
-                <p:childTnLst>
-                  <p:par>
-                    <p:cTn id="3" fill="hold">
-                      <p:stCondLst>
-                        <p:cond delay="indefinite"/>
-                        <p:cond evt="onBegin" delay="0">
-                          <p:tn val="2"/>
-                        </p:cond>
-                      </p:stCondLst>
-                      <p:childTnLst>
-                        <p:par>
-                          <p:cTn id="4" fill="hold">
-                            <p:stCondLst>
-                              <p:cond delay="0"/>
-                            </p:stCondLst>
-                            <p:childTnLst>
-                              <p:par>
-                                <p:cTn id="5" presetID="9" presetClass="emph" presetSubtype="0" nodeType="withEffect">
-                                  <p:stCondLst>
-                                    <p:cond delay="0"/>
-                                  </p:stCondLst>
-                                  <p:childTnLst>
-                                    <p:set>
-                                      <p:cBhvr rctx="PPT">
-                                        <p:cTn id="6" dur="indefinite"/>
-                                        <p:tgtEl>
-                                          <p:spTgt spid="24"/>
-                                        </p:tgtEl>
-                                        <p:attrNameLst>
-                                          <p:attrName>style.opacity</p:attrName>
-                                        </p:attrNameLst>
-                                      </p:cBhvr>
-                                      <p:to>
-                                        <p:strVal val="0.5"/>
-                                      </p:to>
-                                    </p:set>
-                                    <p:animEffect filter="image" prLst="opacity: 0.5">
-                                      <p:cBhvr rctx="IE">
-                                        <p:cTn id="7" dur="indefinite"/>
-                                        <p:tgtEl>
-                                          <p:spTgt spid="24"/>
-                                        </p:tgtEl>
-                                      </p:cBhvr>
-                                    </p:animEffect>
-                                  </p:childTnLst>
-                                </p:cTn>
-                              </p:par>
-                              <p:par>
-                                <p:cTn id="8" presetID="9" presetClass="emph" presetSubtype="0" grpId="0" nodeType="withEffect">
-                                  <p:stCondLst>
-                                    <p:cond delay="0"/>
-                                  </p:stCondLst>
-                                  <p:childTnLst>
-                                    <p:set>
-                                      <p:cBhvr rctx="PPT">
-                                        <p:cTn id="9" dur="indefinite"/>
-                                        <p:tgtEl>
-                                          <p:spTgt spid="23"/>
-                                        </p:tgtEl>
-                                        <p:attrNameLst>
-                                          <p:attrName>style.opacity</p:attrName>
-                                        </p:attrNameLst>
-                                      </p:cBhvr>
-                                      <p:to>
-                                        <p:strVal val="0.5"/>
-                                      </p:to>
-                                    </p:set>
-                                    <p:animEffect filter="image" prLst="opacity: 0.5">
-                                      <p:cBhvr rctx="IE">
-                                        <p:cTn id="10" dur="indefinite"/>
-                                        <p:tgtEl>
-                                          <p:spTgt spid="23"/>
-                                        </p:tgtEl>
-                                      </p:cBhvr>
-                                    </p:animEffect>
-                                  </p:childTnLst>
-                                </p:cTn>
-                              </p:par>
-                              <p:par>
-                                <p:cTn id="11" presetID="1" presetClass="exit" presetSubtype="0" fill="hold" grpId="0" nodeType="withEffect">
-                                  <p:stCondLst>
-                                    <p:cond delay="0"/>
-                                  </p:stCondLst>
-                                  <p:childTnLst>
-                                    <p:set>
-                                      <p:cBhvr>
-                                        <p:cTn id="12" dur="1" fill="hold">
-                                          <p:stCondLst>
-                                            <p:cond delay="0"/>
-                                          </p:stCondLst>
-                                        </p:cTn>
-                                        <p:tgtEl>
-                                          <p:spTgt spid="25"/>
-                                        </p:tgtEl>
-                                        <p:attrNameLst>
-                                          <p:attrName>style.visibility</p:attrName>
-                                        </p:attrNameLst>
-                                      </p:cBhvr>
-                                      <p:to>
-                                        <p:strVal val="hidden"/>
-                                      </p:to>
-                                    </p:set>
-                                  </p:childTnLst>
-                                </p:cTn>
-                              </p:par>
-                              <p:par>
-                                <p:cTn id="13" presetID="1" presetClass="exit" presetSubtype="0" fill="hold" nodeType="withEffect">
-                                  <p:stCondLst>
-                                    <p:cond delay="0"/>
-                                  </p:stCondLst>
-                                  <p:childTnLst>
-                                    <p:set>
-                                      <p:cBhvr>
-                                        <p:cTn id="14" dur="1" fill="hold">
-                                          <p:stCondLst>
-                                            <p:cond delay="0"/>
-                                          </p:stCondLst>
-                                        </p:cTn>
-                                        <p:tgtEl>
-                                          <p:spTgt spid="26"/>
-                                        </p:tgtEl>
-                                        <p:attrNameLst>
-                                          <p:attrName>style.visibility</p:attrName>
-                                        </p:attrNameLst>
-                                      </p:cBhvr>
-                                      <p:to>
-                                        <p:strVal val="hidden"/>
-                                      </p:to>
-                                    </p:set>
-                                  </p:childTnLst>
-                                </p:cTn>
-                              </p:par>
-                            </p:childTnLst>
-                          </p:cTn>
-                        </p:par>
-                      </p:childTnLst>
-                    </p:cTn>
-                  </p:par>
-                  <p:par>
-                    <p:cTn id="15" fill="hold">
-                      <p:stCondLst>
-                        <p:cond delay="indefinite"/>
-                      </p:stCondLst>
-                      <p:childTnLst>
-                        <p:par>
-                          <p:cTn id="16" fill="hold">
-                            <p:stCondLst>
-                              <p:cond delay="0"/>
-                            </p:stCondLst>
-                            <p:childTnLst>
-                              <p:par>
-                                <p:cTn id="17" presetID="1" presetClass="entr" presetSubtype="0" fill="hold" grpId="1" nodeType="clickEffect">
-                                  <p:stCondLst>
-                                    <p:cond delay="0"/>
-                                  </p:stCondLst>
-                                  <p:childTnLst>
-                                    <p:set>
-                                      <p:cBhvr>
-                                        <p:cTn id="18" dur="1" fill="hold">
-                                          <p:stCondLst>
-                                            <p:cond delay="0"/>
-                                          </p:stCondLst>
-                                        </p:cTn>
-                                        <p:tgtEl>
-                                          <p:spTgt spid="25"/>
-                                        </p:tgtEl>
-                                        <p:attrNameLst>
-                                          <p:attrName>style.visibility</p:attrName>
-                                        </p:attrNameLst>
-                                      </p:cBhvr>
-                                      <p:to>
-                                        <p:strVal val="visible"/>
-                                      </p:to>
-                                    </p:set>
-                                  </p:childTnLst>
-                                </p:cTn>
-                              </p:par>
-                              <p:par>
-                                <p:cTn id="19" presetID="1" presetClass="entr" presetSubtype="0" fill="hold" nodeType="withEffect">
-                                  <p:stCondLst>
-                                    <p:cond delay="0"/>
-                                  </p:stCondLst>
-                                  <p:childTnLst>
-                                    <p:set>
-                                      <p:cBhvr>
-                                        <p:cTn id="20" dur="1" fill="hold">
-                                          <p:stCondLst>
-                                            <p:cond delay="0"/>
-                                          </p:stCondLst>
-                                        </p:cTn>
-                                        <p:tgtEl>
-                                          <p:spTgt spid="26"/>
-                                        </p:tgtEl>
-                                        <p:attrNameLst>
-                                          <p:attrName>style.visibility</p:attrName>
-                                        </p:attrNameLst>
-                                      </p:cBhvr>
-                                      <p:to>
-                                        <p:strVal val="visible"/>
-                                      </p:to>
-                                    </p:set>
-                                  </p:childTnLst>
-                                </p:cTn>
-                              </p:par>
-                            </p:childTnLst>
-                          </p:cTn>
-                        </p:par>
-                      </p:childTnLst>
-                    </p:cTn>
-                  </p:par>
-                </p:childTnLst>
-              </p:cTn>
-              <p:prevCondLst>
-                <p:cond evt="onPrev" delay="0">
-                  <p:tgtEl>
-                    <p:sldTgt/>
-                  </p:tgtEl>
-                </p:cond>
-              </p:prevCondLst>
-              <p:nextCondLst>
-                <p:cond evt="onNext" delay="0">
-                  <p:tgtEl>
-                    <p:sldTgt/>
-                  </p:tgtEl>
-                </p:cond>
-              </p:nextCondLst>
-            </p:seq>
-          </p:childTnLst>
-        </p:cTn>
-      </p:par>
-    </p:tnLst>
-    <p:bldLst>
-      <p:bldP spid="23" grpId="0" animBg="1"/>
-      <p:bldP spid="25" grpId="0" animBg="1"/>
-      <p:bldP spid="25" grpId="1" animBg="1"/>
-    </p:bldLst>
-  </p:timing>
-</p:sld>
-</file>
-
-<file path=ppt/slides/slide12.xml><?xml version="1.0" encoding="utf-8"?>
 <p:sld xmlns:a="http://schemas.openxmlformats.org/drawingml/2006/main" xmlns:r="http://schemas.openxmlformats.org/officeDocument/2006/relationships" xmlns:p="http://schemas.openxmlformats.org/presentationml/2006/main">
   <p:cSld>
     <p:spTree>
@@ -9227,7 +7925,7 @@
           <a:p>
             <a:fld id="{C01938AF-F9EA-434A-A4EB-30D6D6E13CD1}" type="slidenum">
               <a:rPr lang="de-DE" smtClean="0"/>
-              <a:t>12</a:t>
+              <a:t>11</a:t>
             </a:fld>
             <a:endParaRPr lang="de-DE"/>
           </a:p>
@@ -9253,7 +7951,7 @@
 </p:sld>
 </file>
 
-<file path=ppt/slides/slide13.xml><?xml version="1.0" encoding="utf-8"?>
+<file path=ppt/slides/slide12.xml><?xml version="1.0" encoding="utf-8"?>
 <p:sld xmlns:a="http://schemas.openxmlformats.org/drawingml/2006/main" xmlns:r="http://schemas.openxmlformats.org/officeDocument/2006/relationships" xmlns:p="http://schemas.openxmlformats.org/presentationml/2006/main">
   <p:cSld>
     <p:spTree>
@@ -9360,7 +8058,7 @@
           <a:p>
             <a:fld id="{C01938AF-F9EA-434A-A4EB-30D6D6E13CD1}" type="slidenum">
               <a:rPr lang="de-DE" smtClean="0"/>
-              <a:t>13</a:t>
+              <a:t>12</a:t>
             </a:fld>
             <a:endParaRPr lang="de-DE"/>
           </a:p>
@@ -9411,7 +8109,7 @@
 </p:sld>
 </file>
 
-<file path=ppt/slides/slide14.xml><?xml version="1.0" encoding="utf-8"?>
+<file path=ppt/slides/slide13.xml><?xml version="1.0" encoding="utf-8"?>
 <p:sld xmlns:a="http://schemas.openxmlformats.org/drawingml/2006/main" xmlns:r="http://schemas.openxmlformats.org/officeDocument/2006/relationships" xmlns:p="http://schemas.openxmlformats.org/presentationml/2006/main">
   <p:cSld>
     <p:spTree>
@@ -9691,7 +8389,7 @@
           <a:p>
             <a:fld id="{C01938AF-F9EA-434A-A4EB-30D6D6E13CD1}" type="slidenum">
               <a:rPr lang="de-DE" smtClean="0"/>
-              <a:t>14</a:t>
+              <a:t>13</a:t>
             </a:fld>
             <a:endParaRPr lang="de-DE"/>
           </a:p>
@@ -9717,7 +8415,7 @@
 </p:sld>
 </file>
 
-<file path=ppt/slides/slide15.xml><?xml version="1.0" encoding="utf-8"?>
+<file path=ppt/slides/slide14.xml><?xml version="1.0" encoding="utf-8"?>
 <p:sld xmlns:a="http://schemas.openxmlformats.org/drawingml/2006/main" xmlns:r="http://schemas.openxmlformats.org/officeDocument/2006/relationships" xmlns:p="http://schemas.openxmlformats.org/presentationml/2006/main">
   <p:cSld>
     <p:spTree>
@@ -9984,7 +8682,7 @@
           <a:p>
             <a:fld id="{C01938AF-F9EA-434A-A4EB-30D6D6E13CD1}" type="slidenum">
               <a:rPr lang="de-DE" smtClean="0"/>
-              <a:t>15</a:t>
+              <a:t>14</a:t>
             </a:fld>
             <a:endParaRPr lang="de-DE"/>
           </a:p>
@@ -10228,6 +8926,132 @@
 </p:sld>
 </file>
 
+<file path=ppt/slides/slide15.xml><?xml version="1.0" encoding="utf-8"?>
+<p:sld xmlns:a="http://schemas.openxmlformats.org/drawingml/2006/main" xmlns:r="http://schemas.openxmlformats.org/officeDocument/2006/relationships" xmlns:p="http://schemas.openxmlformats.org/presentationml/2006/main">
+  <p:cSld>
+    <p:spTree>
+      <p:nvGrpSpPr>
+        <p:cNvPr id="1" name=""/>
+        <p:cNvGrpSpPr/>
+        <p:nvPr/>
+      </p:nvGrpSpPr>
+      <p:grpSpPr>
+        <a:xfrm>
+          <a:off x="0" y="0"/>
+          <a:ext cx="0" cy="0"/>
+          <a:chOff x="0" y="0"/>
+          <a:chExt cx="0" cy="0"/>
+        </a:xfrm>
+      </p:grpSpPr>
+      <p:sp>
+        <p:nvSpPr>
+          <p:cNvPr id="2" name="Titel 1"/>
+          <p:cNvSpPr>
+            <a:spLocks noGrp="1"/>
+          </p:cNvSpPr>
+          <p:nvPr>
+            <p:ph type="title"/>
+          </p:nvPr>
+        </p:nvSpPr>
+        <p:spPr/>
+        <p:txBody>
+          <a:bodyPr/>
+          <a:lstStyle/>
+          <a:p>
+            <a:r>
+              <a:rPr lang="de-DE" dirty="0" err="1" smtClean="0"/>
+              <a:t>Questions</a:t>
+            </a:r>
+            <a:r>
+              <a:rPr lang="de-DE" dirty="0" smtClean="0"/>
+              <a:t>?</a:t>
+            </a:r>
+            <a:endParaRPr lang="de-DE" dirty="0"/>
+          </a:p>
+        </p:txBody>
+      </p:sp>
+      <p:sp>
+        <p:nvSpPr>
+          <p:cNvPr id="4" name="Datumsplatzhalter 3"/>
+          <p:cNvSpPr>
+            <a:spLocks noGrp="1"/>
+          </p:cNvSpPr>
+          <p:nvPr>
+            <p:ph type="dt" sz="half" idx="10"/>
+          </p:nvPr>
+        </p:nvSpPr>
+        <p:spPr/>
+        <p:txBody>
+          <a:bodyPr/>
+          <a:lstStyle/>
+          <a:p>
+            <a:fld id="{2D4733B8-70C3-6141-8B66-0EF5CA422C2F}" type="datetime5">
+              <a:rPr lang="de-DE" smtClean="0"/>
+              <a:t>19-Okt-15</a:t>
+            </a:fld>
+            <a:endParaRPr lang="de-DE"/>
+          </a:p>
+        </p:txBody>
+      </p:sp>
+      <p:sp>
+        <p:nvSpPr>
+          <p:cNvPr id="5" name="Fußzeilenplatzhalter 4"/>
+          <p:cNvSpPr>
+            <a:spLocks noGrp="1"/>
+          </p:cNvSpPr>
+          <p:nvPr>
+            <p:ph type="ftr" sz="quarter" idx="11"/>
+          </p:nvPr>
+        </p:nvSpPr>
+        <p:spPr/>
+        <p:txBody>
+          <a:bodyPr/>
+          <a:lstStyle/>
+          <a:p>
+            <a:r>
+              <a:rPr lang="de-DE" smtClean="0"/>
+              <a:t>A. Patel, C. Kaiser, L. Schmitz, N. Tatarakis </a:t>
+            </a:r>
+            <a:endParaRPr lang="de-DE"/>
+          </a:p>
+        </p:txBody>
+      </p:sp>
+      <p:sp>
+        <p:nvSpPr>
+          <p:cNvPr id="6" name="Foliennummernplatzhalter 5"/>
+          <p:cNvSpPr>
+            <a:spLocks noGrp="1"/>
+          </p:cNvSpPr>
+          <p:nvPr>
+            <p:ph type="sldNum" sz="quarter" idx="12"/>
+          </p:nvPr>
+        </p:nvSpPr>
+        <p:spPr/>
+        <p:txBody>
+          <a:bodyPr/>
+          <a:lstStyle/>
+          <a:p>
+            <a:fld id="{C01938AF-F9EA-434A-A4EB-30D6D6E13CD1}" type="slidenum">
+              <a:rPr lang="de-DE" smtClean="0"/>
+              <a:t>15</a:t>
+            </a:fld>
+            <a:endParaRPr lang="de-DE"/>
+          </a:p>
+        </p:txBody>
+      </p:sp>
+    </p:spTree>
+    <p:extLst>
+      <p:ext uri="{BB962C8B-B14F-4D97-AF65-F5344CB8AC3E}">
+        <p14:creationId xmlns:p14="http://schemas.microsoft.com/office/powerpoint/2010/main" val="2193966775"/>
+      </p:ext>
+    </p:extLst>
+  </p:cSld>
+  <p:clrMapOvr>
+    <a:masterClrMapping/>
+  </p:clrMapOvr>
+</p:sld>
+</file>
+
 <file path=ppt/slides/slide16.xml><?xml version="1.0" encoding="utf-8"?>
 <p:sld xmlns:a="http://schemas.openxmlformats.org/drawingml/2006/main" xmlns:r="http://schemas.openxmlformats.org/officeDocument/2006/relationships" xmlns:p="http://schemas.openxmlformats.org/presentationml/2006/main">
   <p:cSld>
@@ -10257,17 +9081,877 @@
         </p:nvSpPr>
         <p:spPr/>
         <p:txBody>
-          <a:bodyPr/>
-          <a:lstStyle/>
+          <a:bodyPr>
+            <a:normAutofit/>
+          </a:bodyPr>
+          <a:lstStyle/>
+          <a:p>
+            <a:r>
+              <a:rPr lang="de-DE" dirty="0" smtClean="0"/>
+              <a:t>References</a:t>
+            </a:r>
+            <a:endParaRPr lang="de-DE" dirty="0"/>
+          </a:p>
+        </p:txBody>
+      </p:sp>
+      <p:sp>
+        <p:nvSpPr>
+          <p:cNvPr id="3" name="Inhaltsplatzhalter 2"/>
+          <p:cNvSpPr>
+            <a:spLocks noGrp="1"/>
+          </p:cNvSpPr>
+          <p:nvPr>
+            <p:ph idx="1"/>
+          </p:nvPr>
+        </p:nvSpPr>
+        <p:spPr/>
+        <p:txBody>
+          <a:bodyPr>
+            <a:normAutofit fontScale="47500" lnSpcReduction="20000"/>
+          </a:bodyPr>
+          <a:lstStyle/>
+          <a:p>
+            <a:r>
+              <a:rPr lang="de-DE" dirty="0"/>
+              <a:t>XHJS </a:t>
+            </a:r>
+            <a:r>
+              <a:rPr lang="de-DE" dirty="0" err="1"/>
+              <a:t>Downie</a:t>
+            </a:r>
+            <a:r>
+              <a:rPr lang="de-DE" dirty="0"/>
+              <a:t>, Cyril Laurier, </a:t>
+            </a:r>
+            <a:r>
+              <a:rPr lang="de-DE" dirty="0" err="1"/>
+              <a:t>and</a:t>
+            </a:r>
+            <a:r>
+              <a:rPr lang="de-DE" dirty="0"/>
+              <a:t> MBAF Ehmann. The 2007 </a:t>
+            </a:r>
+            <a:r>
+              <a:rPr lang="de-DE" dirty="0" err="1"/>
+              <a:t>mirex</a:t>
+            </a:r>
+            <a:r>
+              <a:rPr lang="de-DE" dirty="0"/>
+              <a:t> au- </a:t>
+            </a:r>
+            <a:r>
+              <a:rPr lang="de-DE" dirty="0" err="1"/>
+              <a:t>dio</a:t>
+            </a:r>
+            <a:r>
+              <a:rPr lang="de-DE" dirty="0"/>
+              <a:t> </a:t>
+            </a:r>
+            <a:r>
+              <a:rPr lang="de-DE" dirty="0" err="1"/>
+              <a:t>mood</a:t>
+            </a:r>
+            <a:r>
+              <a:rPr lang="de-DE" dirty="0"/>
+              <a:t> </a:t>
+            </a:r>
+            <a:r>
+              <a:rPr lang="de-DE" dirty="0" err="1"/>
+              <a:t>classification</a:t>
+            </a:r>
+            <a:r>
+              <a:rPr lang="de-DE" dirty="0"/>
+              <a:t> </a:t>
+            </a:r>
+            <a:r>
+              <a:rPr lang="de-DE" dirty="0" err="1"/>
+              <a:t>task</a:t>
+            </a:r>
+            <a:r>
+              <a:rPr lang="de-DE" dirty="0"/>
+              <a:t>: </a:t>
+            </a:r>
+            <a:r>
+              <a:rPr lang="de-DE" dirty="0" err="1"/>
+              <a:t>Lessons</a:t>
+            </a:r>
+            <a:r>
+              <a:rPr lang="de-DE" dirty="0"/>
+              <a:t> </a:t>
+            </a:r>
+            <a:r>
+              <a:rPr lang="de-DE" dirty="0" err="1"/>
+              <a:t>learned</a:t>
+            </a:r>
+            <a:r>
+              <a:rPr lang="de-DE" dirty="0"/>
+              <a:t>. In ISMIR 2008: </a:t>
+            </a:r>
+            <a:r>
+              <a:rPr lang="de-DE" dirty="0" err="1"/>
+              <a:t>Proceed</a:t>
+            </a:r>
+            <a:r>
+              <a:rPr lang="de-DE" dirty="0"/>
+              <a:t>- </a:t>
+            </a:r>
+            <a:r>
+              <a:rPr lang="de-DE" dirty="0" err="1"/>
+              <a:t>ings</a:t>
+            </a:r>
+            <a:r>
+              <a:rPr lang="de-DE" dirty="0"/>
+              <a:t> </a:t>
+            </a:r>
+            <a:r>
+              <a:rPr lang="de-DE" dirty="0" err="1"/>
+              <a:t>of</a:t>
+            </a:r>
+            <a:r>
+              <a:rPr lang="de-DE" dirty="0"/>
+              <a:t> </a:t>
+            </a:r>
+            <a:r>
+              <a:rPr lang="de-DE" dirty="0" err="1"/>
+              <a:t>the</a:t>
+            </a:r>
+            <a:r>
+              <a:rPr lang="de-DE" dirty="0"/>
+              <a:t> 9th International Conference </a:t>
+            </a:r>
+            <a:r>
+              <a:rPr lang="de-DE" dirty="0" err="1"/>
+              <a:t>of</a:t>
+            </a:r>
+            <a:r>
+              <a:rPr lang="de-DE" dirty="0"/>
+              <a:t> Music Information </a:t>
+            </a:r>
+            <a:r>
+              <a:rPr lang="de-DE" dirty="0" err="1"/>
+              <a:t>Retrieval</a:t>
+            </a:r>
+            <a:r>
+              <a:rPr lang="de-DE" dirty="0"/>
+              <a:t>, </a:t>
+            </a:r>
+            <a:r>
+              <a:rPr lang="de-DE" dirty="0" err="1"/>
+              <a:t>page</a:t>
+            </a:r>
+            <a:r>
+              <a:rPr lang="de-DE" dirty="0"/>
+              <a:t> 462. Lulu. </a:t>
+            </a:r>
+            <a:r>
+              <a:rPr lang="de-DE" dirty="0" err="1"/>
+              <a:t>com</a:t>
+            </a:r>
+            <a:r>
+              <a:rPr lang="de-DE" dirty="0"/>
+              <a:t>, 2008. </a:t>
+            </a:r>
+          </a:p>
           <a:p>
             <a:r>
               <a:rPr lang="de-DE" dirty="0" err="1" smtClean="0"/>
-              <a:t>Questions</a:t>
+              <a:t>Youngmoo</a:t>
             </a:r>
             <a:r>
               <a:rPr lang="de-DE" dirty="0" smtClean="0"/>
-              <a:t>?</a:t>
-            </a:r>
+              <a:t> </a:t>
+            </a:r>
+            <a:r>
+              <a:rPr lang="de-DE" dirty="0"/>
+              <a:t>E Kim, Erik M Schmidt, Raymond </a:t>
+            </a:r>
+            <a:r>
+              <a:rPr lang="de-DE" dirty="0" err="1"/>
+              <a:t>Migneco</a:t>
+            </a:r>
+            <a:r>
+              <a:rPr lang="de-DE" dirty="0"/>
+              <a:t>, Brandon G Morton, Patrick Richardson, Jeffrey Scott, </a:t>
+            </a:r>
+            <a:r>
+              <a:rPr lang="de-DE" dirty="0" err="1"/>
+              <a:t>Jacquelin</a:t>
+            </a:r>
+            <a:r>
+              <a:rPr lang="de-DE" dirty="0"/>
+              <a:t> A Speck, </a:t>
+            </a:r>
+            <a:r>
+              <a:rPr lang="de-DE" dirty="0" err="1"/>
+              <a:t>and</a:t>
+            </a:r>
+            <a:r>
+              <a:rPr lang="de-DE" dirty="0"/>
+              <a:t> Dou- glas </a:t>
+            </a:r>
+            <a:r>
+              <a:rPr lang="de-DE" dirty="0" err="1"/>
+              <a:t>Turnbull</a:t>
+            </a:r>
+            <a:r>
+              <a:rPr lang="de-DE" dirty="0"/>
+              <a:t>. Music </a:t>
+            </a:r>
+            <a:r>
+              <a:rPr lang="de-DE" dirty="0" err="1"/>
+              <a:t>emotion</a:t>
+            </a:r>
+            <a:r>
+              <a:rPr lang="de-DE" dirty="0"/>
+              <a:t> </a:t>
+            </a:r>
+            <a:r>
+              <a:rPr lang="de-DE" dirty="0" err="1"/>
+              <a:t>recognition</a:t>
+            </a:r>
+            <a:r>
+              <a:rPr lang="de-DE" dirty="0"/>
+              <a:t>: A </a:t>
+            </a:r>
+            <a:r>
+              <a:rPr lang="de-DE" dirty="0" err="1"/>
+              <a:t>state</a:t>
+            </a:r>
+            <a:r>
+              <a:rPr lang="de-DE" dirty="0"/>
+              <a:t> </a:t>
+            </a:r>
+            <a:r>
+              <a:rPr lang="de-DE" dirty="0" err="1"/>
+              <a:t>of</a:t>
+            </a:r>
+            <a:r>
+              <a:rPr lang="de-DE" dirty="0"/>
+              <a:t> </a:t>
+            </a:r>
+            <a:r>
+              <a:rPr lang="de-DE" dirty="0" err="1"/>
+              <a:t>the</a:t>
+            </a:r>
+            <a:r>
+              <a:rPr lang="de-DE" dirty="0"/>
+              <a:t> </a:t>
+            </a:r>
+            <a:r>
+              <a:rPr lang="de-DE" dirty="0" err="1"/>
+              <a:t>art</a:t>
+            </a:r>
+            <a:r>
+              <a:rPr lang="de-DE" dirty="0"/>
+              <a:t> </a:t>
+            </a:r>
+            <a:r>
+              <a:rPr lang="de-DE" dirty="0" err="1"/>
+              <a:t>review</a:t>
+            </a:r>
+            <a:r>
+              <a:rPr lang="de-DE" dirty="0"/>
+              <a:t>. In </a:t>
+            </a:r>
+            <a:r>
+              <a:rPr lang="de-DE" dirty="0" err="1"/>
+              <a:t>Proc</a:t>
+            </a:r>
+            <a:r>
+              <a:rPr lang="de-DE" dirty="0"/>
+              <a:t>. ISMIR, </a:t>
+            </a:r>
+            <a:r>
+              <a:rPr lang="de-DE" dirty="0" err="1"/>
+              <a:t>pages</a:t>
+            </a:r>
+            <a:r>
+              <a:rPr lang="de-DE" dirty="0"/>
+              <a:t> 255–266. </a:t>
+            </a:r>
+            <a:r>
+              <a:rPr lang="de-DE" dirty="0" err="1"/>
+              <a:t>Citeseer</a:t>
+            </a:r>
+            <a:r>
+              <a:rPr lang="de-DE" dirty="0"/>
+              <a:t>, 2010. </a:t>
+            </a:r>
+          </a:p>
+          <a:p>
+            <a:r>
+              <a:rPr lang="de-DE" dirty="0" smtClean="0"/>
+              <a:t>Yong </a:t>
+            </a:r>
+            <a:r>
+              <a:rPr lang="de-DE" dirty="0"/>
+              <a:t>H Li </a:t>
+            </a:r>
+            <a:r>
+              <a:rPr lang="de-DE" dirty="0" err="1"/>
+              <a:t>and</a:t>
+            </a:r>
+            <a:r>
+              <a:rPr lang="de-DE" dirty="0"/>
+              <a:t> Anil K. Jain. </a:t>
+            </a:r>
+            <a:r>
+              <a:rPr lang="de-DE" dirty="0" err="1"/>
+              <a:t>Classification</a:t>
+            </a:r>
+            <a:r>
+              <a:rPr lang="de-DE" dirty="0"/>
+              <a:t> </a:t>
+            </a:r>
+            <a:r>
+              <a:rPr lang="de-DE" dirty="0" err="1"/>
+              <a:t>of</a:t>
+            </a:r>
+            <a:r>
+              <a:rPr lang="de-DE" dirty="0"/>
+              <a:t> </a:t>
+            </a:r>
+            <a:r>
+              <a:rPr lang="de-DE" dirty="0" err="1"/>
+              <a:t>text</a:t>
+            </a:r>
+            <a:r>
+              <a:rPr lang="de-DE" dirty="0"/>
+              <a:t> </a:t>
+            </a:r>
+            <a:r>
+              <a:rPr lang="de-DE" dirty="0" err="1"/>
+              <a:t>documents</a:t>
+            </a:r>
+            <a:r>
+              <a:rPr lang="de-DE" dirty="0"/>
+              <a:t>. The Computer Journal, 41(8):537–546, 1998. </a:t>
+            </a:r>
+          </a:p>
+          <a:p>
+            <a:r>
+              <a:rPr lang="de-DE" dirty="0" smtClean="0"/>
+              <a:t>Thomas </a:t>
+            </a:r>
+            <a:r>
+              <a:rPr lang="de-DE" dirty="0"/>
+              <a:t>M. Mitchell. </a:t>
+            </a:r>
+            <a:r>
+              <a:rPr lang="de-DE" dirty="0" err="1"/>
+              <a:t>Machine</a:t>
+            </a:r>
+            <a:r>
+              <a:rPr lang="de-DE" dirty="0"/>
+              <a:t> Learning. McGraw-Hill, Inc., New York, NY, USA, 1 </a:t>
+            </a:r>
+            <a:r>
+              <a:rPr lang="de-DE" dirty="0" err="1"/>
+              <a:t>edition</a:t>
+            </a:r>
+            <a:r>
+              <a:rPr lang="de-DE" dirty="0"/>
+              <a:t>, 1997. </a:t>
+            </a:r>
+            <a:endParaRPr lang="de-DE" dirty="0" smtClean="0"/>
+          </a:p>
+          <a:p>
+            <a:r>
+              <a:rPr lang="de-DE" dirty="0" smtClean="0"/>
+              <a:t>Jason </a:t>
+            </a:r>
+            <a:r>
+              <a:rPr lang="de-DE" dirty="0"/>
+              <a:t>D </a:t>
+            </a:r>
+            <a:r>
+              <a:rPr lang="de-DE" dirty="0" err="1"/>
+              <a:t>Rennie</a:t>
+            </a:r>
+            <a:r>
+              <a:rPr lang="de-DE" dirty="0"/>
+              <a:t>, Lawrence </a:t>
+            </a:r>
+            <a:r>
+              <a:rPr lang="de-DE" dirty="0" err="1"/>
+              <a:t>Shih</a:t>
+            </a:r>
+            <a:r>
+              <a:rPr lang="de-DE" dirty="0"/>
+              <a:t>, Jaime </a:t>
+            </a:r>
+            <a:r>
+              <a:rPr lang="de-DE" dirty="0" err="1"/>
+              <a:t>Teevan</a:t>
+            </a:r>
+            <a:r>
+              <a:rPr lang="de-DE" dirty="0"/>
+              <a:t>, David R Karger, et al. Tackling </a:t>
+            </a:r>
+            <a:r>
+              <a:rPr lang="de-DE" dirty="0" err="1"/>
+              <a:t>the</a:t>
+            </a:r>
+            <a:r>
+              <a:rPr lang="de-DE" dirty="0"/>
+              <a:t> </a:t>
+            </a:r>
+            <a:r>
+              <a:rPr lang="de-DE" dirty="0" err="1"/>
+              <a:t>poor</a:t>
+            </a:r>
+            <a:r>
+              <a:rPr lang="de-DE" dirty="0"/>
+              <a:t> </a:t>
+            </a:r>
+            <a:r>
+              <a:rPr lang="de-DE" dirty="0" err="1"/>
+              <a:t>assumptions</a:t>
+            </a:r>
+            <a:r>
+              <a:rPr lang="de-DE" dirty="0"/>
+              <a:t> </a:t>
+            </a:r>
+            <a:r>
+              <a:rPr lang="de-DE" dirty="0" err="1"/>
+              <a:t>of</a:t>
+            </a:r>
+            <a:r>
+              <a:rPr lang="de-DE" dirty="0"/>
+              <a:t> naive </a:t>
+            </a:r>
+            <a:r>
+              <a:rPr lang="de-DE" dirty="0" err="1"/>
+              <a:t>bayes</a:t>
+            </a:r>
+            <a:r>
+              <a:rPr lang="de-DE" dirty="0"/>
+              <a:t> </a:t>
+            </a:r>
+            <a:r>
+              <a:rPr lang="de-DE" dirty="0" err="1"/>
+              <a:t>text</a:t>
+            </a:r>
+            <a:r>
+              <a:rPr lang="de-DE" dirty="0"/>
+              <a:t> </a:t>
+            </a:r>
+            <a:r>
+              <a:rPr lang="de-DE" dirty="0" err="1"/>
+              <a:t>classifiers</a:t>
+            </a:r>
+            <a:r>
+              <a:rPr lang="de-DE" dirty="0"/>
+              <a:t>. In ICML, </a:t>
+            </a:r>
+            <a:r>
+              <a:rPr lang="de-DE" dirty="0" err="1"/>
+              <a:t>volume</a:t>
+            </a:r>
+            <a:r>
+              <a:rPr lang="de-DE" dirty="0"/>
+              <a:t> 3, </a:t>
+            </a:r>
+            <a:r>
+              <a:rPr lang="de-DE" dirty="0" err="1"/>
+              <a:t>pages</a:t>
+            </a:r>
+            <a:r>
+              <a:rPr lang="de-DE" dirty="0"/>
+              <a:t> 616–623. Washington DC), 2003. </a:t>
+            </a:r>
+          </a:p>
+          <a:p>
+            <a:r>
+              <a:rPr lang="de-DE" dirty="0" smtClean="0"/>
+              <a:t>Theresa </a:t>
+            </a:r>
+            <a:r>
+              <a:rPr lang="de-DE" dirty="0"/>
+              <a:t>Wilson, </a:t>
+            </a:r>
+            <a:r>
+              <a:rPr lang="de-DE" dirty="0" err="1"/>
+              <a:t>Janyce</a:t>
+            </a:r>
+            <a:r>
+              <a:rPr lang="de-DE" dirty="0"/>
+              <a:t> Wiebe, </a:t>
+            </a:r>
+            <a:r>
+              <a:rPr lang="de-DE" dirty="0" err="1"/>
+              <a:t>and</a:t>
+            </a:r>
+            <a:r>
+              <a:rPr lang="de-DE" dirty="0"/>
+              <a:t> Paul Hoffmann. </a:t>
+            </a:r>
+            <a:r>
+              <a:rPr lang="de-DE" dirty="0" err="1"/>
+              <a:t>Recognizing</a:t>
+            </a:r>
+            <a:r>
+              <a:rPr lang="de-DE" dirty="0"/>
+              <a:t> </a:t>
+            </a:r>
+            <a:r>
+              <a:rPr lang="de-DE" dirty="0" err="1"/>
+              <a:t>con</a:t>
+            </a:r>
+            <a:r>
+              <a:rPr lang="de-DE" dirty="0"/>
+              <a:t>- </a:t>
+            </a:r>
+            <a:r>
+              <a:rPr lang="de-DE" dirty="0" err="1"/>
+              <a:t>textual</a:t>
+            </a:r>
+            <a:r>
+              <a:rPr lang="de-DE" dirty="0"/>
+              <a:t> </a:t>
+            </a:r>
+            <a:r>
+              <a:rPr lang="de-DE" dirty="0" err="1"/>
+              <a:t>polarity</a:t>
+            </a:r>
+            <a:r>
+              <a:rPr lang="de-DE" dirty="0"/>
+              <a:t> in </a:t>
+            </a:r>
+            <a:r>
+              <a:rPr lang="de-DE" dirty="0" err="1"/>
+              <a:t>phrase</a:t>
+            </a:r>
+            <a:r>
+              <a:rPr lang="de-DE" dirty="0"/>
+              <a:t>-level </a:t>
+            </a:r>
+            <a:r>
+              <a:rPr lang="de-DE" dirty="0" err="1"/>
+              <a:t>sentiment</a:t>
+            </a:r>
+            <a:r>
+              <a:rPr lang="de-DE" dirty="0"/>
+              <a:t> </a:t>
+            </a:r>
+            <a:r>
+              <a:rPr lang="de-DE" dirty="0" err="1"/>
+              <a:t>analysis</a:t>
+            </a:r>
+            <a:r>
+              <a:rPr lang="de-DE" dirty="0"/>
+              <a:t>. In </a:t>
+            </a:r>
+            <a:r>
+              <a:rPr lang="de-DE" dirty="0" err="1"/>
+              <a:t>Proceedings</a:t>
+            </a:r>
+            <a:r>
+              <a:rPr lang="de-DE" dirty="0"/>
+              <a:t> </a:t>
+            </a:r>
+            <a:r>
+              <a:rPr lang="de-DE" dirty="0" err="1"/>
+              <a:t>of</a:t>
+            </a:r>
+            <a:r>
+              <a:rPr lang="de-DE" dirty="0"/>
+              <a:t> </a:t>
+            </a:r>
+            <a:r>
+              <a:rPr lang="de-DE" dirty="0" err="1"/>
+              <a:t>the</a:t>
+            </a:r>
+            <a:r>
+              <a:rPr lang="de-DE" dirty="0"/>
+              <a:t> </a:t>
+            </a:r>
+            <a:r>
+              <a:rPr lang="de-DE" dirty="0" err="1"/>
+              <a:t>conference</a:t>
+            </a:r>
+            <a:r>
+              <a:rPr lang="de-DE" dirty="0"/>
+              <a:t> on human </a:t>
+            </a:r>
+            <a:r>
+              <a:rPr lang="de-DE" dirty="0" err="1"/>
+              <a:t>language</a:t>
+            </a:r>
+            <a:r>
+              <a:rPr lang="de-DE" dirty="0"/>
+              <a:t> </a:t>
+            </a:r>
+            <a:r>
+              <a:rPr lang="de-DE" dirty="0" err="1"/>
+              <a:t>technology</a:t>
+            </a:r>
+            <a:r>
+              <a:rPr lang="de-DE" dirty="0"/>
+              <a:t> </a:t>
+            </a:r>
+            <a:r>
+              <a:rPr lang="de-DE" dirty="0" err="1"/>
+              <a:t>and</a:t>
+            </a:r>
+            <a:r>
+              <a:rPr lang="de-DE" dirty="0"/>
+              <a:t> </a:t>
+            </a:r>
+            <a:r>
+              <a:rPr lang="de-DE" dirty="0" err="1"/>
+              <a:t>empirical</a:t>
+            </a:r>
+            <a:r>
+              <a:rPr lang="de-DE" dirty="0"/>
+              <a:t> </a:t>
+            </a:r>
+            <a:r>
+              <a:rPr lang="de-DE" dirty="0" err="1"/>
+              <a:t>methods</a:t>
+            </a:r>
+            <a:r>
+              <a:rPr lang="de-DE" dirty="0"/>
+              <a:t> in </a:t>
+            </a:r>
+            <a:r>
+              <a:rPr lang="de-DE" dirty="0" err="1"/>
+              <a:t>nat</a:t>
+            </a:r>
+            <a:r>
+              <a:rPr lang="de-DE" dirty="0"/>
+              <a:t>- </a:t>
+            </a:r>
+            <a:r>
+              <a:rPr lang="de-DE" dirty="0" err="1"/>
+              <a:t>ural</a:t>
+            </a:r>
+            <a:r>
+              <a:rPr lang="de-DE" dirty="0"/>
+              <a:t> </a:t>
+            </a:r>
+            <a:r>
+              <a:rPr lang="de-DE" dirty="0" err="1"/>
+              <a:t>language</a:t>
+            </a:r>
+            <a:r>
+              <a:rPr lang="de-DE" dirty="0"/>
+              <a:t> </a:t>
+            </a:r>
+            <a:r>
+              <a:rPr lang="de-DE" dirty="0" err="1"/>
+              <a:t>processing</a:t>
+            </a:r>
+            <a:r>
+              <a:rPr lang="de-DE" dirty="0"/>
+              <a:t>, </a:t>
+            </a:r>
+            <a:r>
+              <a:rPr lang="de-DE" dirty="0" err="1"/>
+              <a:t>pages</a:t>
+            </a:r>
+            <a:r>
+              <a:rPr lang="de-DE" dirty="0"/>
+              <a:t> 347–354. </a:t>
+            </a:r>
+            <a:r>
+              <a:rPr lang="de-DE" dirty="0" err="1"/>
+              <a:t>Association</a:t>
+            </a:r>
+            <a:r>
+              <a:rPr lang="de-DE" dirty="0"/>
+              <a:t> </a:t>
+            </a:r>
+            <a:r>
+              <a:rPr lang="de-DE" dirty="0" err="1"/>
+              <a:t>for</a:t>
+            </a:r>
+            <a:r>
+              <a:rPr lang="de-DE" dirty="0"/>
+              <a:t> </a:t>
+            </a:r>
+            <a:r>
+              <a:rPr lang="de-DE" dirty="0" err="1"/>
+              <a:t>Computational</a:t>
+            </a:r>
+            <a:r>
+              <a:rPr lang="de-DE" dirty="0"/>
+              <a:t> </a:t>
+            </a:r>
+            <a:r>
+              <a:rPr lang="de-DE" dirty="0" err="1"/>
+              <a:t>Linguistics</a:t>
+            </a:r>
+            <a:r>
+              <a:rPr lang="de-DE" dirty="0"/>
+              <a:t>, 2005. </a:t>
+            </a:r>
+          </a:p>
+          <a:p>
+            <a:r>
+              <a:rPr lang="de-DE" dirty="0" smtClean="0"/>
+              <a:t>Dan </a:t>
+            </a:r>
+            <a:r>
+              <a:rPr lang="de-DE" dirty="0"/>
+              <a:t>Yang </a:t>
+            </a:r>
+            <a:r>
+              <a:rPr lang="de-DE" dirty="0" err="1"/>
+              <a:t>and</a:t>
+            </a:r>
+            <a:r>
+              <a:rPr lang="de-DE" dirty="0"/>
+              <a:t> Won-</a:t>
+            </a:r>
+            <a:r>
+              <a:rPr lang="de-DE" dirty="0" err="1"/>
+              <a:t>Sook</a:t>
+            </a:r>
+            <a:r>
+              <a:rPr lang="de-DE" dirty="0"/>
+              <a:t> Lee. Music </a:t>
+            </a:r>
+            <a:r>
+              <a:rPr lang="de-DE" dirty="0" err="1"/>
+              <a:t>emotion</a:t>
+            </a:r>
+            <a:r>
+              <a:rPr lang="de-DE" dirty="0"/>
+              <a:t> </a:t>
+            </a:r>
+            <a:r>
+              <a:rPr lang="de-DE" dirty="0" err="1"/>
+              <a:t>identification</a:t>
+            </a:r>
+            <a:r>
+              <a:rPr lang="de-DE" dirty="0"/>
+              <a:t> </a:t>
+            </a:r>
+            <a:r>
+              <a:rPr lang="de-DE" dirty="0" err="1"/>
+              <a:t>from</a:t>
+            </a:r>
+            <a:r>
+              <a:rPr lang="de-DE" dirty="0"/>
+              <a:t> </a:t>
+            </a:r>
+            <a:r>
+              <a:rPr lang="de-DE" dirty="0" err="1"/>
+              <a:t>lyrics</a:t>
+            </a:r>
+            <a:r>
+              <a:rPr lang="de-DE" dirty="0"/>
+              <a:t>. In Multimedia, 2009. ISM’09. 11th IEEE International Symposium on, </a:t>
+            </a:r>
+            <a:r>
+              <a:rPr lang="de-DE" dirty="0" err="1"/>
+              <a:t>pages</a:t>
+            </a:r>
+            <a:r>
+              <a:rPr lang="de-DE" dirty="0"/>
+              <a:t> 624–629. IEEE, 2009. </a:t>
+            </a:r>
+          </a:p>
+          <a:p>
+            <a:r>
+              <a:rPr lang="de-DE" dirty="0" smtClean="0"/>
+              <a:t>Yi</a:t>
+            </a:r>
+            <a:r>
+              <a:rPr lang="de-DE" dirty="0"/>
+              <a:t>-</a:t>
+            </a:r>
+            <a:r>
+              <a:rPr lang="de-DE" dirty="0" err="1"/>
+              <a:t>Hsuan</a:t>
+            </a:r>
+            <a:r>
+              <a:rPr lang="de-DE" dirty="0"/>
+              <a:t> Yang, </a:t>
+            </a:r>
+            <a:r>
+              <a:rPr lang="de-DE" dirty="0" err="1"/>
+              <a:t>Yu-Ching</a:t>
+            </a:r>
+            <a:r>
+              <a:rPr lang="de-DE" dirty="0"/>
+              <a:t> Lin, </a:t>
+            </a:r>
+            <a:r>
+              <a:rPr lang="de-DE" dirty="0" err="1"/>
+              <a:t>Ya</a:t>
+            </a:r>
+            <a:r>
+              <a:rPr lang="de-DE" dirty="0"/>
+              <a:t>-Fan Su, </a:t>
+            </a:r>
+            <a:r>
+              <a:rPr lang="de-DE" dirty="0" err="1"/>
+              <a:t>and</a:t>
+            </a:r>
+            <a:r>
+              <a:rPr lang="de-DE" dirty="0"/>
+              <a:t> Homer H Chen. A </a:t>
+            </a:r>
+            <a:r>
+              <a:rPr lang="de-DE" dirty="0" err="1"/>
+              <a:t>regression</a:t>
+            </a:r>
+            <a:r>
+              <a:rPr lang="de-DE" dirty="0"/>
+              <a:t> </a:t>
+            </a:r>
+            <a:r>
+              <a:rPr lang="de-DE" dirty="0" err="1"/>
+              <a:t>approach</a:t>
+            </a:r>
+            <a:r>
+              <a:rPr lang="de-DE" dirty="0"/>
+              <a:t> </a:t>
+            </a:r>
+            <a:r>
+              <a:rPr lang="de-DE" dirty="0" err="1"/>
+              <a:t>to</a:t>
+            </a:r>
+            <a:r>
+              <a:rPr lang="de-DE" dirty="0"/>
+              <a:t> </a:t>
+            </a:r>
+            <a:r>
+              <a:rPr lang="de-DE" dirty="0" err="1"/>
+              <a:t>music</a:t>
+            </a:r>
+            <a:r>
+              <a:rPr lang="de-DE" dirty="0"/>
+              <a:t> </a:t>
+            </a:r>
+            <a:r>
+              <a:rPr lang="de-DE" dirty="0" err="1"/>
+              <a:t>emotion</a:t>
+            </a:r>
+            <a:r>
+              <a:rPr lang="de-DE" dirty="0"/>
+              <a:t> </a:t>
+            </a:r>
+            <a:r>
+              <a:rPr lang="de-DE" dirty="0" err="1"/>
+              <a:t>recognition</a:t>
+            </a:r>
+            <a:r>
+              <a:rPr lang="de-DE" dirty="0"/>
+              <a:t>. Audio, Speech, </a:t>
+            </a:r>
+            <a:r>
+              <a:rPr lang="de-DE" dirty="0" err="1"/>
+              <a:t>and</a:t>
+            </a:r>
+            <a:r>
+              <a:rPr lang="de-DE" dirty="0"/>
+              <a:t> Language Processing, IEEE Transactions on, 16(2):448–457, 2008. </a:t>
+            </a:r>
+          </a:p>
+          <a:p>
             <a:endParaRPr lang="de-DE" dirty="0"/>
           </a:p>
         </p:txBody>
@@ -10287,7 +9971,7 @@
           <a:bodyPr/>
           <a:lstStyle/>
           <a:p>
-            <a:fld id="{2D4733B8-70C3-6141-8B66-0EF5CA422C2F}" type="datetime5">
+            <a:fld id="{0176A06F-AB14-F94A-8BCE-1C0CB4911F8E}" type="datetime5">
               <a:rPr lang="de-DE" smtClean="0"/>
               <a:t>19-Okt-15</a:t>
             </a:fld>
@@ -10344,13 +10028,20 @@
     </p:spTree>
     <p:extLst>
       <p:ext uri="{BB962C8B-B14F-4D97-AF65-F5344CB8AC3E}">
-        <p14:creationId xmlns:p14="http://schemas.microsoft.com/office/powerpoint/2010/main" val="2193966775"/>
+        <p14:creationId xmlns:p14="http://schemas.microsoft.com/office/powerpoint/2010/main" val="1097196558"/>
       </p:ext>
     </p:extLst>
   </p:cSld>
   <p:clrMapOvr>
     <a:masterClrMapping/>
   </p:clrMapOvr>
+  <p:timing>
+    <p:tnLst>
+      <p:par>
+        <p:cTn xmlns:p14="http://schemas.microsoft.com/office/powerpoint/2010/main" id="1" dur="indefinite" restart="never" nodeType="tmRoot"/>
+      </p:par>
+    </p:tnLst>
+  </p:timing>
 </p:sld>
 </file>
 
@@ -10383,14 +10074,12 @@
         </p:nvSpPr>
         <p:spPr/>
         <p:txBody>
-          <a:bodyPr>
-            <a:normAutofit/>
-          </a:bodyPr>
+          <a:bodyPr/>
           <a:lstStyle/>
           <a:p>
             <a:r>
               <a:rPr lang="de-DE" dirty="0" smtClean="0"/>
-              <a:t>References</a:t>
+              <a:t>Resources</a:t>
             </a:r>
             <a:endParaRPr lang="de-DE" dirty="0"/>
           </a:p>
@@ -10408,852 +10097,82 @@
         </p:nvSpPr>
         <p:spPr/>
         <p:txBody>
-          <a:bodyPr>
-            <a:normAutofit fontScale="47500" lnSpcReduction="20000"/>
-          </a:bodyPr>
+          <a:bodyPr/>
           <a:lstStyle/>
           <a:p>
             <a:r>
               <a:rPr lang="de-DE" dirty="0"/>
-              <a:t>XHJS </a:t>
+              <a:t>[1] http://</a:t>
             </a:r>
             <a:r>
               <a:rPr lang="de-DE" dirty="0" err="1"/>
-              <a:t>Downie</a:t>
+              <a:t>respiratio-coaching.de</a:t>
             </a:r>
             <a:r>
               <a:rPr lang="de-DE" dirty="0"/>
-              <a:t>, Cyril Laurier, </a:t>
+              <a:t>/</a:t>
             </a:r>
             <a:r>
               <a:rPr lang="de-DE" dirty="0" err="1"/>
-              <a:t>and</a:t>
+              <a:t>wp</a:t>
             </a:r>
             <a:r>
               <a:rPr lang="de-DE" dirty="0"/>
-              <a:t> MBAF Ehmann. The 2007 </a:t>
+              <a:t>-content/</a:t>
             </a:r>
             <a:r>
               <a:rPr lang="de-DE" dirty="0" err="1"/>
-              <a:t>mirex</a:t>
+              <a:t>uploads</a:t>
             </a:r>
             <a:r>
               <a:rPr lang="de-DE" dirty="0"/>
-              <a:t> au- </a:t>
+              <a:t>/2013/08/</a:t>
             </a:r>
             <a:r>
               <a:rPr lang="de-DE" dirty="0" err="1"/>
-              <a:t>dio</a:t>
+              <a:t>therapie_small.png</a:t>
+            </a:r>
+            <a:endParaRPr lang="de-DE" dirty="0"/>
+          </a:p>
+          <a:p>
+            <a:r>
+              <a:rPr lang="de-DE" dirty="0" smtClean="0"/>
+              <a:t>[2</a:t>
             </a:r>
             <a:r>
               <a:rPr lang="de-DE" dirty="0"/>
-              <a:t> </a:t>
+              <a:t>] https://</a:t>
             </a:r>
             <a:r>
               <a:rPr lang="de-DE" dirty="0" err="1"/>
-              <a:t>mood</a:t>
+              <a:t>player.spotify.com</a:t>
             </a:r>
             <a:r>
               <a:rPr lang="de-DE" dirty="0"/>
-              <a:t> </a:t>
+              <a:t>/browse</a:t>
+            </a:r>
+          </a:p>
+          <a:p>
+            <a:r>
+              <a:rPr lang="de-DE" dirty="0" smtClean="0"/>
+              <a:t>[3] http</a:t>
+            </a:r>
+            <a:r>
+              <a:rPr lang="de-DE" dirty="0"/>
+              <a:t>://</a:t>
             </a:r>
             <a:r>
               <a:rPr lang="de-DE" dirty="0" err="1"/>
-              <a:t>classification</a:t>
+              <a:t>www.allmusic.com</a:t>
             </a:r>
             <a:r>
               <a:rPr lang="de-DE" dirty="0"/>
-              <a:t> </a:t>
+              <a:t>/</a:t>
             </a:r>
             <a:r>
               <a:rPr lang="de-DE" dirty="0" err="1"/>
-              <a:t>task</a:t>
-            </a:r>
-            <a:r>
-              <a:rPr lang="de-DE" dirty="0"/>
-              <a:t>: </a:t>
-            </a:r>
-            <a:r>
-              <a:rPr lang="de-DE" dirty="0" err="1"/>
-              <a:t>Lessons</a:t>
-            </a:r>
-            <a:r>
-              <a:rPr lang="de-DE" dirty="0"/>
-              <a:t> </a:t>
-            </a:r>
-            <a:r>
-              <a:rPr lang="de-DE" dirty="0" err="1"/>
-              <a:t>learned</a:t>
-            </a:r>
-            <a:r>
-              <a:rPr lang="de-DE" dirty="0"/>
-              <a:t>. In ISMIR 2008: </a:t>
-            </a:r>
-            <a:r>
-              <a:rPr lang="de-DE" dirty="0" err="1"/>
-              <a:t>Proceed</a:t>
-            </a:r>
-            <a:r>
-              <a:rPr lang="de-DE" dirty="0"/>
-              <a:t>- </a:t>
-            </a:r>
-            <a:r>
-              <a:rPr lang="de-DE" dirty="0" err="1"/>
-              <a:t>ings</a:t>
-            </a:r>
-            <a:r>
-              <a:rPr lang="de-DE" dirty="0"/>
-              <a:t> </a:t>
-            </a:r>
-            <a:r>
-              <a:rPr lang="de-DE" dirty="0" err="1"/>
-              <a:t>of</a:t>
-            </a:r>
-            <a:r>
-              <a:rPr lang="de-DE" dirty="0"/>
-              <a:t> </a:t>
-            </a:r>
-            <a:r>
-              <a:rPr lang="de-DE" dirty="0" err="1"/>
-              <a:t>the</a:t>
-            </a:r>
-            <a:r>
-              <a:rPr lang="de-DE" dirty="0"/>
-              <a:t> 9th International Conference </a:t>
-            </a:r>
-            <a:r>
-              <a:rPr lang="de-DE" dirty="0" err="1"/>
-              <a:t>of</a:t>
-            </a:r>
-            <a:r>
-              <a:rPr lang="de-DE" dirty="0"/>
-              <a:t> Music Information </a:t>
-            </a:r>
-            <a:r>
-              <a:rPr lang="de-DE" dirty="0" err="1"/>
-              <a:t>Retrieval</a:t>
-            </a:r>
-            <a:r>
-              <a:rPr lang="de-DE" dirty="0"/>
-              <a:t>, </a:t>
-            </a:r>
-            <a:r>
-              <a:rPr lang="de-DE" dirty="0" err="1"/>
-              <a:t>page</a:t>
-            </a:r>
-            <a:r>
-              <a:rPr lang="de-DE" dirty="0"/>
-              <a:t> 462. Lulu. </a:t>
-            </a:r>
-            <a:r>
-              <a:rPr lang="de-DE" dirty="0" err="1"/>
-              <a:t>com</a:t>
-            </a:r>
-            <a:r>
-              <a:rPr lang="de-DE" dirty="0"/>
-              <a:t>, 2008. </a:t>
-            </a:r>
-          </a:p>
-          <a:p>
-            <a:r>
-              <a:rPr lang="de-DE" dirty="0" err="1" smtClean="0"/>
-              <a:t>Youngmoo</a:t>
-            </a:r>
-            <a:r>
-              <a:rPr lang="de-DE" dirty="0" smtClean="0"/>
-              <a:t> </a:t>
-            </a:r>
-            <a:r>
-              <a:rPr lang="de-DE" dirty="0"/>
-              <a:t>E Kim, Erik M Schmidt, Raymond </a:t>
-            </a:r>
-            <a:r>
-              <a:rPr lang="de-DE" dirty="0" err="1"/>
-              <a:t>Migneco</a:t>
-            </a:r>
-            <a:r>
-              <a:rPr lang="de-DE" dirty="0"/>
-              <a:t>, Brandon G Morton, Patrick Richardson, Jeffrey Scott, </a:t>
-            </a:r>
-            <a:r>
-              <a:rPr lang="de-DE" dirty="0" err="1"/>
-              <a:t>Jacquelin</a:t>
-            </a:r>
-            <a:r>
-              <a:rPr lang="de-DE" dirty="0"/>
-              <a:t> A Speck, </a:t>
-            </a:r>
-            <a:r>
-              <a:rPr lang="de-DE" dirty="0" err="1"/>
-              <a:t>and</a:t>
-            </a:r>
-            <a:r>
-              <a:rPr lang="de-DE" dirty="0"/>
-              <a:t> Dou- glas </a:t>
-            </a:r>
-            <a:r>
-              <a:rPr lang="de-DE" dirty="0" err="1"/>
-              <a:t>Turnbull</a:t>
-            </a:r>
-            <a:r>
-              <a:rPr lang="de-DE" dirty="0"/>
-              <a:t>. Music </a:t>
-            </a:r>
-            <a:r>
-              <a:rPr lang="de-DE" dirty="0" err="1"/>
-              <a:t>emotion</a:t>
-            </a:r>
-            <a:r>
-              <a:rPr lang="de-DE" dirty="0"/>
-              <a:t> </a:t>
-            </a:r>
-            <a:r>
-              <a:rPr lang="de-DE" dirty="0" err="1"/>
-              <a:t>recognition</a:t>
-            </a:r>
-            <a:r>
-              <a:rPr lang="de-DE" dirty="0"/>
-              <a:t>: A </a:t>
-            </a:r>
-            <a:r>
-              <a:rPr lang="de-DE" dirty="0" err="1"/>
-              <a:t>state</a:t>
-            </a:r>
-            <a:r>
-              <a:rPr lang="de-DE" dirty="0"/>
-              <a:t> </a:t>
-            </a:r>
-            <a:r>
-              <a:rPr lang="de-DE" dirty="0" err="1"/>
-              <a:t>of</a:t>
-            </a:r>
-            <a:r>
-              <a:rPr lang="de-DE" dirty="0"/>
-              <a:t> </a:t>
-            </a:r>
-            <a:r>
-              <a:rPr lang="de-DE" dirty="0" err="1"/>
-              <a:t>the</a:t>
-            </a:r>
-            <a:r>
-              <a:rPr lang="de-DE" dirty="0"/>
-              <a:t> </a:t>
-            </a:r>
-            <a:r>
-              <a:rPr lang="de-DE" dirty="0" err="1"/>
-              <a:t>art</a:t>
-            </a:r>
-            <a:r>
-              <a:rPr lang="de-DE" dirty="0"/>
-              <a:t> </a:t>
-            </a:r>
-            <a:r>
-              <a:rPr lang="de-DE" dirty="0" err="1"/>
-              <a:t>review</a:t>
-            </a:r>
-            <a:r>
-              <a:rPr lang="de-DE" dirty="0"/>
-              <a:t>. In </a:t>
-            </a:r>
-            <a:r>
-              <a:rPr lang="de-DE" dirty="0" err="1"/>
-              <a:t>Proc</a:t>
-            </a:r>
-            <a:r>
-              <a:rPr lang="de-DE" dirty="0"/>
-              <a:t>. ISMIR, </a:t>
-            </a:r>
-            <a:r>
-              <a:rPr lang="de-DE" dirty="0" err="1"/>
-              <a:t>pages</a:t>
-            </a:r>
-            <a:r>
-              <a:rPr lang="de-DE" dirty="0"/>
-              <a:t> 255–266. </a:t>
-            </a:r>
-            <a:r>
-              <a:rPr lang="de-DE" dirty="0" err="1"/>
-              <a:t>Citeseer</a:t>
-            </a:r>
-            <a:r>
-              <a:rPr lang="de-DE" dirty="0"/>
-              <a:t>, 2010. </a:t>
-            </a:r>
-          </a:p>
-          <a:p>
-            <a:r>
-              <a:rPr lang="de-DE" dirty="0" smtClean="0"/>
-              <a:t>Yong </a:t>
-            </a:r>
-            <a:r>
-              <a:rPr lang="de-DE" dirty="0"/>
-              <a:t>H Li </a:t>
-            </a:r>
-            <a:r>
-              <a:rPr lang="de-DE" dirty="0" err="1"/>
-              <a:t>and</a:t>
-            </a:r>
-            <a:r>
-              <a:rPr lang="de-DE" dirty="0"/>
-              <a:t> Anil K. Jain. </a:t>
-            </a:r>
-            <a:r>
-              <a:rPr lang="de-DE" dirty="0" err="1"/>
-              <a:t>Classification</a:t>
-            </a:r>
-            <a:r>
-              <a:rPr lang="de-DE" dirty="0"/>
-              <a:t> </a:t>
-            </a:r>
-            <a:r>
-              <a:rPr lang="de-DE" dirty="0" err="1"/>
-              <a:t>of</a:t>
-            </a:r>
-            <a:r>
-              <a:rPr lang="de-DE" dirty="0"/>
-              <a:t> </a:t>
-            </a:r>
-            <a:r>
-              <a:rPr lang="de-DE" dirty="0" err="1"/>
-              <a:t>text</a:t>
-            </a:r>
-            <a:r>
-              <a:rPr lang="de-DE" dirty="0"/>
-              <a:t> </a:t>
-            </a:r>
-            <a:r>
-              <a:rPr lang="de-DE" dirty="0" err="1"/>
-              <a:t>documents</a:t>
-            </a:r>
-            <a:r>
-              <a:rPr lang="de-DE" dirty="0"/>
-              <a:t>. The Computer Journal, 41(8):537–546, 1998. </a:t>
-            </a:r>
-          </a:p>
-          <a:p>
-            <a:r>
-              <a:rPr lang="de-DE" dirty="0" smtClean="0"/>
-              <a:t>Thomas </a:t>
-            </a:r>
-            <a:r>
-              <a:rPr lang="de-DE" dirty="0"/>
-              <a:t>M. Mitchell. </a:t>
-            </a:r>
-            <a:r>
-              <a:rPr lang="de-DE" dirty="0" err="1"/>
-              <a:t>Machine</a:t>
-            </a:r>
-            <a:r>
-              <a:rPr lang="de-DE" dirty="0"/>
-              <a:t> Learning. McGraw-Hill, Inc., New York, NY, USA, 1 </a:t>
-            </a:r>
-            <a:r>
-              <a:rPr lang="de-DE" dirty="0" err="1"/>
-              <a:t>edition</a:t>
-            </a:r>
-            <a:r>
-              <a:rPr lang="de-DE" dirty="0"/>
-              <a:t>, 1997. </a:t>
-            </a:r>
-            <a:endParaRPr lang="de-DE" dirty="0" smtClean="0"/>
-          </a:p>
-          <a:p>
-            <a:r>
-              <a:rPr lang="de-DE" dirty="0" smtClean="0"/>
-              <a:t>Jason </a:t>
-            </a:r>
-            <a:r>
-              <a:rPr lang="de-DE" dirty="0"/>
-              <a:t>D </a:t>
-            </a:r>
-            <a:r>
-              <a:rPr lang="de-DE" dirty="0" err="1"/>
-              <a:t>Rennie</a:t>
-            </a:r>
-            <a:r>
-              <a:rPr lang="de-DE" dirty="0"/>
-              <a:t>, Lawrence </a:t>
-            </a:r>
-            <a:r>
-              <a:rPr lang="de-DE" dirty="0" err="1"/>
-              <a:t>Shih</a:t>
-            </a:r>
-            <a:r>
-              <a:rPr lang="de-DE" dirty="0"/>
-              <a:t>, Jaime </a:t>
-            </a:r>
-            <a:r>
-              <a:rPr lang="de-DE" dirty="0" err="1"/>
-              <a:t>Teevan</a:t>
-            </a:r>
-            <a:r>
-              <a:rPr lang="de-DE" dirty="0"/>
-              <a:t>, David R Karger, et al. Tackling </a:t>
-            </a:r>
-            <a:r>
-              <a:rPr lang="de-DE" dirty="0" err="1"/>
-              <a:t>the</a:t>
-            </a:r>
-            <a:r>
-              <a:rPr lang="de-DE" dirty="0"/>
-              <a:t> </a:t>
-            </a:r>
-            <a:r>
-              <a:rPr lang="de-DE" dirty="0" err="1"/>
-              <a:t>poor</a:t>
-            </a:r>
-            <a:r>
-              <a:rPr lang="de-DE" dirty="0"/>
-              <a:t> </a:t>
-            </a:r>
-            <a:r>
-              <a:rPr lang="de-DE" dirty="0" err="1"/>
-              <a:t>assumptions</a:t>
-            </a:r>
-            <a:r>
-              <a:rPr lang="de-DE" dirty="0"/>
-              <a:t> </a:t>
-            </a:r>
-            <a:r>
-              <a:rPr lang="de-DE" dirty="0" err="1"/>
-              <a:t>of</a:t>
-            </a:r>
-            <a:r>
-              <a:rPr lang="de-DE" dirty="0"/>
-              <a:t> naive </a:t>
-            </a:r>
-            <a:r>
-              <a:rPr lang="de-DE" dirty="0" err="1"/>
-              <a:t>bayes</a:t>
-            </a:r>
-            <a:r>
-              <a:rPr lang="de-DE" dirty="0"/>
-              <a:t> </a:t>
-            </a:r>
-            <a:r>
-              <a:rPr lang="de-DE" dirty="0" err="1"/>
-              <a:t>text</a:t>
-            </a:r>
-            <a:r>
-              <a:rPr lang="de-DE" dirty="0"/>
-              <a:t> </a:t>
-            </a:r>
-            <a:r>
-              <a:rPr lang="de-DE" dirty="0" err="1"/>
-              <a:t>classifiers</a:t>
-            </a:r>
-            <a:r>
-              <a:rPr lang="de-DE" dirty="0"/>
-              <a:t>. In ICML, </a:t>
-            </a:r>
-            <a:r>
-              <a:rPr lang="de-DE" dirty="0" err="1"/>
-              <a:t>volume</a:t>
-            </a:r>
-            <a:r>
-              <a:rPr lang="de-DE" dirty="0"/>
-              <a:t> 3, </a:t>
-            </a:r>
-            <a:r>
-              <a:rPr lang="de-DE" dirty="0" err="1"/>
-              <a:t>pages</a:t>
-            </a:r>
-            <a:r>
-              <a:rPr lang="de-DE" dirty="0"/>
-              <a:t> 616–623. Washington DC), 2003. </a:t>
-            </a:r>
-          </a:p>
-          <a:p>
-            <a:r>
-              <a:rPr lang="de-DE" dirty="0" smtClean="0"/>
-              <a:t>Theresa </a:t>
-            </a:r>
-            <a:r>
-              <a:rPr lang="de-DE" dirty="0"/>
-              <a:t>Wilson, </a:t>
-            </a:r>
-            <a:r>
-              <a:rPr lang="de-DE" dirty="0" err="1"/>
-              <a:t>Janyce</a:t>
-            </a:r>
-            <a:r>
-              <a:rPr lang="de-DE" dirty="0"/>
-              <a:t> Wiebe, </a:t>
-            </a:r>
-            <a:r>
-              <a:rPr lang="de-DE" dirty="0" err="1"/>
-              <a:t>and</a:t>
-            </a:r>
-            <a:r>
-              <a:rPr lang="de-DE" dirty="0"/>
-              <a:t> Paul Hoffmann. </a:t>
-            </a:r>
-            <a:r>
-              <a:rPr lang="de-DE" dirty="0" err="1"/>
-              <a:t>Recognizing</a:t>
-            </a:r>
-            <a:r>
-              <a:rPr lang="de-DE" dirty="0"/>
-              <a:t> </a:t>
-            </a:r>
-            <a:r>
-              <a:rPr lang="de-DE" dirty="0" err="1"/>
-              <a:t>con</a:t>
-            </a:r>
-            <a:r>
-              <a:rPr lang="de-DE" dirty="0"/>
-              <a:t>- </a:t>
-            </a:r>
-            <a:r>
-              <a:rPr lang="de-DE" dirty="0" err="1"/>
-              <a:t>textual</a:t>
-            </a:r>
-            <a:r>
-              <a:rPr lang="de-DE" dirty="0"/>
-              <a:t> </a:t>
-            </a:r>
-            <a:r>
-              <a:rPr lang="de-DE" dirty="0" err="1"/>
-              <a:t>polarity</a:t>
-            </a:r>
-            <a:r>
-              <a:rPr lang="de-DE" dirty="0"/>
-              <a:t> in </a:t>
-            </a:r>
-            <a:r>
-              <a:rPr lang="de-DE" dirty="0" err="1"/>
-              <a:t>phrase</a:t>
-            </a:r>
-            <a:r>
-              <a:rPr lang="de-DE" dirty="0"/>
-              <a:t>-level </a:t>
-            </a:r>
-            <a:r>
-              <a:rPr lang="de-DE" dirty="0" err="1"/>
-              <a:t>sentiment</a:t>
-            </a:r>
-            <a:r>
-              <a:rPr lang="de-DE" dirty="0"/>
-              <a:t> </a:t>
-            </a:r>
-            <a:r>
-              <a:rPr lang="de-DE" dirty="0" err="1"/>
-              <a:t>analysis</a:t>
-            </a:r>
-            <a:r>
-              <a:rPr lang="de-DE" dirty="0"/>
-              <a:t>. In </a:t>
-            </a:r>
-            <a:r>
-              <a:rPr lang="de-DE" dirty="0" err="1"/>
-              <a:t>Proceedings</a:t>
-            </a:r>
-            <a:r>
-              <a:rPr lang="de-DE" dirty="0"/>
-              <a:t> </a:t>
-            </a:r>
-            <a:r>
-              <a:rPr lang="de-DE" dirty="0" err="1"/>
-              <a:t>of</a:t>
-            </a:r>
-            <a:r>
-              <a:rPr lang="de-DE" dirty="0"/>
-              <a:t> </a:t>
-            </a:r>
-            <a:r>
-              <a:rPr lang="de-DE" dirty="0" err="1"/>
-              <a:t>the</a:t>
-            </a:r>
-            <a:r>
-              <a:rPr lang="de-DE" dirty="0"/>
-              <a:t> </a:t>
-            </a:r>
-            <a:r>
-              <a:rPr lang="de-DE" dirty="0" err="1"/>
-              <a:t>conference</a:t>
-            </a:r>
-            <a:r>
-              <a:rPr lang="de-DE" dirty="0"/>
-              <a:t> on human </a:t>
-            </a:r>
-            <a:r>
-              <a:rPr lang="de-DE" dirty="0" err="1"/>
-              <a:t>language</a:t>
-            </a:r>
-            <a:r>
-              <a:rPr lang="de-DE" dirty="0"/>
-              <a:t> </a:t>
-            </a:r>
-            <a:r>
-              <a:rPr lang="de-DE" dirty="0" err="1"/>
-              <a:t>technology</a:t>
-            </a:r>
-            <a:r>
-              <a:rPr lang="de-DE" dirty="0"/>
-              <a:t> </a:t>
-            </a:r>
-            <a:r>
-              <a:rPr lang="de-DE" dirty="0" err="1"/>
-              <a:t>and</a:t>
-            </a:r>
-            <a:r>
-              <a:rPr lang="de-DE" dirty="0"/>
-              <a:t> </a:t>
-            </a:r>
-            <a:r>
-              <a:rPr lang="de-DE" dirty="0" err="1"/>
-              <a:t>empirical</a:t>
-            </a:r>
-            <a:r>
-              <a:rPr lang="de-DE" dirty="0"/>
-              <a:t> </a:t>
-            </a:r>
-            <a:r>
-              <a:rPr lang="de-DE" dirty="0" err="1"/>
-              <a:t>methods</a:t>
-            </a:r>
-            <a:r>
-              <a:rPr lang="de-DE" dirty="0"/>
-              <a:t> in </a:t>
-            </a:r>
-            <a:r>
-              <a:rPr lang="de-DE" dirty="0" err="1"/>
-              <a:t>nat</a:t>
-            </a:r>
-            <a:r>
-              <a:rPr lang="de-DE" dirty="0"/>
-              <a:t>- </a:t>
-            </a:r>
-            <a:r>
-              <a:rPr lang="de-DE" dirty="0" err="1"/>
-              <a:t>ural</a:t>
-            </a:r>
-            <a:r>
-              <a:rPr lang="de-DE" dirty="0"/>
-              <a:t> </a:t>
-            </a:r>
-            <a:r>
-              <a:rPr lang="de-DE" dirty="0" err="1"/>
-              <a:t>language</a:t>
-            </a:r>
-            <a:r>
-              <a:rPr lang="de-DE" dirty="0"/>
-              <a:t> </a:t>
-            </a:r>
-            <a:r>
-              <a:rPr lang="de-DE" dirty="0" err="1"/>
-              <a:t>processing</a:t>
-            </a:r>
-            <a:r>
-              <a:rPr lang="de-DE" dirty="0"/>
-              <a:t>, </a:t>
-            </a:r>
-            <a:r>
-              <a:rPr lang="de-DE" dirty="0" err="1"/>
-              <a:t>pages</a:t>
-            </a:r>
-            <a:r>
-              <a:rPr lang="de-DE" dirty="0"/>
-              <a:t> 347–354. </a:t>
-            </a:r>
-            <a:r>
-              <a:rPr lang="de-DE" dirty="0" err="1"/>
-              <a:t>Association</a:t>
-            </a:r>
-            <a:r>
-              <a:rPr lang="de-DE" dirty="0"/>
-              <a:t> </a:t>
-            </a:r>
-            <a:r>
-              <a:rPr lang="de-DE" dirty="0" err="1"/>
-              <a:t>for</a:t>
-            </a:r>
-            <a:r>
-              <a:rPr lang="de-DE" dirty="0"/>
-              <a:t> </a:t>
-            </a:r>
-            <a:r>
-              <a:rPr lang="de-DE" dirty="0" err="1"/>
-              <a:t>Computational</a:t>
-            </a:r>
-            <a:r>
-              <a:rPr lang="de-DE" dirty="0"/>
-              <a:t> </a:t>
-            </a:r>
-            <a:r>
-              <a:rPr lang="de-DE" dirty="0" err="1"/>
-              <a:t>Linguistics</a:t>
-            </a:r>
-            <a:r>
-              <a:rPr lang="de-DE" dirty="0"/>
-              <a:t>, 2005. </a:t>
-            </a:r>
-          </a:p>
-          <a:p>
-            <a:r>
-              <a:rPr lang="de-DE" dirty="0" smtClean="0"/>
-              <a:t>Dan </a:t>
-            </a:r>
-            <a:r>
-              <a:rPr lang="de-DE" dirty="0"/>
-              <a:t>Yang </a:t>
-            </a:r>
-            <a:r>
-              <a:rPr lang="de-DE" dirty="0" err="1"/>
-              <a:t>and</a:t>
-            </a:r>
-            <a:r>
-              <a:rPr lang="de-DE" dirty="0"/>
-              <a:t> Won-</a:t>
-            </a:r>
-            <a:r>
-              <a:rPr lang="de-DE" dirty="0" err="1"/>
-              <a:t>Sook</a:t>
-            </a:r>
-            <a:r>
-              <a:rPr lang="de-DE" dirty="0"/>
-              <a:t> Lee. Music </a:t>
-            </a:r>
-            <a:r>
-              <a:rPr lang="de-DE" dirty="0" err="1"/>
-              <a:t>emotion</a:t>
-            </a:r>
-            <a:r>
-              <a:rPr lang="de-DE" dirty="0"/>
-              <a:t> </a:t>
-            </a:r>
-            <a:r>
-              <a:rPr lang="de-DE" dirty="0" err="1"/>
-              <a:t>identification</a:t>
-            </a:r>
-            <a:r>
-              <a:rPr lang="de-DE" dirty="0"/>
-              <a:t> </a:t>
-            </a:r>
-            <a:r>
-              <a:rPr lang="de-DE" dirty="0" err="1"/>
-              <a:t>from</a:t>
-            </a:r>
-            <a:r>
-              <a:rPr lang="de-DE" dirty="0"/>
-              <a:t> </a:t>
-            </a:r>
-            <a:r>
-              <a:rPr lang="de-DE" dirty="0" err="1"/>
-              <a:t>lyrics</a:t>
-            </a:r>
-            <a:r>
-              <a:rPr lang="de-DE" dirty="0"/>
-              <a:t>. In Multimedia, 2009. ISM’09. 11th IEEE International Symposium on, </a:t>
-            </a:r>
-            <a:r>
-              <a:rPr lang="de-DE" dirty="0" err="1"/>
-              <a:t>pages</a:t>
-            </a:r>
-            <a:r>
-              <a:rPr lang="de-DE" dirty="0"/>
-              <a:t> 624–629. IEEE, 2009. </a:t>
-            </a:r>
-          </a:p>
-          <a:p>
-            <a:r>
-              <a:rPr lang="de-DE" dirty="0" smtClean="0"/>
-              <a:t>Yi</a:t>
-            </a:r>
-            <a:r>
-              <a:rPr lang="de-DE" dirty="0"/>
-              <a:t>-</a:t>
-            </a:r>
-            <a:r>
-              <a:rPr lang="de-DE" dirty="0" err="1"/>
-              <a:t>Hsuan</a:t>
-            </a:r>
-            <a:r>
-              <a:rPr lang="de-DE" dirty="0"/>
-              <a:t> Yang, </a:t>
-            </a:r>
-            <a:r>
-              <a:rPr lang="de-DE" dirty="0" err="1"/>
-              <a:t>Yu-Ching</a:t>
-            </a:r>
-            <a:r>
-              <a:rPr lang="de-DE" dirty="0"/>
-              <a:t> Lin, </a:t>
-            </a:r>
-            <a:r>
-              <a:rPr lang="de-DE" dirty="0" err="1"/>
-              <a:t>Ya</a:t>
-            </a:r>
-            <a:r>
-              <a:rPr lang="de-DE" dirty="0"/>
-              <a:t>-Fan Su, </a:t>
-            </a:r>
-            <a:r>
-              <a:rPr lang="de-DE" dirty="0" err="1"/>
-              <a:t>and</a:t>
-            </a:r>
-            <a:r>
-              <a:rPr lang="de-DE" dirty="0"/>
-              <a:t> Homer H Chen. A </a:t>
-            </a:r>
-            <a:r>
-              <a:rPr lang="de-DE" dirty="0" err="1"/>
-              <a:t>regression</a:t>
-            </a:r>
-            <a:r>
-              <a:rPr lang="de-DE" dirty="0"/>
-              <a:t> </a:t>
-            </a:r>
-            <a:r>
-              <a:rPr lang="de-DE" dirty="0" err="1"/>
-              <a:t>approach</a:t>
-            </a:r>
-            <a:r>
-              <a:rPr lang="de-DE" dirty="0"/>
-              <a:t> </a:t>
-            </a:r>
-            <a:r>
-              <a:rPr lang="de-DE" dirty="0" err="1"/>
-              <a:t>to</a:t>
-            </a:r>
-            <a:r>
-              <a:rPr lang="de-DE" dirty="0"/>
-              <a:t> </a:t>
-            </a:r>
-            <a:r>
-              <a:rPr lang="de-DE" dirty="0" err="1"/>
-              <a:t>music</a:t>
-            </a:r>
-            <a:r>
-              <a:rPr lang="de-DE" dirty="0"/>
-              <a:t> </a:t>
-            </a:r>
-            <a:r>
-              <a:rPr lang="de-DE" dirty="0" err="1"/>
-              <a:t>emotion</a:t>
-            </a:r>
-            <a:r>
-              <a:rPr lang="de-DE" dirty="0"/>
-              <a:t> </a:t>
-            </a:r>
-            <a:r>
-              <a:rPr lang="de-DE" dirty="0" err="1"/>
-              <a:t>recognition</a:t>
-            </a:r>
-            <a:r>
-              <a:rPr lang="de-DE" dirty="0"/>
-              <a:t>. Audio, Speech, </a:t>
-            </a:r>
-            <a:r>
-              <a:rPr lang="de-DE" dirty="0" err="1"/>
-              <a:t>and</a:t>
-            </a:r>
-            <a:r>
-              <a:rPr lang="de-DE" dirty="0"/>
-              <a:t> Language Processing, IEEE Transactions on, 16(2):448–457, 2008. </a:t>
-            </a:r>
-          </a:p>
-          <a:p>
+              <a:t>moods</a:t>
+            </a:r>
             <a:endParaRPr lang="de-DE" dirty="0"/>
           </a:p>
         </p:txBody>
@@ -11322,227 +10241,6 @@
             <a:fld id="{C01938AF-F9EA-434A-A4EB-30D6D6E13CD1}" type="slidenum">
               <a:rPr lang="de-DE" smtClean="0"/>
               <a:t>17</a:t>
-            </a:fld>
-            <a:endParaRPr lang="de-DE"/>
-          </a:p>
-        </p:txBody>
-      </p:sp>
-    </p:spTree>
-    <p:extLst>
-      <p:ext uri="{BB962C8B-B14F-4D97-AF65-F5344CB8AC3E}">
-        <p14:creationId xmlns:p14="http://schemas.microsoft.com/office/powerpoint/2010/main" val="1097196558"/>
-      </p:ext>
-    </p:extLst>
-  </p:cSld>
-  <p:clrMapOvr>
-    <a:masterClrMapping/>
-  </p:clrMapOvr>
-  <p:timing>
-    <p:tnLst>
-      <p:par>
-        <p:cTn xmlns:p14="http://schemas.microsoft.com/office/powerpoint/2010/main" id="1" dur="indefinite" restart="never" nodeType="tmRoot"/>
-      </p:par>
-    </p:tnLst>
-  </p:timing>
-</p:sld>
-</file>
-
-<file path=ppt/slides/slide18.xml><?xml version="1.0" encoding="utf-8"?>
-<p:sld xmlns:a="http://schemas.openxmlformats.org/drawingml/2006/main" xmlns:r="http://schemas.openxmlformats.org/officeDocument/2006/relationships" xmlns:p="http://schemas.openxmlformats.org/presentationml/2006/main">
-  <p:cSld>
-    <p:spTree>
-      <p:nvGrpSpPr>
-        <p:cNvPr id="1" name=""/>
-        <p:cNvGrpSpPr/>
-        <p:nvPr/>
-      </p:nvGrpSpPr>
-      <p:grpSpPr>
-        <a:xfrm>
-          <a:off x="0" y="0"/>
-          <a:ext cx="0" cy="0"/>
-          <a:chOff x="0" y="0"/>
-          <a:chExt cx="0" cy="0"/>
-        </a:xfrm>
-      </p:grpSpPr>
-      <p:sp>
-        <p:nvSpPr>
-          <p:cNvPr id="2" name="Titel 1"/>
-          <p:cNvSpPr>
-            <a:spLocks noGrp="1"/>
-          </p:cNvSpPr>
-          <p:nvPr>
-            <p:ph type="title"/>
-          </p:nvPr>
-        </p:nvSpPr>
-        <p:spPr/>
-        <p:txBody>
-          <a:bodyPr/>
-          <a:lstStyle/>
-          <a:p>
-            <a:r>
-              <a:rPr lang="de-DE" dirty="0" smtClean="0"/>
-              <a:t>Resources</a:t>
-            </a:r>
-            <a:endParaRPr lang="de-DE" dirty="0"/>
-          </a:p>
-        </p:txBody>
-      </p:sp>
-      <p:sp>
-        <p:nvSpPr>
-          <p:cNvPr id="3" name="Inhaltsplatzhalter 2"/>
-          <p:cNvSpPr>
-            <a:spLocks noGrp="1"/>
-          </p:cNvSpPr>
-          <p:nvPr>
-            <p:ph idx="1"/>
-          </p:nvPr>
-        </p:nvSpPr>
-        <p:spPr/>
-        <p:txBody>
-          <a:bodyPr/>
-          <a:lstStyle/>
-          <a:p>
-            <a:r>
-              <a:rPr lang="de-DE" dirty="0"/>
-              <a:t>[1] http://</a:t>
-            </a:r>
-            <a:r>
-              <a:rPr lang="de-DE" dirty="0" err="1"/>
-              <a:t>respiratio-coaching.de</a:t>
-            </a:r>
-            <a:r>
-              <a:rPr lang="de-DE" dirty="0"/>
-              <a:t>/</a:t>
-            </a:r>
-            <a:r>
-              <a:rPr lang="de-DE" dirty="0" err="1"/>
-              <a:t>wp</a:t>
-            </a:r>
-            <a:r>
-              <a:rPr lang="de-DE" dirty="0"/>
-              <a:t>-content/</a:t>
-            </a:r>
-            <a:r>
-              <a:rPr lang="de-DE" dirty="0" err="1"/>
-              <a:t>uploads</a:t>
-            </a:r>
-            <a:r>
-              <a:rPr lang="de-DE" dirty="0"/>
-              <a:t>/2013/08/</a:t>
-            </a:r>
-            <a:r>
-              <a:rPr lang="de-DE" dirty="0" err="1"/>
-              <a:t>therapie_small.png</a:t>
-            </a:r>
-            <a:endParaRPr lang="de-DE" dirty="0"/>
-          </a:p>
-          <a:p>
-            <a:r>
-              <a:rPr lang="de-DE" dirty="0" smtClean="0"/>
-              <a:t>[2</a:t>
-            </a:r>
-            <a:r>
-              <a:rPr lang="de-DE" dirty="0"/>
-              <a:t>] https://</a:t>
-            </a:r>
-            <a:r>
-              <a:rPr lang="de-DE" dirty="0" err="1"/>
-              <a:t>player.spotify.com</a:t>
-            </a:r>
-            <a:r>
-              <a:rPr lang="de-DE" dirty="0"/>
-              <a:t>/browse</a:t>
-            </a:r>
-          </a:p>
-          <a:p>
-            <a:r>
-              <a:rPr lang="de-DE" dirty="0" smtClean="0"/>
-              <a:t>[3] http</a:t>
-            </a:r>
-            <a:r>
-              <a:rPr lang="de-DE" dirty="0"/>
-              <a:t>://</a:t>
-            </a:r>
-            <a:r>
-              <a:rPr lang="de-DE" dirty="0" err="1"/>
-              <a:t>www.allmusic.com</a:t>
-            </a:r>
-            <a:r>
-              <a:rPr lang="de-DE" dirty="0"/>
-              <a:t>/</a:t>
-            </a:r>
-            <a:r>
-              <a:rPr lang="de-DE" dirty="0" err="1"/>
-              <a:t>moods</a:t>
-            </a:r>
-            <a:endParaRPr lang="de-DE" dirty="0"/>
-          </a:p>
-        </p:txBody>
-      </p:sp>
-      <p:sp>
-        <p:nvSpPr>
-          <p:cNvPr id="4" name="Datumsplatzhalter 3"/>
-          <p:cNvSpPr>
-            <a:spLocks noGrp="1"/>
-          </p:cNvSpPr>
-          <p:nvPr>
-            <p:ph type="dt" sz="half" idx="10"/>
-          </p:nvPr>
-        </p:nvSpPr>
-        <p:spPr/>
-        <p:txBody>
-          <a:bodyPr/>
-          <a:lstStyle/>
-          <a:p>
-            <a:fld id="{0176A06F-AB14-F94A-8BCE-1C0CB4911F8E}" type="datetime5">
-              <a:rPr lang="de-DE" smtClean="0"/>
-              <a:t>19-Okt-15</a:t>
-            </a:fld>
-            <a:endParaRPr lang="de-DE"/>
-          </a:p>
-        </p:txBody>
-      </p:sp>
-      <p:sp>
-        <p:nvSpPr>
-          <p:cNvPr id="5" name="Fußzeilenplatzhalter 4"/>
-          <p:cNvSpPr>
-            <a:spLocks noGrp="1"/>
-          </p:cNvSpPr>
-          <p:nvPr>
-            <p:ph type="ftr" sz="quarter" idx="11"/>
-          </p:nvPr>
-        </p:nvSpPr>
-        <p:spPr/>
-        <p:txBody>
-          <a:bodyPr/>
-          <a:lstStyle/>
-          <a:p>
-            <a:r>
-              <a:rPr lang="de-DE" smtClean="0"/>
-              <a:t>A. Patel, C. Kaiser, L. Schmitz, N. Tatarakis </a:t>
-            </a:r>
-            <a:endParaRPr lang="de-DE"/>
-          </a:p>
-        </p:txBody>
-      </p:sp>
-      <p:sp>
-        <p:nvSpPr>
-          <p:cNvPr id="6" name="Foliennummernplatzhalter 5"/>
-          <p:cNvSpPr>
-            <a:spLocks noGrp="1"/>
-          </p:cNvSpPr>
-          <p:nvPr>
-            <p:ph type="sldNum" sz="quarter" idx="12"/>
-          </p:nvPr>
-        </p:nvSpPr>
-        <p:spPr/>
-        <p:txBody>
-          <a:bodyPr/>
-          <a:lstStyle/>
-          <a:p>
-            <a:fld id="{C01938AF-F9EA-434A-A4EB-30D6D6E13CD1}" type="slidenum">
-              <a:rPr lang="de-DE" smtClean="0"/>
-              <a:t>18</a:t>
             </a:fld>
             <a:endParaRPr lang="de-DE"/>
           </a:p>
@@ -11568,7 +10266,7 @@
 </p:sld>
 </file>
 
-<file path=ppt/slides/slide19.xml><?xml version="1.0" encoding="utf-8"?>
+<file path=ppt/slides/slide18.xml><?xml version="1.0" encoding="utf-8"?>
 <p:sld xmlns:a="http://schemas.openxmlformats.org/drawingml/2006/main" xmlns:r="http://schemas.openxmlformats.org/officeDocument/2006/relationships" xmlns:p="http://schemas.openxmlformats.org/presentationml/2006/main" show="0">
   <p:cSld>
     <p:spTree>
@@ -11691,7 +10389,7 @@
           <a:p>
             <a:fld id="{C01938AF-F9EA-434A-A4EB-30D6D6E13CD1}" type="slidenum">
               <a:rPr lang="de-DE" smtClean="0"/>
-              <a:t>19</a:t>
+              <a:t>18</a:t>
             </a:fld>
             <a:endParaRPr lang="de-DE"/>
           </a:p>
@@ -14248,6 +12946,13 @@
   <p:clrMapOvr>
     <a:masterClrMapping/>
   </p:clrMapOvr>
+  <p:timing>
+    <p:tnLst>
+      <p:par>
+        <p:cTn xmlns:p14="http://schemas.microsoft.com/office/powerpoint/2010/main" id="1" dur="indefinite" restart="never" nodeType="tmRoot"/>
+      </p:par>
+    </p:tnLst>
+  </p:timing>
 </p:sld>
 </file>
 

--- a/Presentation/AI_project_presentation.pptx
+++ b/Presentation/AI_project_presentation.pptx
@@ -4735,7 +4735,7 @@
             <a:endParaRPr lang="de-DE" sz="1400" dirty="0"/>
           </a:p>
           <a:p>
-            <a:pPr marL="0" indent="0">
+            <a:pPr marL="0" indent="0" algn="ctr">
               <a:buNone/>
             </a:pPr>
             <a:r>
@@ -4769,7 +4769,7 @@
             <a:endParaRPr lang="de-DE" i="1" dirty="0"/>
           </a:p>
           <a:p>
-            <a:pPr marL="0" indent="0">
+            <a:pPr marL="0" indent="0" algn="ctr">
               <a:buNone/>
             </a:pPr>
             <a:r>
@@ -4787,7 +4787,7 @@
             <a:endParaRPr lang="de-DE" i="1" dirty="0"/>
           </a:p>
           <a:p>
-            <a:pPr marL="0" indent="0">
+            <a:pPr marL="0" indent="0" algn="ctr">
               <a:buNone/>
             </a:pPr>
             <a:r>
@@ -4817,7 +4817,7 @@
             <a:endParaRPr lang="de-DE" i="1" dirty="0"/>
           </a:p>
           <a:p>
-            <a:pPr marL="0" indent="0">
+            <a:pPr marL="0" indent="0" algn="ctr">
               <a:buNone/>
             </a:pPr>
             <a:r>
@@ -7919,7 +7919,7 @@
           </a:bodyPr>
           <a:lstStyle/>
           <a:p>
-            <a:pPr marL="0" indent="0">
+            <a:pPr marL="0" indent="0" algn="ctr">
               <a:buNone/>
             </a:pPr>
             <a:r>
@@ -8041,7 +8041,7 @@
             </a:endParaRPr>
           </a:p>
           <a:p>
-            <a:pPr marL="0" indent="0">
+            <a:pPr marL="0" indent="0" algn="ctr">
               <a:buNone/>
             </a:pPr>
             <a:r>
@@ -8139,7 +8139,7 @@
             </a:endParaRPr>
           </a:p>
           <a:p>
-            <a:pPr marL="0" indent="0">
+            <a:pPr marL="0" indent="0" algn="ctr">
               <a:buNone/>
             </a:pPr>
             <a:r>
@@ -8269,7 +8269,7 @@
             </a:endParaRPr>
           </a:p>
           <a:p>
-            <a:pPr marL="0" indent="0">
+            <a:pPr marL="0" indent="0" algn="ctr">
               <a:buNone/>
             </a:pPr>
             <a:r>
@@ -8359,7 +8359,7 @@
           </a:bodyPr>
           <a:lstStyle/>
           <a:p>
-            <a:pPr marL="0" indent="0">
+            <a:pPr marL="0" indent="0" algn="ctr">
               <a:buNone/>
             </a:pPr>
             <a:r>
@@ -8425,7 +8425,7 @@
             </a:endParaRPr>
           </a:p>
           <a:p>
-            <a:pPr marL="0" indent="0">
+            <a:pPr marL="0" indent="0" algn="ctr">
               <a:buNone/>
             </a:pPr>
             <a:r>
@@ -8491,7 +8491,7 @@
             </a:endParaRPr>
           </a:p>
           <a:p>
-            <a:pPr marL="0" indent="0">
+            <a:pPr marL="0" indent="0" algn="ctr">
               <a:buNone/>
             </a:pPr>
             <a:r>
@@ -8557,7 +8557,7 @@
             </a:endParaRPr>
           </a:p>
           <a:p>
-            <a:pPr marL="0" indent="0">
+            <a:pPr marL="0" indent="0" algn="ctr">
               <a:buNone/>
             </a:pPr>
             <a:endParaRPr lang="de-DE" i="1" dirty="0">
@@ -8567,7 +8567,7 @@
             </a:endParaRPr>
           </a:p>
           <a:p>
-            <a:pPr marL="0" indent="0">
+            <a:pPr marL="0" indent="0" algn="ctr">
               <a:buNone/>
             </a:pPr>
             <a:r>

--- a/Presentation/AI_project_presentation.pptx
+++ b/Presentation/AI_project_presentation.pptx
@@ -3,31 +3,32 @@
 <p:presentation xmlns:a="http://schemas.openxmlformats.org/drawingml/2006/main" xmlns:r="http://schemas.openxmlformats.org/officeDocument/2006/relationships" xmlns:p="http://schemas.openxmlformats.org/presentationml/2006/main" saveSubsetFonts="1" autoCompressPictures="0">
   <p:sldMasterIdLst>
     <p:sldMasterId id="2147483648" r:id="rId1"/>
+    <p:sldMasterId id="2147483660" r:id="rId2"/>
   </p:sldMasterIdLst>
   <p:notesMasterIdLst>
-    <p:notesMasterId r:id="rId19"/>
+    <p:notesMasterId r:id="rId20"/>
   </p:notesMasterIdLst>
   <p:handoutMasterIdLst>
-    <p:handoutMasterId r:id="rId20"/>
+    <p:handoutMasterId r:id="rId21"/>
   </p:handoutMasterIdLst>
   <p:sldIdLst>
-    <p:sldId id="256" r:id="rId2"/>
-    <p:sldId id="275" r:id="rId3"/>
-    <p:sldId id="278" r:id="rId4"/>
-    <p:sldId id="258" r:id="rId5"/>
-    <p:sldId id="264" r:id="rId6"/>
-    <p:sldId id="259" r:id="rId7"/>
-    <p:sldId id="260" r:id="rId8"/>
-    <p:sldId id="262" r:id="rId9"/>
-    <p:sldId id="266" r:id="rId10"/>
-    <p:sldId id="270" r:id="rId11"/>
-    <p:sldId id="271" r:id="rId12"/>
-    <p:sldId id="279" r:id="rId13"/>
-    <p:sldId id="277" r:id="rId14"/>
-    <p:sldId id="276" r:id="rId15"/>
-    <p:sldId id="263" r:id="rId16"/>
-    <p:sldId id="261" r:id="rId17"/>
-    <p:sldId id="269" r:id="rId18"/>
+    <p:sldId id="256" r:id="rId3"/>
+    <p:sldId id="275" r:id="rId4"/>
+    <p:sldId id="278" r:id="rId5"/>
+    <p:sldId id="258" r:id="rId6"/>
+    <p:sldId id="264" r:id="rId7"/>
+    <p:sldId id="259" r:id="rId8"/>
+    <p:sldId id="260" r:id="rId9"/>
+    <p:sldId id="262" r:id="rId10"/>
+    <p:sldId id="266" r:id="rId11"/>
+    <p:sldId id="270" r:id="rId12"/>
+    <p:sldId id="271" r:id="rId13"/>
+    <p:sldId id="279" r:id="rId14"/>
+    <p:sldId id="277" r:id="rId15"/>
+    <p:sldId id="276" r:id="rId16"/>
+    <p:sldId id="263" r:id="rId17"/>
+    <p:sldId id="261" r:id="rId18"/>
+    <p:sldId id="269" r:id="rId19"/>
   </p:sldIdLst>
   <p:sldSz cx="9144000" cy="6858000" type="screen4x3"/>
   <p:notesSz cx="6858000" cy="9144000"/>
@@ -1258,7 +1259,7 @@
           <a:bodyPr/>
           <a:lstStyle/>
           <a:p>
-            <a:fld id="{F1D5458C-1F49-804B-83CF-C2B5776365C5}" type="datetime5">
+            <a:fld id="{18A8EDA5-1934-B14E-83AF-099A04714F42}" type="datetime5">
               <a:rPr lang="de-DE" smtClean="0"/>
               <a:t>19-Okt-15</a:t>
             </a:fld>
@@ -1283,7 +1284,7 @@
           <a:p>
             <a:r>
               <a:rPr lang="de-DE" smtClean="0"/>
-              <a:t>A. Patel, C. Kaiser, L. Schmitz, N. Tatarakis </a:t>
+              <a:t>Group 31:  A. Patel, C. Kaiser, L. Schmitz, N. Tatarakis </a:t>
             </a:r>
             <a:endParaRPr lang="de-DE"/>
           </a:p>
@@ -1432,7 +1433,7 @@
           <a:bodyPr/>
           <a:lstStyle/>
           <a:p>
-            <a:fld id="{522A32A5-9169-1C43-B952-A016A988ED00}" type="datetime5">
+            <a:fld id="{B165FF35-5FB6-2B4C-9FA3-449D538688D0}" type="datetime5">
               <a:rPr lang="de-DE" smtClean="0"/>
               <a:t>19-Okt-15</a:t>
             </a:fld>
@@ -1457,7 +1458,7 @@
           <a:p>
             <a:r>
               <a:rPr lang="de-DE" smtClean="0"/>
-              <a:t>A. Patel, C. Kaiser, L. Schmitz, N. Tatarakis </a:t>
+              <a:t>Group 31:  A. Patel, C. Kaiser, L. Schmitz, N. Tatarakis </a:t>
             </a:r>
             <a:endParaRPr lang="de-DE"/>
           </a:p>
@@ -1616,7 +1617,7 @@
           <a:bodyPr/>
           <a:lstStyle/>
           <a:p>
-            <a:fld id="{0CBFB876-0461-024D-84D7-256BAA193C1A}" type="datetime5">
+            <a:fld id="{E78EA462-2D34-5D44-BF95-2EA100C2767F}" type="datetime5">
               <a:rPr lang="de-DE" smtClean="0"/>
               <a:t>19-Okt-15</a:t>
             </a:fld>
@@ -1641,7 +1642,7 @@
           <a:p>
             <a:r>
               <a:rPr lang="de-DE" smtClean="0"/>
-              <a:t>A. Patel, C. Kaiser, L. Schmitz, N. Tatarakis </a:t>
+              <a:t>Group 31:  A. Patel, C. Kaiser, L. Schmitz, N. Tatarakis </a:t>
             </a:r>
             <a:endParaRPr lang="de-DE"/>
           </a:p>
@@ -1683,7 +1684,249 @@
 </p:sldLayout>
 </file>
 
-<file path=ppt/slideLayouts/slideLayout2.xml><?xml version="1.0" encoding="utf-8"?>
+<file path=ppt/slideLayouts/slideLayout12.xml><?xml version="1.0" encoding="utf-8"?>
+<p:sldLayout xmlns:a="http://schemas.openxmlformats.org/drawingml/2006/main" xmlns:r="http://schemas.openxmlformats.org/officeDocument/2006/relationships" xmlns:p="http://schemas.openxmlformats.org/presentationml/2006/main" type="title" preserve="1">
+  <p:cSld name="Titelfolie">
+    <p:spTree>
+      <p:nvGrpSpPr>
+        <p:cNvPr id="1" name=""/>
+        <p:cNvGrpSpPr/>
+        <p:nvPr/>
+      </p:nvGrpSpPr>
+      <p:grpSpPr>
+        <a:xfrm>
+          <a:off x="0" y="0"/>
+          <a:ext cx="0" cy="0"/>
+          <a:chOff x="0" y="0"/>
+          <a:chExt cx="0" cy="0"/>
+        </a:xfrm>
+      </p:grpSpPr>
+      <p:sp>
+        <p:nvSpPr>
+          <p:cNvPr id="2" name="Titel 1"/>
+          <p:cNvSpPr>
+            <a:spLocks noGrp="1"/>
+          </p:cNvSpPr>
+          <p:nvPr>
+            <p:ph type="ctrTitle"/>
+          </p:nvPr>
+        </p:nvSpPr>
+        <p:spPr>
+          <a:xfrm>
+            <a:off x="685800" y="2130425"/>
+            <a:ext cx="7772400" cy="1470025"/>
+          </a:xfrm>
+        </p:spPr>
+        <p:txBody>
+          <a:bodyPr/>
+          <a:lstStyle/>
+          <a:p>
+            <a:r>
+              <a:rPr lang="de-DE" smtClean="0"/>
+              <a:t>Mastertitelformat bearbeiten</a:t>
+            </a:r>
+            <a:endParaRPr lang="de-DE"/>
+          </a:p>
+        </p:txBody>
+      </p:sp>
+      <p:sp>
+        <p:nvSpPr>
+          <p:cNvPr id="3" name="Untertitel 2"/>
+          <p:cNvSpPr>
+            <a:spLocks noGrp="1"/>
+          </p:cNvSpPr>
+          <p:nvPr>
+            <p:ph type="subTitle" idx="1"/>
+          </p:nvPr>
+        </p:nvSpPr>
+        <p:spPr>
+          <a:xfrm>
+            <a:off x="1371600" y="3886200"/>
+            <a:ext cx="6400800" cy="1752600"/>
+          </a:xfrm>
+        </p:spPr>
+        <p:txBody>
+          <a:bodyPr/>
+          <a:lstStyle>
+            <a:lvl1pPr marL="0" indent="0" algn="ctr">
+              <a:buNone/>
+              <a:defRPr>
+                <a:solidFill>
+                  <a:schemeClr val="tx1">
+                    <a:tint val="75000"/>
+                  </a:schemeClr>
+                </a:solidFill>
+              </a:defRPr>
+            </a:lvl1pPr>
+            <a:lvl2pPr marL="457200" indent="0" algn="ctr">
+              <a:buNone/>
+              <a:defRPr>
+                <a:solidFill>
+                  <a:schemeClr val="tx1">
+                    <a:tint val="75000"/>
+                  </a:schemeClr>
+                </a:solidFill>
+              </a:defRPr>
+            </a:lvl2pPr>
+            <a:lvl3pPr marL="914400" indent="0" algn="ctr">
+              <a:buNone/>
+              <a:defRPr>
+                <a:solidFill>
+                  <a:schemeClr val="tx1">
+                    <a:tint val="75000"/>
+                  </a:schemeClr>
+                </a:solidFill>
+              </a:defRPr>
+            </a:lvl3pPr>
+            <a:lvl4pPr marL="1371600" indent="0" algn="ctr">
+              <a:buNone/>
+              <a:defRPr>
+                <a:solidFill>
+                  <a:schemeClr val="tx1">
+                    <a:tint val="75000"/>
+                  </a:schemeClr>
+                </a:solidFill>
+              </a:defRPr>
+            </a:lvl4pPr>
+            <a:lvl5pPr marL="1828800" indent="0" algn="ctr">
+              <a:buNone/>
+              <a:defRPr>
+                <a:solidFill>
+                  <a:schemeClr val="tx1">
+                    <a:tint val="75000"/>
+                  </a:schemeClr>
+                </a:solidFill>
+              </a:defRPr>
+            </a:lvl5pPr>
+            <a:lvl6pPr marL="2286000" indent="0" algn="ctr">
+              <a:buNone/>
+              <a:defRPr>
+                <a:solidFill>
+                  <a:schemeClr val="tx1">
+                    <a:tint val="75000"/>
+                  </a:schemeClr>
+                </a:solidFill>
+              </a:defRPr>
+            </a:lvl6pPr>
+            <a:lvl7pPr marL="2743200" indent="0" algn="ctr">
+              <a:buNone/>
+              <a:defRPr>
+                <a:solidFill>
+                  <a:schemeClr val="tx1">
+                    <a:tint val="75000"/>
+                  </a:schemeClr>
+                </a:solidFill>
+              </a:defRPr>
+            </a:lvl7pPr>
+            <a:lvl8pPr marL="3200400" indent="0" algn="ctr">
+              <a:buNone/>
+              <a:defRPr>
+                <a:solidFill>
+                  <a:schemeClr val="tx1">
+                    <a:tint val="75000"/>
+                  </a:schemeClr>
+                </a:solidFill>
+              </a:defRPr>
+            </a:lvl8pPr>
+            <a:lvl9pPr marL="3657600" indent="0" algn="ctr">
+              <a:buNone/>
+              <a:defRPr>
+                <a:solidFill>
+                  <a:schemeClr val="tx1">
+                    <a:tint val="75000"/>
+                  </a:schemeClr>
+                </a:solidFill>
+              </a:defRPr>
+            </a:lvl9pPr>
+          </a:lstStyle>
+          <a:p>
+            <a:r>
+              <a:rPr lang="de-DE" smtClean="0"/>
+              <a:t>Master-Untertitelformat bearbeiten</a:t>
+            </a:r>
+            <a:endParaRPr lang="de-DE"/>
+          </a:p>
+        </p:txBody>
+      </p:sp>
+      <p:sp>
+        <p:nvSpPr>
+          <p:cNvPr id="4" name="Datumsplatzhalter 3"/>
+          <p:cNvSpPr>
+            <a:spLocks noGrp="1"/>
+          </p:cNvSpPr>
+          <p:nvPr>
+            <p:ph type="dt" sz="half" idx="10"/>
+          </p:nvPr>
+        </p:nvSpPr>
+        <p:spPr/>
+        <p:txBody>
+          <a:bodyPr/>
+          <a:lstStyle/>
+          <a:p>
+            <a:fld id="{1337284B-4799-8A41-B812-3DA2002D9A8C}" type="datetimeFigureOut">
+              <a:rPr lang="de-DE" smtClean="0"/>
+              <a:t>19.10.15</a:t>
+            </a:fld>
+            <a:endParaRPr lang="de-DE"/>
+          </a:p>
+        </p:txBody>
+      </p:sp>
+      <p:sp>
+        <p:nvSpPr>
+          <p:cNvPr id="5" name="Fußzeilenplatzhalter 4"/>
+          <p:cNvSpPr>
+            <a:spLocks noGrp="1"/>
+          </p:cNvSpPr>
+          <p:nvPr>
+            <p:ph type="ftr" sz="quarter" idx="11"/>
+          </p:nvPr>
+        </p:nvSpPr>
+        <p:spPr/>
+        <p:txBody>
+          <a:bodyPr/>
+          <a:lstStyle/>
+          <a:p>
+            <a:endParaRPr lang="de-DE"/>
+          </a:p>
+        </p:txBody>
+      </p:sp>
+      <p:sp>
+        <p:nvSpPr>
+          <p:cNvPr id="6" name="Foliennummernplatzhalter 5"/>
+          <p:cNvSpPr>
+            <a:spLocks noGrp="1"/>
+          </p:cNvSpPr>
+          <p:nvPr>
+            <p:ph type="sldNum" sz="quarter" idx="12"/>
+          </p:nvPr>
+        </p:nvSpPr>
+        <p:spPr/>
+        <p:txBody>
+          <a:bodyPr/>
+          <a:lstStyle/>
+          <a:p>
+            <a:fld id="{C1874292-B4E8-D94B-9AF5-6AAF92AD3238}" type="slidenum">
+              <a:rPr lang="de-DE" smtClean="0"/>
+              <a:t>‹Nr.›</a:t>
+            </a:fld>
+            <a:endParaRPr lang="de-DE"/>
+          </a:p>
+        </p:txBody>
+      </p:sp>
+    </p:spTree>
+    <p:extLst>
+      <p:ext uri="{BB962C8B-B14F-4D97-AF65-F5344CB8AC3E}">
+        <p14:creationId xmlns:p14="http://schemas.microsoft.com/office/powerpoint/2010/main" val="1086786820"/>
+      </p:ext>
+    </p:extLst>
+  </p:cSld>
+  <p:clrMapOvr>
+    <a:masterClrMapping/>
+  </p:clrMapOvr>
+</p:sldLayout>
+</file>
+
+<file path=ppt/slideLayouts/slideLayout13.xml><?xml version="1.0" encoding="utf-8"?>
 <p:sldLayout xmlns:a="http://schemas.openxmlformats.org/drawingml/2006/main" xmlns:r="http://schemas.openxmlformats.org/officeDocument/2006/relationships" xmlns:p="http://schemas.openxmlformats.org/presentationml/2006/main" type="obj" preserve="1">
   <p:cSld name="Titel und Inhalt">
     <p:spTree>
@@ -1790,9 +2033,9 @@
           <a:bodyPr/>
           <a:lstStyle/>
           <a:p>
-            <a:fld id="{0176A06F-AB14-F94A-8BCE-1C0CB4911F8E}" type="datetime5">
-              <a:rPr lang="de-DE" smtClean="0"/>
-              <a:t>19-Okt-15</a:t>
+            <a:fld id="{1337284B-4799-8A41-B812-3DA2002D9A8C}" type="datetimeFigureOut">
+              <a:rPr lang="de-DE" smtClean="0"/>
+              <a:t>19.10.15</a:t>
             </a:fld>
             <a:endParaRPr lang="de-DE"/>
           </a:p>
@@ -1813,10 +2056,6 @@
           <a:bodyPr/>
           <a:lstStyle/>
           <a:p>
-            <a:r>
-              <a:rPr lang="de-DE" smtClean="0"/>
-              <a:t>A. Patel, C. Kaiser, L. Schmitz, N. Tatarakis </a:t>
-            </a:r>
             <a:endParaRPr lang="de-DE"/>
           </a:p>
         </p:txBody>
@@ -1836,7 +2075,7 @@
           <a:bodyPr/>
           <a:lstStyle/>
           <a:p>
-            <a:fld id="{C01938AF-F9EA-434A-A4EB-30D6D6E13CD1}" type="slidenum">
+            <a:fld id="{C1874292-B4E8-D94B-9AF5-6AAF92AD3238}" type="slidenum">
               <a:rPr lang="de-DE" smtClean="0"/>
               <a:t>‹Nr.›</a:t>
             </a:fld>
@@ -1847,7 +2086,7 @@
     </p:spTree>
     <p:extLst>
       <p:ext uri="{BB962C8B-B14F-4D97-AF65-F5344CB8AC3E}">
-        <p14:creationId xmlns:p14="http://schemas.microsoft.com/office/powerpoint/2010/main" val="3589037600"/>
+        <p14:creationId xmlns:p14="http://schemas.microsoft.com/office/powerpoint/2010/main" val="1551888563"/>
       </p:ext>
     </p:extLst>
   </p:cSld>
@@ -1857,7 +2096,7 @@
 </p:sldLayout>
 </file>
 
-<file path=ppt/slideLayouts/slideLayout3.xml><?xml version="1.0" encoding="utf-8"?>
+<file path=ppt/slideLayouts/slideLayout14.xml><?xml version="1.0" encoding="utf-8"?>
 <p:sldLayout xmlns:a="http://schemas.openxmlformats.org/drawingml/2006/main" xmlns:r="http://schemas.openxmlformats.org/officeDocument/2006/relationships" xmlns:p="http://schemas.openxmlformats.org/presentationml/2006/main" type="secHead" preserve="1">
   <p:cSld name="Abschnittsüberschrift">
     <p:spTree>
@@ -2040,9 +2279,9 @@
           <a:bodyPr/>
           <a:lstStyle/>
           <a:p>
-            <a:fld id="{2D4733B8-70C3-6141-8B66-0EF5CA422C2F}" type="datetime5">
-              <a:rPr lang="de-DE" smtClean="0"/>
-              <a:t>19-Okt-15</a:t>
+            <a:fld id="{1337284B-4799-8A41-B812-3DA2002D9A8C}" type="datetimeFigureOut">
+              <a:rPr lang="de-DE" smtClean="0"/>
+              <a:t>19.10.15</a:t>
             </a:fld>
             <a:endParaRPr lang="de-DE"/>
           </a:p>
@@ -2063,10 +2302,6 @@
           <a:bodyPr/>
           <a:lstStyle/>
           <a:p>
-            <a:r>
-              <a:rPr lang="de-DE" smtClean="0"/>
-              <a:t>A. Patel, C. Kaiser, L. Schmitz, N. Tatarakis </a:t>
-            </a:r>
             <a:endParaRPr lang="de-DE"/>
           </a:p>
         </p:txBody>
@@ -2086,7 +2321,7 @@
           <a:bodyPr/>
           <a:lstStyle/>
           <a:p>
-            <a:fld id="{C01938AF-F9EA-434A-A4EB-30D6D6E13CD1}" type="slidenum">
+            <a:fld id="{C1874292-B4E8-D94B-9AF5-6AAF92AD3238}" type="slidenum">
               <a:rPr lang="de-DE" smtClean="0"/>
               <a:t>‹Nr.›</a:t>
             </a:fld>
@@ -2097,7 +2332,7 @@
     </p:spTree>
     <p:extLst>
       <p:ext uri="{BB962C8B-B14F-4D97-AF65-F5344CB8AC3E}">
-        <p14:creationId xmlns:p14="http://schemas.microsoft.com/office/powerpoint/2010/main" val="3503213221"/>
+        <p14:creationId xmlns:p14="http://schemas.microsoft.com/office/powerpoint/2010/main" val="2443621544"/>
       </p:ext>
     </p:extLst>
   </p:cSld>
@@ -2107,7 +2342,7 @@
 </p:sldLayout>
 </file>
 
-<file path=ppt/slideLayouts/slideLayout4.xml><?xml version="1.0" encoding="utf-8"?>
+<file path=ppt/slideLayouts/slideLayout15.xml><?xml version="1.0" encoding="utf-8"?>
 <p:sldLayout xmlns:a="http://schemas.openxmlformats.org/drawingml/2006/main" xmlns:r="http://schemas.openxmlformats.org/officeDocument/2006/relationships" xmlns:p="http://schemas.openxmlformats.org/presentationml/2006/main" type="twoObj" preserve="1">
   <p:cSld name="Zwei Inhalte">
     <p:spTree>
@@ -2332,9 +2567,9 @@
           <a:bodyPr/>
           <a:lstStyle/>
           <a:p>
-            <a:fld id="{C5116C8A-D3AA-044E-ACEE-386FCF3E3F89}" type="datetime5">
-              <a:rPr lang="de-DE" smtClean="0"/>
-              <a:t>19-Okt-15</a:t>
+            <a:fld id="{1337284B-4799-8A41-B812-3DA2002D9A8C}" type="datetimeFigureOut">
+              <a:rPr lang="de-DE" smtClean="0"/>
+              <a:t>19.10.15</a:t>
             </a:fld>
             <a:endParaRPr lang="de-DE"/>
           </a:p>
@@ -2355,10 +2590,6 @@
           <a:bodyPr/>
           <a:lstStyle/>
           <a:p>
-            <a:r>
-              <a:rPr lang="de-DE" smtClean="0"/>
-              <a:t>A. Patel, C. Kaiser, L. Schmitz, N. Tatarakis </a:t>
-            </a:r>
             <a:endParaRPr lang="de-DE"/>
           </a:p>
         </p:txBody>
@@ -2378,7 +2609,7 @@
           <a:bodyPr/>
           <a:lstStyle/>
           <a:p>
-            <a:fld id="{C01938AF-F9EA-434A-A4EB-30D6D6E13CD1}" type="slidenum">
+            <a:fld id="{C1874292-B4E8-D94B-9AF5-6AAF92AD3238}" type="slidenum">
               <a:rPr lang="de-DE" smtClean="0"/>
               <a:t>‹Nr.›</a:t>
             </a:fld>
@@ -2389,7 +2620,7 @@
     </p:spTree>
     <p:extLst>
       <p:ext uri="{BB962C8B-B14F-4D97-AF65-F5344CB8AC3E}">
-        <p14:creationId xmlns:p14="http://schemas.microsoft.com/office/powerpoint/2010/main" val="1946067352"/>
+        <p14:creationId xmlns:p14="http://schemas.microsoft.com/office/powerpoint/2010/main" val="1778777369"/>
       </p:ext>
     </p:extLst>
   </p:cSld>
@@ -2399,7 +2630,7 @@
 </p:sldLayout>
 </file>
 
-<file path=ppt/slideLayouts/slideLayout5.xml><?xml version="1.0" encoding="utf-8"?>
+<file path=ppt/slideLayouts/slideLayout16.xml><?xml version="1.0" encoding="utf-8"?>
 <p:sldLayout xmlns:a="http://schemas.openxmlformats.org/drawingml/2006/main" xmlns:r="http://schemas.openxmlformats.org/officeDocument/2006/relationships" xmlns:p="http://schemas.openxmlformats.org/presentationml/2006/main" type="twoTxTwoObj" preserve="1">
   <p:cSld name="Vergleich">
     <p:spTree>
@@ -2758,9 +2989,9 @@
           <a:bodyPr/>
           <a:lstStyle/>
           <a:p>
-            <a:fld id="{923DD14D-E8C9-8C45-8AED-E9F7B404A703}" type="datetime5">
-              <a:rPr lang="de-DE" smtClean="0"/>
-              <a:t>19-Okt-15</a:t>
+            <a:fld id="{1337284B-4799-8A41-B812-3DA2002D9A8C}" type="datetimeFigureOut">
+              <a:rPr lang="de-DE" smtClean="0"/>
+              <a:t>19.10.15</a:t>
             </a:fld>
             <a:endParaRPr lang="de-DE"/>
           </a:p>
@@ -2781,10 +3012,6 @@
           <a:bodyPr/>
           <a:lstStyle/>
           <a:p>
-            <a:r>
-              <a:rPr lang="de-DE" smtClean="0"/>
-              <a:t>A. Patel, C. Kaiser, L. Schmitz, N. Tatarakis </a:t>
-            </a:r>
             <a:endParaRPr lang="de-DE"/>
           </a:p>
         </p:txBody>
@@ -2804,7 +3031,7 @@
           <a:bodyPr/>
           <a:lstStyle/>
           <a:p>
-            <a:fld id="{C01938AF-F9EA-434A-A4EB-30D6D6E13CD1}" type="slidenum">
+            <a:fld id="{C1874292-B4E8-D94B-9AF5-6AAF92AD3238}" type="slidenum">
               <a:rPr lang="de-DE" smtClean="0"/>
               <a:t>‹Nr.›</a:t>
             </a:fld>
@@ -2815,7 +3042,7 @@
     </p:spTree>
     <p:extLst>
       <p:ext uri="{BB962C8B-B14F-4D97-AF65-F5344CB8AC3E}">
-        <p14:creationId xmlns:p14="http://schemas.microsoft.com/office/powerpoint/2010/main" val="1391252402"/>
+        <p14:creationId xmlns:p14="http://schemas.microsoft.com/office/powerpoint/2010/main" val="541489518"/>
       </p:ext>
     </p:extLst>
   </p:cSld>
@@ -2825,7 +3052,7 @@
 </p:sldLayout>
 </file>
 
-<file path=ppt/slideLayouts/slideLayout6.xml><?xml version="1.0" encoding="utf-8"?>
+<file path=ppt/slideLayouts/slideLayout17.xml><?xml version="1.0" encoding="utf-8"?>
 <p:sldLayout xmlns:a="http://schemas.openxmlformats.org/drawingml/2006/main" xmlns:r="http://schemas.openxmlformats.org/officeDocument/2006/relationships" xmlns:p="http://schemas.openxmlformats.org/presentationml/2006/main" type="titleOnly" preserve="1">
   <p:cSld name="Nur Titel">
     <p:spTree>
@@ -2880,9 +3107,9 @@
           <a:bodyPr/>
           <a:lstStyle/>
           <a:p>
-            <a:fld id="{1F5EF3EE-821D-AE41-8F32-F921984AEFFA}" type="datetime5">
-              <a:rPr lang="de-DE" smtClean="0"/>
-              <a:t>19-Okt-15</a:t>
+            <a:fld id="{1337284B-4799-8A41-B812-3DA2002D9A8C}" type="datetimeFigureOut">
+              <a:rPr lang="de-DE" smtClean="0"/>
+              <a:t>19.10.15</a:t>
             </a:fld>
             <a:endParaRPr lang="de-DE"/>
           </a:p>
@@ -2903,10 +3130,6 @@
           <a:bodyPr/>
           <a:lstStyle/>
           <a:p>
-            <a:r>
-              <a:rPr lang="de-DE" smtClean="0"/>
-              <a:t>A. Patel, C. Kaiser, L. Schmitz, N. Tatarakis </a:t>
-            </a:r>
             <a:endParaRPr lang="de-DE"/>
           </a:p>
         </p:txBody>
@@ -2926,7 +3149,7 @@
           <a:bodyPr/>
           <a:lstStyle/>
           <a:p>
-            <a:fld id="{C01938AF-F9EA-434A-A4EB-30D6D6E13CD1}" type="slidenum">
+            <a:fld id="{C1874292-B4E8-D94B-9AF5-6AAF92AD3238}" type="slidenum">
               <a:rPr lang="de-DE" smtClean="0"/>
               <a:t>‹Nr.›</a:t>
             </a:fld>
@@ -2937,7 +3160,7 @@
     </p:spTree>
     <p:extLst>
       <p:ext uri="{BB962C8B-B14F-4D97-AF65-F5344CB8AC3E}">
-        <p14:creationId xmlns:p14="http://schemas.microsoft.com/office/powerpoint/2010/main" val="3380442074"/>
+        <p14:creationId xmlns:p14="http://schemas.microsoft.com/office/powerpoint/2010/main" val="184921538"/>
       </p:ext>
     </p:extLst>
   </p:cSld>
@@ -2947,7 +3170,7 @@
 </p:sldLayout>
 </file>
 
-<file path=ppt/slideLayouts/slideLayout7.xml><?xml version="1.0" encoding="utf-8"?>
+<file path=ppt/slideLayouts/slideLayout18.xml><?xml version="1.0" encoding="utf-8"?>
 <p:sldLayout xmlns:a="http://schemas.openxmlformats.org/drawingml/2006/main" xmlns:r="http://schemas.openxmlformats.org/officeDocument/2006/relationships" xmlns:p="http://schemas.openxmlformats.org/presentationml/2006/main" type="blank" preserve="1">
   <p:cSld name="Leer">
     <p:spTree>
@@ -2979,9 +3202,9 @@
           <a:bodyPr/>
           <a:lstStyle/>
           <a:p>
-            <a:fld id="{EDB92D91-CC0C-0444-840B-9DA1547438B2}" type="datetime5">
-              <a:rPr lang="de-DE" smtClean="0"/>
-              <a:t>19-Okt-15</a:t>
+            <a:fld id="{1337284B-4799-8A41-B812-3DA2002D9A8C}" type="datetimeFigureOut">
+              <a:rPr lang="de-DE" smtClean="0"/>
+              <a:t>19.10.15</a:t>
             </a:fld>
             <a:endParaRPr lang="de-DE"/>
           </a:p>
@@ -3002,10 +3225,6 @@
           <a:bodyPr/>
           <a:lstStyle/>
           <a:p>
-            <a:r>
-              <a:rPr lang="de-DE" smtClean="0"/>
-              <a:t>A. Patel, C. Kaiser, L. Schmitz, N. Tatarakis </a:t>
-            </a:r>
             <a:endParaRPr lang="de-DE"/>
           </a:p>
         </p:txBody>
@@ -3025,7 +3244,7 @@
           <a:bodyPr/>
           <a:lstStyle/>
           <a:p>
-            <a:fld id="{C01938AF-F9EA-434A-A4EB-30D6D6E13CD1}" type="slidenum">
+            <a:fld id="{C1874292-B4E8-D94B-9AF5-6AAF92AD3238}" type="slidenum">
               <a:rPr lang="de-DE" smtClean="0"/>
               <a:t>‹Nr.›</a:t>
             </a:fld>
@@ -3036,7 +3255,7 @@
     </p:spTree>
     <p:extLst>
       <p:ext uri="{BB962C8B-B14F-4D97-AF65-F5344CB8AC3E}">
-        <p14:creationId xmlns:p14="http://schemas.microsoft.com/office/powerpoint/2010/main" val="1912878413"/>
+        <p14:creationId xmlns:p14="http://schemas.microsoft.com/office/powerpoint/2010/main" val="3296287657"/>
       </p:ext>
     </p:extLst>
   </p:cSld>
@@ -3046,7 +3265,7 @@
 </p:sldLayout>
 </file>
 
-<file path=ppt/slideLayouts/slideLayout8.xml><?xml version="1.0" encoding="utf-8"?>
+<file path=ppt/slideLayouts/slideLayout19.xml><?xml version="1.0" encoding="utf-8"?>
 <p:sldLayout xmlns:a="http://schemas.openxmlformats.org/drawingml/2006/main" xmlns:r="http://schemas.openxmlformats.org/officeDocument/2006/relationships" xmlns:p="http://schemas.openxmlformats.org/presentationml/2006/main" type="objTx" preserve="1">
   <p:cSld name="Inhalt mit Beschriftung">
     <p:spTree>
@@ -3260,9 +3479,9 @@
           <a:bodyPr/>
           <a:lstStyle/>
           <a:p>
-            <a:fld id="{5525125F-18AF-B94D-AE89-1CA7AB4C6E4E}" type="datetime5">
-              <a:rPr lang="de-DE" smtClean="0"/>
-              <a:t>19-Okt-15</a:t>
+            <a:fld id="{1337284B-4799-8A41-B812-3DA2002D9A8C}" type="datetimeFigureOut">
+              <a:rPr lang="de-DE" smtClean="0"/>
+              <a:t>19.10.15</a:t>
             </a:fld>
             <a:endParaRPr lang="de-DE"/>
           </a:p>
@@ -3283,10 +3502,6 @@
           <a:bodyPr/>
           <a:lstStyle/>
           <a:p>
-            <a:r>
-              <a:rPr lang="de-DE" smtClean="0"/>
-              <a:t>A. Patel, C. Kaiser, L. Schmitz, N. Tatarakis </a:t>
-            </a:r>
             <a:endParaRPr lang="de-DE"/>
           </a:p>
         </p:txBody>
@@ -3306,7 +3521,7 @@
           <a:bodyPr/>
           <a:lstStyle/>
           <a:p>
-            <a:fld id="{C01938AF-F9EA-434A-A4EB-30D6D6E13CD1}" type="slidenum">
+            <a:fld id="{C1874292-B4E8-D94B-9AF5-6AAF92AD3238}" type="slidenum">
               <a:rPr lang="de-DE" smtClean="0"/>
               <a:t>‹Nr.›</a:t>
             </a:fld>
@@ -3317,7 +3532,7 @@
     </p:spTree>
     <p:extLst>
       <p:ext uri="{BB962C8B-B14F-4D97-AF65-F5344CB8AC3E}">
-        <p14:creationId xmlns:p14="http://schemas.microsoft.com/office/powerpoint/2010/main" val="362405313"/>
+        <p14:creationId xmlns:p14="http://schemas.microsoft.com/office/powerpoint/2010/main" val="1937744453"/>
       </p:ext>
     </p:extLst>
   </p:cSld>
@@ -3327,7 +3542,181 @@
 </p:sldLayout>
 </file>
 
-<file path=ppt/slideLayouts/slideLayout9.xml><?xml version="1.0" encoding="utf-8"?>
+<file path=ppt/slideLayouts/slideLayout2.xml><?xml version="1.0" encoding="utf-8"?>
+<p:sldLayout xmlns:a="http://schemas.openxmlformats.org/drawingml/2006/main" xmlns:r="http://schemas.openxmlformats.org/officeDocument/2006/relationships" xmlns:p="http://schemas.openxmlformats.org/presentationml/2006/main" type="obj" preserve="1">
+  <p:cSld name="Titel und Inhalt">
+    <p:spTree>
+      <p:nvGrpSpPr>
+        <p:cNvPr id="1" name=""/>
+        <p:cNvGrpSpPr/>
+        <p:nvPr/>
+      </p:nvGrpSpPr>
+      <p:grpSpPr>
+        <a:xfrm>
+          <a:off x="0" y="0"/>
+          <a:ext cx="0" cy="0"/>
+          <a:chOff x="0" y="0"/>
+          <a:chExt cx="0" cy="0"/>
+        </a:xfrm>
+      </p:grpSpPr>
+      <p:sp>
+        <p:nvSpPr>
+          <p:cNvPr id="2" name="Titel 1"/>
+          <p:cNvSpPr>
+            <a:spLocks noGrp="1"/>
+          </p:cNvSpPr>
+          <p:nvPr>
+            <p:ph type="title"/>
+          </p:nvPr>
+        </p:nvSpPr>
+        <p:spPr/>
+        <p:txBody>
+          <a:bodyPr/>
+          <a:lstStyle/>
+          <a:p>
+            <a:r>
+              <a:rPr lang="de-DE" smtClean="0"/>
+              <a:t>Mastertitelformat bearbeiten</a:t>
+            </a:r>
+            <a:endParaRPr lang="de-DE"/>
+          </a:p>
+        </p:txBody>
+      </p:sp>
+      <p:sp>
+        <p:nvSpPr>
+          <p:cNvPr id="3" name="Inhaltsplatzhalter 2"/>
+          <p:cNvSpPr>
+            <a:spLocks noGrp="1"/>
+          </p:cNvSpPr>
+          <p:nvPr>
+            <p:ph idx="1"/>
+          </p:nvPr>
+        </p:nvSpPr>
+        <p:spPr/>
+        <p:txBody>
+          <a:bodyPr/>
+          <a:lstStyle/>
+          <a:p>
+            <a:pPr lvl="0"/>
+            <a:r>
+              <a:rPr lang="de-DE" smtClean="0"/>
+              <a:t>Mastertextformat bearbeiten</a:t>
+            </a:r>
+          </a:p>
+          <a:p>
+            <a:pPr lvl="1"/>
+            <a:r>
+              <a:rPr lang="de-DE" smtClean="0"/>
+              <a:t>Zweite Ebene</a:t>
+            </a:r>
+          </a:p>
+          <a:p>
+            <a:pPr lvl="2"/>
+            <a:r>
+              <a:rPr lang="de-DE" smtClean="0"/>
+              <a:t>Dritte Ebene</a:t>
+            </a:r>
+          </a:p>
+          <a:p>
+            <a:pPr lvl="3"/>
+            <a:r>
+              <a:rPr lang="de-DE" smtClean="0"/>
+              <a:t>Vierte Ebene</a:t>
+            </a:r>
+          </a:p>
+          <a:p>
+            <a:pPr lvl="4"/>
+            <a:r>
+              <a:rPr lang="de-DE" smtClean="0"/>
+              <a:t>Fünfte Ebene</a:t>
+            </a:r>
+            <a:endParaRPr lang="de-DE"/>
+          </a:p>
+        </p:txBody>
+      </p:sp>
+      <p:sp>
+        <p:nvSpPr>
+          <p:cNvPr id="4" name="Datumsplatzhalter 3"/>
+          <p:cNvSpPr>
+            <a:spLocks noGrp="1"/>
+          </p:cNvSpPr>
+          <p:nvPr>
+            <p:ph type="dt" sz="half" idx="10"/>
+          </p:nvPr>
+        </p:nvSpPr>
+        <p:spPr/>
+        <p:txBody>
+          <a:bodyPr/>
+          <a:lstStyle/>
+          <a:p>
+            <a:fld id="{083D5C98-B3AB-9048-99B3-A32CBDE9B085}" type="datetime5">
+              <a:rPr lang="de-DE" smtClean="0"/>
+              <a:t>19-Okt-15</a:t>
+            </a:fld>
+            <a:endParaRPr lang="de-DE"/>
+          </a:p>
+        </p:txBody>
+      </p:sp>
+      <p:sp>
+        <p:nvSpPr>
+          <p:cNvPr id="5" name="Fußzeilenplatzhalter 4"/>
+          <p:cNvSpPr>
+            <a:spLocks noGrp="1"/>
+          </p:cNvSpPr>
+          <p:nvPr>
+            <p:ph type="ftr" sz="quarter" idx="11"/>
+          </p:nvPr>
+        </p:nvSpPr>
+        <p:spPr/>
+        <p:txBody>
+          <a:bodyPr/>
+          <a:lstStyle/>
+          <a:p>
+            <a:r>
+              <a:rPr lang="de-DE" smtClean="0"/>
+              <a:t>Group 31:  A. Patel, C. Kaiser, L. Schmitz, N. Tatarakis </a:t>
+            </a:r>
+            <a:endParaRPr lang="de-DE"/>
+          </a:p>
+        </p:txBody>
+      </p:sp>
+      <p:sp>
+        <p:nvSpPr>
+          <p:cNvPr id="6" name="Foliennummernplatzhalter 5"/>
+          <p:cNvSpPr>
+            <a:spLocks noGrp="1"/>
+          </p:cNvSpPr>
+          <p:nvPr>
+            <p:ph type="sldNum" sz="quarter" idx="12"/>
+          </p:nvPr>
+        </p:nvSpPr>
+        <p:spPr/>
+        <p:txBody>
+          <a:bodyPr/>
+          <a:lstStyle/>
+          <a:p>
+            <a:fld id="{C01938AF-F9EA-434A-A4EB-30D6D6E13CD1}" type="slidenum">
+              <a:rPr lang="de-DE" smtClean="0"/>
+              <a:t>‹Nr.›</a:t>
+            </a:fld>
+            <a:endParaRPr lang="de-DE"/>
+          </a:p>
+        </p:txBody>
+      </p:sp>
+    </p:spTree>
+    <p:extLst>
+      <p:ext uri="{BB962C8B-B14F-4D97-AF65-F5344CB8AC3E}">
+        <p14:creationId xmlns:p14="http://schemas.microsoft.com/office/powerpoint/2010/main" val="3589037600"/>
+      </p:ext>
+    </p:extLst>
+  </p:cSld>
+  <p:clrMapOvr>
+    <a:masterClrMapping/>
+  </p:clrMapOvr>
+</p:sldLayout>
+</file>
+
+<file path=ppt/slideLayouts/slideLayout20.xml><?xml version="1.0" encoding="utf-8"?>
 <p:sldLayout xmlns:a="http://schemas.openxmlformats.org/drawingml/2006/main" xmlns:r="http://schemas.openxmlformats.org/officeDocument/2006/relationships" xmlns:p="http://schemas.openxmlformats.org/presentationml/2006/main" type="picTx" preserve="1">
   <p:cSld name="Bild mit Beschriftung">
     <p:spTree>
@@ -3517,7 +3906,603 @@
           <a:bodyPr/>
           <a:lstStyle/>
           <a:p>
-            <a:fld id="{89389B88-BD88-9542-922D-D68FD0AA4CD7}" type="datetime5">
+            <a:fld id="{1337284B-4799-8A41-B812-3DA2002D9A8C}" type="datetimeFigureOut">
+              <a:rPr lang="de-DE" smtClean="0"/>
+              <a:t>19.10.15</a:t>
+            </a:fld>
+            <a:endParaRPr lang="de-DE"/>
+          </a:p>
+        </p:txBody>
+      </p:sp>
+      <p:sp>
+        <p:nvSpPr>
+          <p:cNvPr id="6" name="Fußzeilenplatzhalter 5"/>
+          <p:cNvSpPr>
+            <a:spLocks noGrp="1"/>
+          </p:cNvSpPr>
+          <p:nvPr>
+            <p:ph type="ftr" sz="quarter" idx="11"/>
+          </p:nvPr>
+        </p:nvSpPr>
+        <p:spPr/>
+        <p:txBody>
+          <a:bodyPr/>
+          <a:lstStyle/>
+          <a:p>
+            <a:endParaRPr lang="de-DE"/>
+          </a:p>
+        </p:txBody>
+      </p:sp>
+      <p:sp>
+        <p:nvSpPr>
+          <p:cNvPr id="7" name="Foliennummernplatzhalter 6"/>
+          <p:cNvSpPr>
+            <a:spLocks noGrp="1"/>
+          </p:cNvSpPr>
+          <p:nvPr>
+            <p:ph type="sldNum" sz="quarter" idx="12"/>
+          </p:nvPr>
+        </p:nvSpPr>
+        <p:spPr/>
+        <p:txBody>
+          <a:bodyPr/>
+          <a:lstStyle/>
+          <a:p>
+            <a:fld id="{C1874292-B4E8-D94B-9AF5-6AAF92AD3238}" type="slidenum">
+              <a:rPr lang="de-DE" smtClean="0"/>
+              <a:t>‹Nr.›</a:t>
+            </a:fld>
+            <a:endParaRPr lang="de-DE"/>
+          </a:p>
+        </p:txBody>
+      </p:sp>
+    </p:spTree>
+    <p:extLst>
+      <p:ext uri="{BB962C8B-B14F-4D97-AF65-F5344CB8AC3E}">
+        <p14:creationId xmlns:p14="http://schemas.microsoft.com/office/powerpoint/2010/main" val="1727496513"/>
+      </p:ext>
+    </p:extLst>
+  </p:cSld>
+  <p:clrMapOvr>
+    <a:masterClrMapping/>
+  </p:clrMapOvr>
+</p:sldLayout>
+</file>
+
+<file path=ppt/slideLayouts/slideLayout21.xml><?xml version="1.0" encoding="utf-8"?>
+<p:sldLayout xmlns:a="http://schemas.openxmlformats.org/drawingml/2006/main" xmlns:r="http://schemas.openxmlformats.org/officeDocument/2006/relationships" xmlns:p="http://schemas.openxmlformats.org/presentationml/2006/main" type="vertTx" preserve="1">
+  <p:cSld name="Titel und vertikaler Text">
+    <p:spTree>
+      <p:nvGrpSpPr>
+        <p:cNvPr id="1" name=""/>
+        <p:cNvGrpSpPr/>
+        <p:nvPr/>
+      </p:nvGrpSpPr>
+      <p:grpSpPr>
+        <a:xfrm>
+          <a:off x="0" y="0"/>
+          <a:ext cx="0" cy="0"/>
+          <a:chOff x="0" y="0"/>
+          <a:chExt cx="0" cy="0"/>
+        </a:xfrm>
+      </p:grpSpPr>
+      <p:sp>
+        <p:nvSpPr>
+          <p:cNvPr id="2" name="Titel 1"/>
+          <p:cNvSpPr>
+            <a:spLocks noGrp="1"/>
+          </p:cNvSpPr>
+          <p:nvPr>
+            <p:ph type="title"/>
+          </p:nvPr>
+        </p:nvSpPr>
+        <p:spPr/>
+        <p:txBody>
+          <a:bodyPr/>
+          <a:lstStyle/>
+          <a:p>
+            <a:r>
+              <a:rPr lang="de-DE" smtClean="0"/>
+              <a:t>Mastertitelformat bearbeiten</a:t>
+            </a:r>
+            <a:endParaRPr lang="de-DE"/>
+          </a:p>
+        </p:txBody>
+      </p:sp>
+      <p:sp>
+        <p:nvSpPr>
+          <p:cNvPr id="3" name="Vertikaler Textplatzhalter 2"/>
+          <p:cNvSpPr>
+            <a:spLocks noGrp="1"/>
+          </p:cNvSpPr>
+          <p:nvPr>
+            <p:ph type="body" orient="vert" idx="1"/>
+          </p:nvPr>
+        </p:nvSpPr>
+        <p:spPr/>
+        <p:txBody>
+          <a:bodyPr vert="eaVert"/>
+          <a:lstStyle/>
+          <a:p>
+            <a:pPr lvl="0"/>
+            <a:r>
+              <a:rPr lang="de-DE" smtClean="0"/>
+              <a:t>Mastertextformat bearbeiten</a:t>
+            </a:r>
+          </a:p>
+          <a:p>
+            <a:pPr lvl="1"/>
+            <a:r>
+              <a:rPr lang="de-DE" smtClean="0"/>
+              <a:t>Zweite Ebene</a:t>
+            </a:r>
+          </a:p>
+          <a:p>
+            <a:pPr lvl="2"/>
+            <a:r>
+              <a:rPr lang="de-DE" smtClean="0"/>
+              <a:t>Dritte Ebene</a:t>
+            </a:r>
+          </a:p>
+          <a:p>
+            <a:pPr lvl="3"/>
+            <a:r>
+              <a:rPr lang="de-DE" smtClean="0"/>
+              <a:t>Vierte Ebene</a:t>
+            </a:r>
+          </a:p>
+          <a:p>
+            <a:pPr lvl="4"/>
+            <a:r>
+              <a:rPr lang="de-DE" smtClean="0"/>
+              <a:t>Fünfte Ebene</a:t>
+            </a:r>
+            <a:endParaRPr lang="de-DE"/>
+          </a:p>
+        </p:txBody>
+      </p:sp>
+      <p:sp>
+        <p:nvSpPr>
+          <p:cNvPr id="4" name="Datumsplatzhalter 3"/>
+          <p:cNvSpPr>
+            <a:spLocks noGrp="1"/>
+          </p:cNvSpPr>
+          <p:nvPr>
+            <p:ph type="dt" sz="half" idx="10"/>
+          </p:nvPr>
+        </p:nvSpPr>
+        <p:spPr/>
+        <p:txBody>
+          <a:bodyPr/>
+          <a:lstStyle/>
+          <a:p>
+            <a:fld id="{1337284B-4799-8A41-B812-3DA2002D9A8C}" type="datetimeFigureOut">
+              <a:rPr lang="de-DE" smtClean="0"/>
+              <a:t>19.10.15</a:t>
+            </a:fld>
+            <a:endParaRPr lang="de-DE"/>
+          </a:p>
+        </p:txBody>
+      </p:sp>
+      <p:sp>
+        <p:nvSpPr>
+          <p:cNvPr id="5" name="Fußzeilenplatzhalter 4"/>
+          <p:cNvSpPr>
+            <a:spLocks noGrp="1"/>
+          </p:cNvSpPr>
+          <p:nvPr>
+            <p:ph type="ftr" sz="quarter" idx="11"/>
+          </p:nvPr>
+        </p:nvSpPr>
+        <p:spPr/>
+        <p:txBody>
+          <a:bodyPr/>
+          <a:lstStyle/>
+          <a:p>
+            <a:endParaRPr lang="de-DE"/>
+          </a:p>
+        </p:txBody>
+      </p:sp>
+      <p:sp>
+        <p:nvSpPr>
+          <p:cNvPr id="6" name="Foliennummernplatzhalter 5"/>
+          <p:cNvSpPr>
+            <a:spLocks noGrp="1"/>
+          </p:cNvSpPr>
+          <p:nvPr>
+            <p:ph type="sldNum" sz="quarter" idx="12"/>
+          </p:nvPr>
+        </p:nvSpPr>
+        <p:spPr/>
+        <p:txBody>
+          <a:bodyPr/>
+          <a:lstStyle/>
+          <a:p>
+            <a:fld id="{C1874292-B4E8-D94B-9AF5-6AAF92AD3238}" type="slidenum">
+              <a:rPr lang="de-DE" smtClean="0"/>
+              <a:t>‹Nr.›</a:t>
+            </a:fld>
+            <a:endParaRPr lang="de-DE"/>
+          </a:p>
+        </p:txBody>
+      </p:sp>
+    </p:spTree>
+    <p:extLst>
+      <p:ext uri="{BB962C8B-B14F-4D97-AF65-F5344CB8AC3E}">
+        <p14:creationId xmlns:p14="http://schemas.microsoft.com/office/powerpoint/2010/main" val="737655697"/>
+      </p:ext>
+    </p:extLst>
+  </p:cSld>
+  <p:clrMapOvr>
+    <a:masterClrMapping/>
+  </p:clrMapOvr>
+</p:sldLayout>
+</file>
+
+<file path=ppt/slideLayouts/slideLayout22.xml><?xml version="1.0" encoding="utf-8"?>
+<p:sldLayout xmlns:a="http://schemas.openxmlformats.org/drawingml/2006/main" xmlns:r="http://schemas.openxmlformats.org/officeDocument/2006/relationships" xmlns:p="http://schemas.openxmlformats.org/presentationml/2006/main" type="vertTitleAndTx" preserve="1">
+  <p:cSld name="Vertikaler Titel und Text">
+    <p:spTree>
+      <p:nvGrpSpPr>
+        <p:cNvPr id="1" name=""/>
+        <p:cNvGrpSpPr/>
+        <p:nvPr/>
+      </p:nvGrpSpPr>
+      <p:grpSpPr>
+        <a:xfrm>
+          <a:off x="0" y="0"/>
+          <a:ext cx="0" cy="0"/>
+          <a:chOff x="0" y="0"/>
+          <a:chExt cx="0" cy="0"/>
+        </a:xfrm>
+      </p:grpSpPr>
+      <p:sp>
+        <p:nvSpPr>
+          <p:cNvPr id="2" name="Vertikaler Titel 1"/>
+          <p:cNvSpPr>
+            <a:spLocks noGrp="1"/>
+          </p:cNvSpPr>
+          <p:nvPr>
+            <p:ph type="title" orient="vert"/>
+          </p:nvPr>
+        </p:nvSpPr>
+        <p:spPr>
+          <a:xfrm>
+            <a:off x="6629400" y="274638"/>
+            <a:ext cx="2057400" cy="5851525"/>
+          </a:xfrm>
+        </p:spPr>
+        <p:txBody>
+          <a:bodyPr vert="eaVert"/>
+          <a:lstStyle/>
+          <a:p>
+            <a:r>
+              <a:rPr lang="de-DE" smtClean="0"/>
+              <a:t>Mastertitelformat bearbeiten</a:t>
+            </a:r>
+            <a:endParaRPr lang="de-DE"/>
+          </a:p>
+        </p:txBody>
+      </p:sp>
+      <p:sp>
+        <p:nvSpPr>
+          <p:cNvPr id="3" name="Vertikaler Textplatzhalter 2"/>
+          <p:cNvSpPr>
+            <a:spLocks noGrp="1"/>
+          </p:cNvSpPr>
+          <p:nvPr>
+            <p:ph type="body" orient="vert" idx="1"/>
+          </p:nvPr>
+        </p:nvSpPr>
+        <p:spPr>
+          <a:xfrm>
+            <a:off x="457200" y="274638"/>
+            <a:ext cx="6019800" cy="5851525"/>
+          </a:xfrm>
+        </p:spPr>
+        <p:txBody>
+          <a:bodyPr vert="eaVert"/>
+          <a:lstStyle/>
+          <a:p>
+            <a:pPr lvl="0"/>
+            <a:r>
+              <a:rPr lang="de-DE" smtClean="0"/>
+              <a:t>Mastertextformat bearbeiten</a:t>
+            </a:r>
+          </a:p>
+          <a:p>
+            <a:pPr lvl="1"/>
+            <a:r>
+              <a:rPr lang="de-DE" smtClean="0"/>
+              <a:t>Zweite Ebene</a:t>
+            </a:r>
+          </a:p>
+          <a:p>
+            <a:pPr lvl="2"/>
+            <a:r>
+              <a:rPr lang="de-DE" smtClean="0"/>
+              <a:t>Dritte Ebene</a:t>
+            </a:r>
+          </a:p>
+          <a:p>
+            <a:pPr lvl="3"/>
+            <a:r>
+              <a:rPr lang="de-DE" smtClean="0"/>
+              <a:t>Vierte Ebene</a:t>
+            </a:r>
+          </a:p>
+          <a:p>
+            <a:pPr lvl="4"/>
+            <a:r>
+              <a:rPr lang="de-DE" smtClean="0"/>
+              <a:t>Fünfte Ebene</a:t>
+            </a:r>
+            <a:endParaRPr lang="de-DE"/>
+          </a:p>
+        </p:txBody>
+      </p:sp>
+      <p:sp>
+        <p:nvSpPr>
+          <p:cNvPr id="4" name="Datumsplatzhalter 3"/>
+          <p:cNvSpPr>
+            <a:spLocks noGrp="1"/>
+          </p:cNvSpPr>
+          <p:nvPr>
+            <p:ph type="dt" sz="half" idx="10"/>
+          </p:nvPr>
+        </p:nvSpPr>
+        <p:spPr/>
+        <p:txBody>
+          <a:bodyPr/>
+          <a:lstStyle/>
+          <a:p>
+            <a:fld id="{1337284B-4799-8A41-B812-3DA2002D9A8C}" type="datetimeFigureOut">
+              <a:rPr lang="de-DE" smtClean="0"/>
+              <a:t>19.10.15</a:t>
+            </a:fld>
+            <a:endParaRPr lang="de-DE"/>
+          </a:p>
+        </p:txBody>
+      </p:sp>
+      <p:sp>
+        <p:nvSpPr>
+          <p:cNvPr id="5" name="Fußzeilenplatzhalter 4"/>
+          <p:cNvSpPr>
+            <a:spLocks noGrp="1"/>
+          </p:cNvSpPr>
+          <p:nvPr>
+            <p:ph type="ftr" sz="quarter" idx="11"/>
+          </p:nvPr>
+        </p:nvSpPr>
+        <p:spPr/>
+        <p:txBody>
+          <a:bodyPr/>
+          <a:lstStyle/>
+          <a:p>
+            <a:endParaRPr lang="de-DE"/>
+          </a:p>
+        </p:txBody>
+      </p:sp>
+      <p:sp>
+        <p:nvSpPr>
+          <p:cNvPr id="6" name="Foliennummernplatzhalter 5"/>
+          <p:cNvSpPr>
+            <a:spLocks noGrp="1"/>
+          </p:cNvSpPr>
+          <p:nvPr>
+            <p:ph type="sldNum" sz="quarter" idx="12"/>
+          </p:nvPr>
+        </p:nvSpPr>
+        <p:spPr/>
+        <p:txBody>
+          <a:bodyPr/>
+          <a:lstStyle/>
+          <a:p>
+            <a:fld id="{C1874292-B4E8-D94B-9AF5-6AAF92AD3238}" type="slidenum">
+              <a:rPr lang="de-DE" smtClean="0"/>
+              <a:t>‹Nr.›</a:t>
+            </a:fld>
+            <a:endParaRPr lang="de-DE"/>
+          </a:p>
+        </p:txBody>
+      </p:sp>
+    </p:spTree>
+    <p:extLst>
+      <p:ext uri="{BB962C8B-B14F-4D97-AF65-F5344CB8AC3E}">
+        <p14:creationId xmlns:p14="http://schemas.microsoft.com/office/powerpoint/2010/main" val="2044384528"/>
+      </p:ext>
+    </p:extLst>
+  </p:cSld>
+  <p:clrMapOvr>
+    <a:masterClrMapping/>
+  </p:clrMapOvr>
+</p:sldLayout>
+</file>
+
+<file path=ppt/slideLayouts/slideLayout3.xml><?xml version="1.0" encoding="utf-8"?>
+<p:sldLayout xmlns:a="http://schemas.openxmlformats.org/drawingml/2006/main" xmlns:r="http://schemas.openxmlformats.org/officeDocument/2006/relationships" xmlns:p="http://schemas.openxmlformats.org/presentationml/2006/main" type="secHead" preserve="1">
+  <p:cSld name="Abschnittsüberschrift">
+    <p:spTree>
+      <p:nvGrpSpPr>
+        <p:cNvPr id="1" name=""/>
+        <p:cNvGrpSpPr/>
+        <p:nvPr/>
+      </p:nvGrpSpPr>
+      <p:grpSpPr>
+        <a:xfrm>
+          <a:off x="0" y="0"/>
+          <a:ext cx="0" cy="0"/>
+          <a:chOff x="0" y="0"/>
+          <a:chExt cx="0" cy="0"/>
+        </a:xfrm>
+      </p:grpSpPr>
+      <p:sp>
+        <p:nvSpPr>
+          <p:cNvPr id="2" name="Titel 1"/>
+          <p:cNvSpPr>
+            <a:spLocks noGrp="1"/>
+          </p:cNvSpPr>
+          <p:nvPr>
+            <p:ph type="title"/>
+          </p:nvPr>
+        </p:nvSpPr>
+        <p:spPr>
+          <a:xfrm>
+            <a:off x="722313" y="4406900"/>
+            <a:ext cx="7772400" cy="1362075"/>
+          </a:xfrm>
+        </p:spPr>
+        <p:txBody>
+          <a:bodyPr anchor="t"/>
+          <a:lstStyle>
+            <a:lvl1pPr algn="l">
+              <a:defRPr sz="4000" b="1" cap="all"/>
+            </a:lvl1pPr>
+          </a:lstStyle>
+          <a:p>
+            <a:r>
+              <a:rPr lang="de-DE" smtClean="0"/>
+              <a:t>Mastertitelformat bearbeiten</a:t>
+            </a:r>
+            <a:endParaRPr lang="de-DE"/>
+          </a:p>
+        </p:txBody>
+      </p:sp>
+      <p:sp>
+        <p:nvSpPr>
+          <p:cNvPr id="3" name="Textplatzhalter 2"/>
+          <p:cNvSpPr>
+            <a:spLocks noGrp="1"/>
+          </p:cNvSpPr>
+          <p:nvPr>
+            <p:ph type="body" idx="1"/>
+          </p:nvPr>
+        </p:nvSpPr>
+        <p:spPr>
+          <a:xfrm>
+            <a:off x="722313" y="2906713"/>
+            <a:ext cx="7772400" cy="1500187"/>
+          </a:xfrm>
+        </p:spPr>
+        <p:txBody>
+          <a:bodyPr anchor="b"/>
+          <a:lstStyle>
+            <a:lvl1pPr marL="0" indent="0">
+              <a:buNone/>
+              <a:defRPr sz="2000">
+                <a:solidFill>
+                  <a:schemeClr val="tx1">
+                    <a:tint val="75000"/>
+                  </a:schemeClr>
+                </a:solidFill>
+              </a:defRPr>
+            </a:lvl1pPr>
+            <a:lvl2pPr marL="457200" indent="0">
+              <a:buNone/>
+              <a:defRPr sz="1800">
+                <a:solidFill>
+                  <a:schemeClr val="tx1">
+                    <a:tint val="75000"/>
+                  </a:schemeClr>
+                </a:solidFill>
+              </a:defRPr>
+            </a:lvl2pPr>
+            <a:lvl3pPr marL="914400" indent="0">
+              <a:buNone/>
+              <a:defRPr sz="1600">
+                <a:solidFill>
+                  <a:schemeClr val="tx1">
+                    <a:tint val="75000"/>
+                  </a:schemeClr>
+                </a:solidFill>
+              </a:defRPr>
+            </a:lvl3pPr>
+            <a:lvl4pPr marL="1371600" indent="0">
+              <a:buNone/>
+              <a:defRPr sz="1400">
+                <a:solidFill>
+                  <a:schemeClr val="tx1">
+                    <a:tint val="75000"/>
+                  </a:schemeClr>
+                </a:solidFill>
+              </a:defRPr>
+            </a:lvl4pPr>
+            <a:lvl5pPr marL="1828800" indent="0">
+              <a:buNone/>
+              <a:defRPr sz="1400">
+                <a:solidFill>
+                  <a:schemeClr val="tx1">
+                    <a:tint val="75000"/>
+                  </a:schemeClr>
+                </a:solidFill>
+              </a:defRPr>
+            </a:lvl5pPr>
+            <a:lvl6pPr marL="2286000" indent="0">
+              <a:buNone/>
+              <a:defRPr sz="1400">
+                <a:solidFill>
+                  <a:schemeClr val="tx1">
+                    <a:tint val="75000"/>
+                  </a:schemeClr>
+                </a:solidFill>
+              </a:defRPr>
+            </a:lvl6pPr>
+            <a:lvl7pPr marL="2743200" indent="0">
+              <a:buNone/>
+              <a:defRPr sz="1400">
+                <a:solidFill>
+                  <a:schemeClr val="tx1">
+                    <a:tint val="75000"/>
+                  </a:schemeClr>
+                </a:solidFill>
+              </a:defRPr>
+            </a:lvl7pPr>
+            <a:lvl8pPr marL="3200400" indent="0">
+              <a:buNone/>
+              <a:defRPr sz="1400">
+                <a:solidFill>
+                  <a:schemeClr val="tx1">
+                    <a:tint val="75000"/>
+                  </a:schemeClr>
+                </a:solidFill>
+              </a:defRPr>
+            </a:lvl8pPr>
+            <a:lvl9pPr marL="3657600" indent="0">
+              <a:buNone/>
+              <a:defRPr sz="1400">
+                <a:solidFill>
+                  <a:schemeClr val="tx1">
+                    <a:tint val="75000"/>
+                  </a:schemeClr>
+                </a:solidFill>
+              </a:defRPr>
+            </a:lvl9pPr>
+          </a:lstStyle>
+          <a:p>
+            <a:pPr lvl="0"/>
+            <a:r>
+              <a:rPr lang="de-DE" smtClean="0"/>
+              <a:t>Mastertextformat bearbeiten</a:t>
+            </a:r>
+          </a:p>
+        </p:txBody>
+      </p:sp>
+      <p:sp>
+        <p:nvSpPr>
+          <p:cNvPr id="4" name="Datumsplatzhalter 3"/>
+          <p:cNvSpPr>
+            <a:spLocks noGrp="1"/>
+          </p:cNvSpPr>
+          <p:nvPr>
+            <p:ph type="dt" sz="half" idx="10"/>
+          </p:nvPr>
+        </p:nvSpPr>
+        <p:spPr/>
+        <p:txBody>
+          <a:bodyPr/>
+          <a:lstStyle/>
+          <a:p>
+            <a:fld id="{59946A10-15D2-6E47-8932-DF80088CAC68}" type="datetime5">
               <a:rPr lang="de-DE" smtClean="0"/>
               <a:t>19-Okt-15</a:t>
             </a:fld>
@@ -3527,6 +4512,298 @@
       </p:sp>
       <p:sp>
         <p:nvSpPr>
+          <p:cNvPr id="5" name="Fußzeilenplatzhalter 4"/>
+          <p:cNvSpPr>
+            <a:spLocks noGrp="1"/>
+          </p:cNvSpPr>
+          <p:nvPr>
+            <p:ph type="ftr" sz="quarter" idx="11"/>
+          </p:nvPr>
+        </p:nvSpPr>
+        <p:spPr/>
+        <p:txBody>
+          <a:bodyPr/>
+          <a:lstStyle/>
+          <a:p>
+            <a:r>
+              <a:rPr lang="de-DE" smtClean="0"/>
+              <a:t>Group 31:  A. Patel, C. Kaiser, L. Schmitz, N. Tatarakis </a:t>
+            </a:r>
+            <a:endParaRPr lang="de-DE"/>
+          </a:p>
+        </p:txBody>
+      </p:sp>
+      <p:sp>
+        <p:nvSpPr>
+          <p:cNvPr id="6" name="Foliennummernplatzhalter 5"/>
+          <p:cNvSpPr>
+            <a:spLocks noGrp="1"/>
+          </p:cNvSpPr>
+          <p:nvPr>
+            <p:ph type="sldNum" sz="quarter" idx="12"/>
+          </p:nvPr>
+        </p:nvSpPr>
+        <p:spPr/>
+        <p:txBody>
+          <a:bodyPr/>
+          <a:lstStyle/>
+          <a:p>
+            <a:fld id="{C01938AF-F9EA-434A-A4EB-30D6D6E13CD1}" type="slidenum">
+              <a:rPr lang="de-DE" smtClean="0"/>
+              <a:t>‹Nr.›</a:t>
+            </a:fld>
+            <a:endParaRPr lang="de-DE"/>
+          </a:p>
+        </p:txBody>
+      </p:sp>
+    </p:spTree>
+    <p:extLst>
+      <p:ext uri="{BB962C8B-B14F-4D97-AF65-F5344CB8AC3E}">
+        <p14:creationId xmlns:p14="http://schemas.microsoft.com/office/powerpoint/2010/main" val="3503213221"/>
+      </p:ext>
+    </p:extLst>
+  </p:cSld>
+  <p:clrMapOvr>
+    <a:masterClrMapping/>
+  </p:clrMapOvr>
+</p:sldLayout>
+</file>
+
+<file path=ppt/slideLayouts/slideLayout4.xml><?xml version="1.0" encoding="utf-8"?>
+<p:sldLayout xmlns:a="http://schemas.openxmlformats.org/drawingml/2006/main" xmlns:r="http://schemas.openxmlformats.org/officeDocument/2006/relationships" xmlns:p="http://schemas.openxmlformats.org/presentationml/2006/main" type="twoObj" preserve="1">
+  <p:cSld name="Zwei Inhalte">
+    <p:spTree>
+      <p:nvGrpSpPr>
+        <p:cNvPr id="1" name=""/>
+        <p:cNvGrpSpPr/>
+        <p:nvPr/>
+      </p:nvGrpSpPr>
+      <p:grpSpPr>
+        <a:xfrm>
+          <a:off x="0" y="0"/>
+          <a:ext cx="0" cy="0"/>
+          <a:chOff x="0" y="0"/>
+          <a:chExt cx="0" cy="0"/>
+        </a:xfrm>
+      </p:grpSpPr>
+      <p:sp>
+        <p:nvSpPr>
+          <p:cNvPr id="2" name="Titel 1"/>
+          <p:cNvSpPr>
+            <a:spLocks noGrp="1"/>
+          </p:cNvSpPr>
+          <p:nvPr>
+            <p:ph type="title"/>
+          </p:nvPr>
+        </p:nvSpPr>
+        <p:spPr/>
+        <p:txBody>
+          <a:bodyPr/>
+          <a:lstStyle/>
+          <a:p>
+            <a:r>
+              <a:rPr lang="de-DE" smtClean="0"/>
+              <a:t>Mastertitelformat bearbeiten</a:t>
+            </a:r>
+            <a:endParaRPr lang="de-DE"/>
+          </a:p>
+        </p:txBody>
+      </p:sp>
+      <p:sp>
+        <p:nvSpPr>
+          <p:cNvPr id="3" name="Inhaltsplatzhalter 2"/>
+          <p:cNvSpPr>
+            <a:spLocks noGrp="1"/>
+          </p:cNvSpPr>
+          <p:nvPr>
+            <p:ph sz="half" idx="1"/>
+          </p:nvPr>
+        </p:nvSpPr>
+        <p:spPr>
+          <a:xfrm>
+            <a:off x="457200" y="1600200"/>
+            <a:ext cx="4038600" cy="4525963"/>
+          </a:xfrm>
+        </p:spPr>
+        <p:txBody>
+          <a:bodyPr/>
+          <a:lstStyle>
+            <a:lvl1pPr>
+              <a:defRPr sz="2800"/>
+            </a:lvl1pPr>
+            <a:lvl2pPr>
+              <a:defRPr sz="2400"/>
+            </a:lvl2pPr>
+            <a:lvl3pPr>
+              <a:defRPr sz="2000"/>
+            </a:lvl3pPr>
+            <a:lvl4pPr>
+              <a:defRPr sz="1800"/>
+            </a:lvl4pPr>
+            <a:lvl5pPr>
+              <a:defRPr sz="1800"/>
+            </a:lvl5pPr>
+            <a:lvl6pPr>
+              <a:defRPr sz="1800"/>
+            </a:lvl6pPr>
+            <a:lvl7pPr>
+              <a:defRPr sz="1800"/>
+            </a:lvl7pPr>
+            <a:lvl8pPr>
+              <a:defRPr sz="1800"/>
+            </a:lvl8pPr>
+            <a:lvl9pPr>
+              <a:defRPr sz="1800"/>
+            </a:lvl9pPr>
+          </a:lstStyle>
+          <a:p>
+            <a:pPr lvl="0"/>
+            <a:r>
+              <a:rPr lang="de-DE" smtClean="0"/>
+              <a:t>Mastertextformat bearbeiten</a:t>
+            </a:r>
+          </a:p>
+          <a:p>
+            <a:pPr lvl="1"/>
+            <a:r>
+              <a:rPr lang="de-DE" smtClean="0"/>
+              <a:t>Zweite Ebene</a:t>
+            </a:r>
+          </a:p>
+          <a:p>
+            <a:pPr lvl="2"/>
+            <a:r>
+              <a:rPr lang="de-DE" smtClean="0"/>
+              <a:t>Dritte Ebene</a:t>
+            </a:r>
+          </a:p>
+          <a:p>
+            <a:pPr lvl="3"/>
+            <a:r>
+              <a:rPr lang="de-DE" smtClean="0"/>
+              <a:t>Vierte Ebene</a:t>
+            </a:r>
+          </a:p>
+          <a:p>
+            <a:pPr lvl="4"/>
+            <a:r>
+              <a:rPr lang="de-DE" smtClean="0"/>
+              <a:t>Fünfte Ebene</a:t>
+            </a:r>
+            <a:endParaRPr lang="de-DE"/>
+          </a:p>
+        </p:txBody>
+      </p:sp>
+      <p:sp>
+        <p:nvSpPr>
+          <p:cNvPr id="4" name="Inhaltsplatzhalter 3"/>
+          <p:cNvSpPr>
+            <a:spLocks noGrp="1"/>
+          </p:cNvSpPr>
+          <p:nvPr>
+            <p:ph sz="half" idx="2"/>
+          </p:nvPr>
+        </p:nvSpPr>
+        <p:spPr>
+          <a:xfrm>
+            <a:off x="4648200" y="1600200"/>
+            <a:ext cx="4038600" cy="4525963"/>
+          </a:xfrm>
+        </p:spPr>
+        <p:txBody>
+          <a:bodyPr/>
+          <a:lstStyle>
+            <a:lvl1pPr>
+              <a:defRPr sz="2800"/>
+            </a:lvl1pPr>
+            <a:lvl2pPr>
+              <a:defRPr sz="2400"/>
+            </a:lvl2pPr>
+            <a:lvl3pPr>
+              <a:defRPr sz="2000"/>
+            </a:lvl3pPr>
+            <a:lvl4pPr>
+              <a:defRPr sz="1800"/>
+            </a:lvl4pPr>
+            <a:lvl5pPr>
+              <a:defRPr sz="1800"/>
+            </a:lvl5pPr>
+            <a:lvl6pPr>
+              <a:defRPr sz="1800"/>
+            </a:lvl6pPr>
+            <a:lvl7pPr>
+              <a:defRPr sz="1800"/>
+            </a:lvl7pPr>
+            <a:lvl8pPr>
+              <a:defRPr sz="1800"/>
+            </a:lvl8pPr>
+            <a:lvl9pPr>
+              <a:defRPr sz="1800"/>
+            </a:lvl9pPr>
+          </a:lstStyle>
+          <a:p>
+            <a:pPr lvl="0"/>
+            <a:r>
+              <a:rPr lang="de-DE" smtClean="0"/>
+              <a:t>Mastertextformat bearbeiten</a:t>
+            </a:r>
+          </a:p>
+          <a:p>
+            <a:pPr lvl="1"/>
+            <a:r>
+              <a:rPr lang="de-DE" smtClean="0"/>
+              <a:t>Zweite Ebene</a:t>
+            </a:r>
+          </a:p>
+          <a:p>
+            <a:pPr lvl="2"/>
+            <a:r>
+              <a:rPr lang="de-DE" smtClean="0"/>
+              <a:t>Dritte Ebene</a:t>
+            </a:r>
+          </a:p>
+          <a:p>
+            <a:pPr lvl="3"/>
+            <a:r>
+              <a:rPr lang="de-DE" smtClean="0"/>
+              <a:t>Vierte Ebene</a:t>
+            </a:r>
+          </a:p>
+          <a:p>
+            <a:pPr lvl="4"/>
+            <a:r>
+              <a:rPr lang="de-DE" smtClean="0"/>
+              <a:t>Fünfte Ebene</a:t>
+            </a:r>
+            <a:endParaRPr lang="de-DE"/>
+          </a:p>
+        </p:txBody>
+      </p:sp>
+      <p:sp>
+        <p:nvSpPr>
+          <p:cNvPr id="5" name="Datumsplatzhalter 4"/>
+          <p:cNvSpPr>
+            <a:spLocks noGrp="1"/>
+          </p:cNvSpPr>
+          <p:nvPr>
+            <p:ph type="dt" sz="half" idx="10"/>
+          </p:nvPr>
+        </p:nvSpPr>
+        <p:spPr/>
+        <p:txBody>
+          <a:bodyPr/>
+          <a:lstStyle/>
+          <a:p>
+            <a:fld id="{C32522A4-F2B0-524C-A72F-BBE30D5CD973}" type="datetime5">
+              <a:rPr lang="de-DE" smtClean="0"/>
+              <a:t>19-Okt-15</a:t>
+            </a:fld>
+            <a:endParaRPr lang="de-DE"/>
+          </a:p>
+        </p:txBody>
+      </p:sp>
+      <p:sp>
+        <p:nvSpPr>
           <p:cNvPr id="6" name="Fußzeilenplatzhalter 5"/>
           <p:cNvSpPr>
             <a:spLocks noGrp="1"/>
@@ -3542,7 +4819,1192 @@
           <a:p>
             <a:r>
               <a:rPr lang="de-DE" smtClean="0"/>
-              <a:t>A. Patel, C. Kaiser, L. Schmitz, N. Tatarakis </a:t>
+              <a:t>Group 31:  A. Patel, C. Kaiser, L. Schmitz, N. Tatarakis </a:t>
+            </a:r>
+            <a:endParaRPr lang="de-DE"/>
+          </a:p>
+        </p:txBody>
+      </p:sp>
+      <p:sp>
+        <p:nvSpPr>
+          <p:cNvPr id="7" name="Foliennummernplatzhalter 6"/>
+          <p:cNvSpPr>
+            <a:spLocks noGrp="1"/>
+          </p:cNvSpPr>
+          <p:nvPr>
+            <p:ph type="sldNum" sz="quarter" idx="12"/>
+          </p:nvPr>
+        </p:nvSpPr>
+        <p:spPr/>
+        <p:txBody>
+          <a:bodyPr/>
+          <a:lstStyle/>
+          <a:p>
+            <a:fld id="{C01938AF-F9EA-434A-A4EB-30D6D6E13CD1}" type="slidenum">
+              <a:rPr lang="de-DE" smtClean="0"/>
+              <a:t>‹Nr.›</a:t>
+            </a:fld>
+            <a:endParaRPr lang="de-DE"/>
+          </a:p>
+        </p:txBody>
+      </p:sp>
+    </p:spTree>
+    <p:extLst>
+      <p:ext uri="{BB962C8B-B14F-4D97-AF65-F5344CB8AC3E}">
+        <p14:creationId xmlns:p14="http://schemas.microsoft.com/office/powerpoint/2010/main" val="1946067352"/>
+      </p:ext>
+    </p:extLst>
+  </p:cSld>
+  <p:clrMapOvr>
+    <a:masterClrMapping/>
+  </p:clrMapOvr>
+</p:sldLayout>
+</file>
+
+<file path=ppt/slideLayouts/slideLayout5.xml><?xml version="1.0" encoding="utf-8"?>
+<p:sldLayout xmlns:a="http://schemas.openxmlformats.org/drawingml/2006/main" xmlns:r="http://schemas.openxmlformats.org/officeDocument/2006/relationships" xmlns:p="http://schemas.openxmlformats.org/presentationml/2006/main" type="twoTxTwoObj" preserve="1">
+  <p:cSld name="Vergleich">
+    <p:spTree>
+      <p:nvGrpSpPr>
+        <p:cNvPr id="1" name=""/>
+        <p:cNvGrpSpPr/>
+        <p:nvPr/>
+      </p:nvGrpSpPr>
+      <p:grpSpPr>
+        <a:xfrm>
+          <a:off x="0" y="0"/>
+          <a:ext cx="0" cy="0"/>
+          <a:chOff x="0" y="0"/>
+          <a:chExt cx="0" cy="0"/>
+        </a:xfrm>
+      </p:grpSpPr>
+      <p:sp>
+        <p:nvSpPr>
+          <p:cNvPr id="2" name="Titel 1"/>
+          <p:cNvSpPr>
+            <a:spLocks noGrp="1"/>
+          </p:cNvSpPr>
+          <p:nvPr>
+            <p:ph type="title"/>
+          </p:nvPr>
+        </p:nvSpPr>
+        <p:spPr/>
+        <p:txBody>
+          <a:bodyPr/>
+          <a:lstStyle>
+            <a:lvl1pPr>
+              <a:defRPr/>
+            </a:lvl1pPr>
+          </a:lstStyle>
+          <a:p>
+            <a:r>
+              <a:rPr lang="de-DE" smtClean="0"/>
+              <a:t>Mastertitelformat bearbeiten</a:t>
+            </a:r>
+            <a:endParaRPr lang="de-DE"/>
+          </a:p>
+        </p:txBody>
+      </p:sp>
+      <p:sp>
+        <p:nvSpPr>
+          <p:cNvPr id="3" name="Textplatzhalter 2"/>
+          <p:cNvSpPr>
+            <a:spLocks noGrp="1"/>
+          </p:cNvSpPr>
+          <p:nvPr>
+            <p:ph type="body" idx="1"/>
+          </p:nvPr>
+        </p:nvSpPr>
+        <p:spPr>
+          <a:xfrm>
+            <a:off x="457200" y="1535113"/>
+            <a:ext cx="4040188" cy="639762"/>
+          </a:xfrm>
+        </p:spPr>
+        <p:txBody>
+          <a:bodyPr anchor="b"/>
+          <a:lstStyle>
+            <a:lvl1pPr marL="0" indent="0">
+              <a:buNone/>
+              <a:defRPr sz="2400" b="1"/>
+            </a:lvl1pPr>
+            <a:lvl2pPr marL="457200" indent="0">
+              <a:buNone/>
+              <a:defRPr sz="2000" b="1"/>
+            </a:lvl2pPr>
+            <a:lvl3pPr marL="914400" indent="0">
+              <a:buNone/>
+              <a:defRPr sz="1800" b="1"/>
+            </a:lvl3pPr>
+            <a:lvl4pPr marL="1371600" indent="0">
+              <a:buNone/>
+              <a:defRPr sz="1600" b="1"/>
+            </a:lvl4pPr>
+            <a:lvl5pPr marL="1828800" indent="0">
+              <a:buNone/>
+              <a:defRPr sz="1600" b="1"/>
+            </a:lvl5pPr>
+            <a:lvl6pPr marL="2286000" indent="0">
+              <a:buNone/>
+              <a:defRPr sz="1600" b="1"/>
+            </a:lvl6pPr>
+            <a:lvl7pPr marL="2743200" indent="0">
+              <a:buNone/>
+              <a:defRPr sz="1600" b="1"/>
+            </a:lvl7pPr>
+            <a:lvl8pPr marL="3200400" indent="0">
+              <a:buNone/>
+              <a:defRPr sz="1600" b="1"/>
+            </a:lvl8pPr>
+            <a:lvl9pPr marL="3657600" indent="0">
+              <a:buNone/>
+              <a:defRPr sz="1600" b="1"/>
+            </a:lvl9pPr>
+          </a:lstStyle>
+          <a:p>
+            <a:pPr lvl="0"/>
+            <a:r>
+              <a:rPr lang="de-DE" smtClean="0"/>
+              <a:t>Mastertextformat bearbeiten</a:t>
+            </a:r>
+          </a:p>
+        </p:txBody>
+      </p:sp>
+      <p:sp>
+        <p:nvSpPr>
+          <p:cNvPr id="4" name="Inhaltsplatzhalter 3"/>
+          <p:cNvSpPr>
+            <a:spLocks noGrp="1"/>
+          </p:cNvSpPr>
+          <p:nvPr>
+            <p:ph sz="half" idx="2"/>
+          </p:nvPr>
+        </p:nvSpPr>
+        <p:spPr>
+          <a:xfrm>
+            <a:off x="457200" y="2174875"/>
+            <a:ext cx="4040188" cy="3951288"/>
+          </a:xfrm>
+        </p:spPr>
+        <p:txBody>
+          <a:bodyPr/>
+          <a:lstStyle>
+            <a:lvl1pPr>
+              <a:defRPr sz="2400"/>
+            </a:lvl1pPr>
+            <a:lvl2pPr>
+              <a:defRPr sz="2000"/>
+            </a:lvl2pPr>
+            <a:lvl3pPr>
+              <a:defRPr sz="1800"/>
+            </a:lvl3pPr>
+            <a:lvl4pPr>
+              <a:defRPr sz="1600"/>
+            </a:lvl4pPr>
+            <a:lvl5pPr>
+              <a:defRPr sz="1600"/>
+            </a:lvl5pPr>
+            <a:lvl6pPr>
+              <a:defRPr sz="1600"/>
+            </a:lvl6pPr>
+            <a:lvl7pPr>
+              <a:defRPr sz="1600"/>
+            </a:lvl7pPr>
+            <a:lvl8pPr>
+              <a:defRPr sz="1600"/>
+            </a:lvl8pPr>
+            <a:lvl9pPr>
+              <a:defRPr sz="1600"/>
+            </a:lvl9pPr>
+          </a:lstStyle>
+          <a:p>
+            <a:pPr lvl="0"/>
+            <a:r>
+              <a:rPr lang="de-DE" smtClean="0"/>
+              <a:t>Mastertextformat bearbeiten</a:t>
+            </a:r>
+          </a:p>
+          <a:p>
+            <a:pPr lvl="1"/>
+            <a:r>
+              <a:rPr lang="de-DE" smtClean="0"/>
+              <a:t>Zweite Ebene</a:t>
+            </a:r>
+          </a:p>
+          <a:p>
+            <a:pPr lvl="2"/>
+            <a:r>
+              <a:rPr lang="de-DE" smtClean="0"/>
+              <a:t>Dritte Ebene</a:t>
+            </a:r>
+          </a:p>
+          <a:p>
+            <a:pPr lvl="3"/>
+            <a:r>
+              <a:rPr lang="de-DE" smtClean="0"/>
+              <a:t>Vierte Ebene</a:t>
+            </a:r>
+          </a:p>
+          <a:p>
+            <a:pPr lvl="4"/>
+            <a:r>
+              <a:rPr lang="de-DE" smtClean="0"/>
+              <a:t>Fünfte Ebene</a:t>
+            </a:r>
+            <a:endParaRPr lang="de-DE"/>
+          </a:p>
+        </p:txBody>
+      </p:sp>
+      <p:sp>
+        <p:nvSpPr>
+          <p:cNvPr id="5" name="Textplatzhalter 4"/>
+          <p:cNvSpPr>
+            <a:spLocks noGrp="1"/>
+          </p:cNvSpPr>
+          <p:nvPr>
+            <p:ph type="body" sz="quarter" idx="3"/>
+          </p:nvPr>
+        </p:nvSpPr>
+        <p:spPr>
+          <a:xfrm>
+            <a:off x="4645025" y="1535113"/>
+            <a:ext cx="4041775" cy="639762"/>
+          </a:xfrm>
+        </p:spPr>
+        <p:txBody>
+          <a:bodyPr anchor="b"/>
+          <a:lstStyle>
+            <a:lvl1pPr marL="0" indent="0">
+              <a:buNone/>
+              <a:defRPr sz="2400" b="1"/>
+            </a:lvl1pPr>
+            <a:lvl2pPr marL="457200" indent="0">
+              <a:buNone/>
+              <a:defRPr sz="2000" b="1"/>
+            </a:lvl2pPr>
+            <a:lvl3pPr marL="914400" indent="0">
+              <a:buNone/>
+              <a:defRPr sz="1800" b="1"/>
+            </a:lvl3pPr>
+            <a:lvl4pPr marL="1371600" indent="0">
+              <a:buNone/>
+              <a:defRPr sz="1600" b="1"/>
+            </a:lvl4pPr>
+            <a:lvl5pPr marL="1828800" indent="0">
+              <a:buNone/>
+              <a:defRPr sz="1600" b="1"/>
+            </a:lvl5pPr>
+            <a:lvl6pPr marL="2286000" indent="0">
+              <a:buNone/>
+              <a:defRPr sz="1600" b="1"/>
+            </a:lvl6pPr>
+            <a:lvl7pPr marL="2743200" indent="0">
+              <a:buNone/>
+              <a:defRPr sz="1600" b="1"/>
+            </a:lvl7pPr>
+            <a:lvl8pPr marL="3200400" indent="0">
+              <a:buNone/>
+              <a:defRPr sz="1600" b="1"/>
+            </a:lvl8pPr>
+            <a:lvl9pPr marL="3657600" indent="0">
+              <a:buNone/>
+              <a:defRPr sz="1600" b="1"/>
+            </a:lvl9pPr>
+          </a:lstStyle>
+          <a:p>
+            <a:pPr lvl="0"/>
+            <a:r>
+              <a:rPr lang="de-DE" smtClean="0"/>
+              <a:t>Mastertextformat bearbeiten</a:t>
+            </a:r>
+          </a:p>
+        </p:txBody>
+      </p:sp>
+      <p:sp>
+        <p:nvSpPr>
+          <p:cNvPr id="6" name="Inhaltsplatzhalter 5"/>
+          <p:cNvSpPr>
+            <a:spLocks noGrp="1"/>
+          </p:cNvSpPr>
+          <p:nvPr>
+            <p:ph sz="quarter" idx="4"/>
+          </p:nvPr>
+        </p:nvSpPr>
+        <p:spPr>
+          <a:xfrm>
+            <a:off x="4645025" y="2174875"/>
+            <a:ext cx="4041775" cy="3951288"/>
+          </a:xfrm>
+        </p:spPr>
+        <p:txBody>
+          <a:bodyPr/>
+          <a:lstStyle>
+            <a:lvl1pPr>
+              <a:defRPr sz="2400"/>
+            </a:lvl1pPr>
+            <a:lvl2pPr>
+              <a:defRPr sz="2000"/>
+            </a:lvl2pPr>
+            <a:lvl3pPr>
+              <a:defRPr sz="1800"/>
+            </a:lvl3pPr>
+            <a:lvl4pPr>
+              <a:defRPr sz="1600"/>
+            </a:lvl4pPr>
+            <a:lvl5pPr>
+              <a:defRPr sz="1600"/>
+            </a:lvl5pPr>
+            <a:lvl6pPr>
+              <a:defRPr sz="1600"/>
+            </a:lvl6pPr>
+            <a:lvl7pPr>
+              <a:defRPr sz="1600"/>
+            </a:lvl7pPr>
+            <a:lvl8pPr>
+              <a:defRPr sz="1600"/>
+            </a:lvl8pPr>
+            <a:lvl9pPr>
+              <a:defRPr sz="1600"/>
+            </a:lvl9pPr>
+          </a:lstStyle>
+          <a:p>
+            <a:pPr lvl="0"/>
+            <a:r>
+              <a:rPr lang="de-DE" smtClean="0"/>
+              <a:t>Mastertextformat bearbeiten</a:t>
+            </a:r>
+          </a:p>
+          <a:p>
+            <a:pPr lvl="1"/>
+            <a:r>
+              <a:rPr lang="de-DE" smtClean="0"/>
+              <a:t>Zweite Ebene</a:t>
+            </a:r>
+          </a:p>
+          <a:p>
+            <a:pPr lvl="2"/>
+            <a:r>
+              <a:rPr lang="de-DE" smtClean="0"/>
+              <a:t>Dritte Ebene</a:t>
+            </a:r>
+          </a:p>
+          <a:p>
+            <a:pPr lvl="3"/>
+            <a:r>
+              <a:rPr lang="de-DE" smtClean="0"/>
+              <a:t>Vierte Ebene</a:t>
+            </a:r>
+          </a:p>
+          <a:p>
+            <a:pPr lvl="4"/>
+            <a:r>
+              <a:rPr lang="de-DE" smtClean="0"/>
+              <a:t>Fünfte Ebene</a:t>
+            </a:r>
+            <a:endParaRPr lang="de-DE"/>
+          </a:p>
+        </p:txBody>
+      </p:sp>
+      <p:sp>
+        <p:nvSpPr>
+          <p:cNvPr id="7" name="Datumsplatzhalter 6"/>
+          <p:cNvSpPr>
+            <a:spLocks noGrp="1"/>
+          </p:cNvSpPr>
+          <p:nvPr>
+            <p:ph type="dt" sz="half" idx="10"/>
+          </p:nvPr>
+        </p:nvSpPr>
+        <p:spPr/>
+        <p:txBody>
+          <a:bodyPr/>
+          <a:lstStyle/>
+          <a:p>
+            <a:fld id="{71F517A6-DD15-2746-9283-38CAD71A34F2}" type="datetime5">
+              <a:rPr lang="de-DE" smtClean="0"/>
+              <a:t>19-Okt-15</a:t>
+            </a:fld>
+            <a:endParaRPr lang="de-DE"/>
+          </a:p>
+        </p:txBody>
+      </p:sp>
+      <p:sp>
+        <p:nvSpPr>
+          <p:cNvPr id="8" name="Fußzeilenplatzhalter 7"/>
+          <p:cNvSpPr>
+            <a:spLocks noGrp="1"/>
+          </p:cNvSpPr>
+          <p:nvPr>
+            <p:ph type="ftr" sz="quarter" idx="11"/>
+          </p:nvPr>
+        </p:nvSpPr>
+        <p:spPr/>
+        <p:txBody>
+          <a:bodyPr/>
+          <a:lstStyle/>
+          <a:p>
+            <a:r>
+              <a:rPr lang="de-DE" smtClean="0"/>
+              <a:t>Group 31:  A. Patel, C. Kaiser, L. Schmitz, N. Tatarakis </a:t>
+            </a:r>
+            <a:endParaRPr lang="de-DE"/>
+          </a:p>
+        </p:txBody>
+      </p:sp>
+      <p:sp>
+        <p:nvSpPr>
+          <p:cNvPr id="9" name="Foliennummernplatzhalter 8"/>
+          <p:cNvSpPr>
+            <a:spLocks noGrp="1"/>
+          </p:cNvSpPr>
+          <p:nvPr>
+            <p:ph type="sldNum" sz="quarter" idx="12"/>
+          </p:nvPr>
+        </p:nvSpPr>
+        <p:spPr/>
+        <p:txBody>
+          <a:bodyPr/>
+          <a:lstStyle/>
+          <a:p>
+            <a:fld id="{C01938AF-F9EA-434A-A4EB-30D6D6E13CD1}" type="slidenum">
+              <a:rPr lang="de-DE" smtClean="0"/>
+              <a:t>‹Nr.›</a:t>
+            </a:fld>
+            <a:endParaRPr lang="de-DE"/>
+          </a:p>
+        </p:txBody>
+      </p:sp>
+    </p:spTree>
+    <p:extLst>
+      <p:ext uri="{BB962C8B-B14F-4D97-AF65-F5344CB8AC3E}">
+        <p14:creationId xmlns:p14="http://schemas.microsoft.com/office/powerpoint/2010/main" val="1391252402"/>
+      </p:ext>
+    </p:extLst>
+  </p:cSld>
+  <p:clrMapOvr>
+    <a:masterClrMapping/>
+  </p:clrMapOvr>
+</p:sldLayout>
+</file>
+
+<file path=ppt/slideLayouts/slideLayout6.xml><?xml version="1.0" encoding="utf-8"?>
+<p:sldLayout xmlns:a="http://schemas.openxmlformats.org/drawingml/2006/main" xmlns:r="http://schemas.openxmlformats.org/officeDocument/2006/relationships" xmlns:p="http://schemas.openxmlformats.org/presentationml/2006/main" type="titleOnly" preserve="1">
+  <p:cSld name="Nur Titel">
+    <p:spTree>
+      <p:nvGrpSpPr>
+        <p:cNvPr id="1" name=""/>
+        <p:cNvGrpSpPr/>
+        <p:nvPr/>
+      </p:nvGrpSpPr>
+      <p:grpSpPr>
+        <a:xfrm>
+          <a:off x="0" y="0"/>
+          <a:ext cx="0" cy="0"/>
+          <a:chOff x="0" y="0"/>
+          <a:chExt cx="0" cy="0"/>
+        </a:xfrm>
+      </p:grpSpPr>
+      <p:sp>
+        <p:nvSpPr>
+          <p:cNvPr id="2" name="Titel 1"/>
+          <p:cNvSpPr>
+            <a:spLocks noGrp="1"/>
+          </p:cNvSpPr>
+          <p:nvPr>
+            <p:ph type="title"/>
+          </p:nvPr>
+        </p:nvSpPr>
+        <p:spPr/>
+        <p:txBody>
+          <a:bodyPr/>
+          <a:lstStyle/>
+          <a:p>
+            <a:r>
+              <a:rPr lang="de-DE" smtClean="0"/>
+              <a:t>Mastertitelformat bearbeiten</a:t>
+            </a:r>
+            <a:endParaRPr lang="de-DE"/>
+          </a:p>
+        </p:txBody>
+      </p:sp>
+      <p:sp>
+        <p:nvSpPr>
+          <p:cNvPr id="3" name="Datumsplatzhalter 2"/>
+          <p:cNvSpPr>
+            <a:spLocks noGrp="1"/>
+          </p:cNvSpPr>
+          <p:nvPr>
+            <p:ph type="dt" sz="half" idx="10"/>
+          </p:nvPr>
+        </p:nvSpPr>
+        <p:spPr/>
+        <p:txBody>
+          <a:bodyPr/>
+          <a:lstStyle/>
+          <a:p>
+            <a:fld id="{74FE29EA-BDEB-574C-8EC3-9ED9EDF04774}" type="datetime5">
+              <a:rPr lang="de-DE" smtClean="0"/>
+              <a:t>19-Okt-15</a:t>
+            </a:fld>
+            <a:endParaRPr lang="de-DE"/>
+          </a:p>
+        </p:txBody>
+      </p:sp>
+      <p:sp>
+        <p:nvSpPr>
+          <p:cNvPr id="4" name="Fußzeilenplatzhalter 3"/>
+          <p:cNvSpPr>
+            <a:spLocks noGrp="1"/>
+          </p:cNvSpPr>
+          <p:nvPr>
+            <p:ph type="ftr" sz="quarter" idx="11"/>
+          </p:nvPr>
+        </p:nvSpPr>
+        <p:spPr/>
+        <p:txBody>
+          <a:bodyPr/>
+          <a:lstStyle/>
+          <a:p>
+            <a:r>
+              <a:rPr lang="de-DE" smtClean="0"/>
+              <a:t>Group 31:  A. Patel, C. Kaiser, L. Schmitz, N. Tatarakis </a:t>
+            </a:r>
+            <a:endParaRPr lang="de-DE"/>
+          </a:p>
+        </p:txBody>
+      </p:sp>
+      <p:sp>
+        <p:nvSpPr>
+          <p:cNvPr id="5" name="Foliennummernplatzhalter 4"/>
+          <p:cNvSpPr>
+            <a:spLocks noGrp="1"/>
+          </p:cNvSpPr>
+          <p:nvPr>
+            <p:ph type="sldNum" sz="quarter" idx="12"/>
+          </p:nvPr>
+        </p:nvSpPr>
+        <p:spPr/>
+        <p:txBody>
+          <a:bodyPr/>
+          <a:lstStyle/>
+          <a:p>
+            <a:fld id="{C01938AF-F9EA-434A-A4EB-30D6D6E13CD1}" type="slidenum">
+              <a:rPr lang="de-DE" smtClean="0"/>
+              <a:t>‹Nr.›</a:t>
+            </a:fld>
+            <a:endParaRPr lang="de-DE"/>
+          </a:p>
+        </p:txBody>
+      </p:sp>
+    </p:spTree>
+    <p:extLst>
+      <p:ext uri="{BB962C8B-B14F-4D97-AF65-F5344CB8AC3E}">
+        <p14:creationId xmlns:p14="http://schemas.microsoft.com/office/powerpoint/2010/main" val="3380442074"/>
+      </p:ext>
+    </p:extLst>
+  </p:cSld>
+  <p:clrMapOvr>
+    <a:masterClrMapping/>
+  </p:clrMapOvr>
+</p:sldLayout>
+</file>
+
+<file path=ppt/slideLayouts/slideLayout7.xml><?xml version="1.0" encoding="utf-8"?>
+<p:sldLayout xmlns:a="http://schemas.openxmlformats.org/drawingml/2006/main" xmlns:r="http://schemas.openxmlformats.org/officeDocument/2006/relationships" xmlns:p="http://schemas.openxmlformats.org/presentationml/2006/main" type="blank" preserve="1">
+  <p:cSld name="Leer">
+    <p:spTree>
+      <p:nvGrpSpPr>
+        <p:cNvPr id="1" name=""/>
+        <p:cNvGrpSpPr/>
+        <p:nvPr/>
+      </p:nvGrpSpPr>
+      <p:grpSpPr>
+        <a:xfrm>
+          <a:off x="0" y="0"/>
+          <a:ext cx="0" cy="0"/>
+          <a:chOff x="0" y="0"/>
+          <a:chExt cx="0" cy="0"/>
+        </a:xfrm>
+      </p:grpSpPr>
+      <p:sp>
+        <p:nvSpPr>
+          <p:cNvPr id="2" name="Datumsplatzhalter 1"/>
+          <p:cNvSpPr>
+            <a:spLocks noGrp="1"/>
+          </p:cNvSpPr>
+          <p:nvPr>
+            <p:ph type="dt" sz="half" idx="10"/>
+          </p:nvPr>
+        </p:nvSpPr>
+        <p:spPr/>
+        <p:txBody>
+          <a:bodyPr/>
+          <a:lstStyle/>
+          <a:p>
+            <a:fld id="{45040432-D889-7A40-8ECD-2C4CA6D7C019}" type="datetime5">
+              <a:rPr lang="de-DE" smtClean="0"/>
+              <a:t>19-Okt-15</a:t>
+            </a:fld>
+            <a:endParaRPr lang="de-DE"/>
+          </a:p>
+        </p:txBody>
+      </p:sp>
+      <p:sp>
+        <p:nvSpPr>
+          <p:cNvPr id="3" name="Fußzeilenplatzhalter 2"/>
+          <p:cNvSpPr>
+            <a:spLocks noGrp="1"/>
+          </p:cNvSpPr>
+          <p:nvPr>
+            <p:ph type="ftr" sz="quarter" idx="11"/>
+          </p:nvPr>
+        </p:nvSpPr>
+        <p:spPr/>
+        <p:txBody>
+          <a:bodyPr/>
+          <a:lstStyle/>
+          <a:p>
+            <a:r>
+              <a:rPr lang="de-DE" smtClean="0"/>
+              <a:t>Group 31:  A. Patel, C. Kaiser, L. Schmitz, N. Tatarakis </a:t>
+            </a:r>
+            <a:endParaRPr lang="de-DE"/>
+          </a:p>
+        </p:txBody>
+      </p:sp>
+      <p:sp>
+        <p:nvSpPr>
+          <p:cNvPr id="4" name="Foliennummernplatzhalter 3"/>
+          <p:cNvSpPr>
+            <a:spLocks noGrp="1"/>
+          </p:cNvSpPr>
+          <p:nvPr>
+            <p:ph type="sldNum" sz="quarter" idx="12"/>
+          </p:nvPr>
+        </p:nvSpPr>
+        <p:spPr/>
+        <p:txBody>
+          <a:bodyPr/>
+          <a:lstStyle/>
+          <a:p>
+            <a:fld id="{C01938AF-F9EA-434A-A4EB-30D6D6E13CD1}" type="slidenum">
+              <a:rPr lang="de-DE" smtClean="0"/>
+              <a:t>‹Nr.›</a:t>
+            </a:fld>
+            <a:endParaRPr lang="de-DE"/>
+          </a:p>
+        </p:txBody>
+      </p:sp>
+    </p:spTree>
+    <p:extLst>
+      <p:ext uri="{BB962C8B-B14F-4D97-AF65-F5344CB8AC3E}">
+        <p14:creationId xmlns:p14="http://schemas.microsoft.com/office/powerpoint/2010/main" val="1912878413"/>
+      </p:ext>
+    </p:extLst>
+  </p:cSld>
+  <p:clrMapOvr>
+    <a:masterClrMapping/>
+  </p:clrMapOvr>
+</p:sldLayout>
+</file>
+
+<file path=ppt/slideLayouts/slideLayout8.xml><?xml version="1.0" encoding="utf-8"?>
+<p:sldLayout xmlns:a="http://schemas.openxmlformats.org/drawingml/2006/main" xmlns:r="http://schemas.openxmlformats.org/officeDocument/2006/relationships" xmlns:p="http://schemas.openxmlformats.org/presentationml/2006/main" type="objTx" preserve="1">
+  <p:cSld name="Inhalt mit Beschriftung">
+    <p:spTree>
+      <p:nvGrpSpPr>
+        <p:cNvPr id="1" name=""/>
+        <p:cNvGrpSpPr/>
+        <p:nvPr/>
+      </p:nvGrpSpPr>
+      <p:grpSpPr>
+        <a:xfrm>
+          <a:off x="0" y="0"/>
+          <a:ext cx="0" cy="0"/>
+          <a:chOff x="0" y="0"/>
+          <a:chExt cx="0" cy="0"/>
+        </a:xfrm>
+      </p:grpSpPr>
+      <p:sp>
+        <p:nvSpPr>
+          <p:cNvPr id="2" name="Titel 1"/>
+          <p:cNvSpPr>
+            <a:spLocks noGrp="1"/>
+          </p:cNvSpPr>
+          <p:nvPr>
+            <p:ph type="title"/>
+          </p:nvPr>
+        </p:nvSpPr>
+        <p:spPr>
+          <a:xfrm>
+            <a:off x="457200" y="273050"/>
+            <a:ext cx="3008313" cy="1162050"/>
+          </a:xfrm>
+        </p:spPr>
+        <p:txBody>
+          <a:bodyPr anchor="b"/>
+          <a:lstStyle>
+            <a:lvl1pPr algn="l">
+              <a:defRPr sz="2000" b="1"/>
+            </a:lvl1pPr>
+          </a:lstStyle>
+          <a:p>
+            <a:r>
+              <a:rPr lang="de-DE" smtClean="0"/>
+              <a:t>Mastertitelformat bearbeiten</a:t>
+            </a:r>
+            <a:endParaRPr lang="de-DE"/>
+          </a:p>
+        </p:txBody>
+      </p:sp>
+      <p:sp>
+        <p:nvSpPr>
+          <p:cNvPr id="3" name="Inhaltsplatzhalter 2"/>
+          <p:cNvSpPr>
+            <a:spLocks noGrp="1"/>
+          </p:cNvSpPr>
+          <p:nvPr>
+            <p:ph idx="1"/>
+          </p:nvPr>
+        </p:nvSpPr>
+        <p:spPr>
+          <a:xfrm>
+            <a:off x="3575050" y="273050"/>
+            <a:ext cx="5111750" cy="5853113"/>
+          </a:xfrm>
+        </p:spPr>
+        <p:txBody>
+          <a:bodyPr/>
+          <a:lstStyle>
+            <a:lvl1pPr>
+              <a:defRPr sz="3200"/>
+            </a:lvl1pPr>
+            <a:lvl2pPr>
+              <a:defRPr sz="2800"/>
+            </a:lvl2pPr>
+            <a:lvl3pPr>
+              <a:defRPr sz="2400"/>
+            </a:lvl3pPr>
+            <a:lvl4pPr>
+              <a:defRPr sz="2000"/>
+            </a:lvl4pPr>
+            <a:lvl5pPr>
+              <a:defRPr sz="2000"/>
+            </a:lvl5pPr>
+            <a:lvl6pPr>
+              <a:defRPr sz="2000"/>
+            </a:lvl6pPr>
+            <a:lvl7pPr>
+              <a:defRPr sz="2000"/>
+            </a:lvl7pPr>
+            <a:lvl8pPr>
+              <a:defRPr sz="2000"/>
+            </a:lvl8pPr>
+            <a:lvl9pPr>
+              <a:defRPr sz="2000"/>
+            </a:lvl9pPr>
+          </a:lstStyle>
+          <a:p>
+            <a:pPr lvl="0"/>
+            <a:r>
+              <a:rPr lang="de-DE" smtClean="0"/>
+              <a:t>Mastertextformat bearbeiten</a:t>
+            </a:r>
+          </a:p>
+          <a:p>
+            <a:pPr lvl="1"/>
+            <a:r>
+              <a:rPr lang="de-DE" smtClean="0"/>
+              <a:t>Zweite Ebene</a:t>
+            </a:r>
+          </a:p>
+          <a:p>
+            <a:pPr lvl="2"/>
+            <a:r>
+              <a:rPr lang="de-DE" smtClean="0"/>
+              <a:t>Dritte Ebene</a:t>
+            </a:r>
+          </a:p>
+          <a:p>
+            <a:pPr lvl="3"/>
+            <a:r>
+              <a:rPr lang="de-DE" smtClean="0"/>
+              <a:t>Vierte Ebene</a:t>
+            </a:r>
+          </a:p>
+          <a:p>
+            <a:pPr lvl="4"/>
+            <a:r>
+              <a:rPr lang="de-DE" smtClean="0"/>
+              <a:t>Fünfte Ebene</a:t>
+            </a:r>
+            <a:endParaRPr lang="de-DE"/>
+          </a:p>
+        </p:txBody>
+      </p:sp>
+      <p:sp>
+        <p:nvSpPr>
+          <p:cNvPr id="4" name="Textplatzhalter 3"/>
+          <p:cNvSpPr>
+            <a:spLocks noGrp="1"/>
+          </p:cNvSpPr>
+          <p:nvPr>
+            <p:ph type="body" sz="half" idx="2"/>
+          </p:nvPr>
+        </p:nvSpPr>
+        <p:spPr>
+          <a:xfrm>
+            <a:off x="457200" y="1435100"/>
+            <a:ext cx="3008313" cy="4691063"/>
+          </a:xfrm>
+        </p:spPr>
+        <p:txBody>
+          <a:bodyPr/>
+          <a:lstStyle>
+            <a:lvl1pPr marL="0" indent="0">
+              <a:buNone/>
+              <a:defRPr sz="1400"/>
+            </a:lvl1pPr>
+            <a:lvl2pPr marL="457200" indent="0">
+              <a:buNone/>
+              <a:defRPr sz="1200"/>
+            </a:lvl2pPr>
+            <a:lvl3pPr marL="914400" indent="0">
+              <a:buNone/>
+              <a:defRPr sz="1000"/>
+            </a:lvl3pPr>
+            <a:lvl4pPr marL="1371600" indent="0">
+              <a:buNone/>
+              <a:defRPr sz="900"/>
+            </a:lvl4pPr>
+            <a:lvl5pPr marL="1828800" indent="0">
+              <a:buNone/>
+              <a:defRPr sz="900"/>
+            </a:lvl5pPr>
+            <a:lvl6pPr marL="2286000" indent="0">
+              <a:buNone/>
+              <a:defRPr sz="900"/>
+            </a:lvl6pPr>
+            <a:lvl7pPr marL="2743200" indent="0">
+              <a:buNone/>
+              <a:defRPr sz="900"/>
+            </a:lvl7pPr>
+            <a:lvl8pPr marL="3200400" indent="0">
+              <a:buNone/>
+              <a:defRPr sz="900"/>
+            </a:lvl8pPr>
+            <a:lvl9pPr marL="3657600" indent="0">
+              <a:buNone/>
+              <a:defRPr sz="900"/>
+            </a:lvl9pPr>
+          </a:lstStyle>
+          <a:p>
+            <a:pPr lvl="0"/>
+            <a:r>
+              <a:rPr lang="de-DE" smtClean="0"/>
+              <a:t>Mastertextformat bearbeiten</a:t>
+            </a:r>
+          </a:p>
+        </p:txBody>
+      </p:sp>
+      <p:sp>
+        <p:nvSpPr>
+          <p:cNvPr id="5" name="Datumsplatzhalter 4"/>
+          <p:cNvSpPr>
+            <a:spLocks noGrp="1"/>
+          </p:cNvSpPr>
+          <p:nvPr>
+            <p:ph type="dt" sz="half" idx="10"/>
+          </p:nvPr>
+        </p:nvSpPr>
+        <p:spPr/>
+        <p:txBody>
+          <a:bodyPr/>
+          <a:lstStyle/>
+          <a:p>
+            <a:fld id="{17639015-A7AB-3C4D-B8DC-BCB19FBA9667}" type="datetime5">
+              <a:rPr lang="de-DE" smtClean="0"/>
+              <a:t>19-Okt-15</a:t>
+            </a:fld>
+            <a:endParaRPr lang="de-DE"/>
+          </a:p>
+        </p:txBody>
+      </p:sp>
+      <p:sp>
+        <p:nvSpPr>
+          <p:cNvPr id="6" name="Fußzeilenplatzhalter 5"/>
+          <p:cNvSpPr>
+            <a:spLocks noGrp="1"/>
+          </p:cNvSpPr>
+          <p:nvPr>
+            <p:ph type="ftr" sz="quarter" idx="11"/>
+          </p:nvPr>
+        </p:nvSpPr>
+        <p:spPr/>
+        <p:txBody>
+          <a:bodyPr/>
+          <a:lstStyle/>
+          <a:p>
+            <a:r>
+              <a:rPr lang="de-DE" smtClean="0"/>
+              <a:t>Group 31:  A. Patel, C. Kaiser, L. Schmitz, N. Tatarakis </a:t>
+            </a:r>
+            <a:endParaRPr lang="de-DE"/>
+          </a:p>
+        </p:txBody>
+      </p:sp>
+      <p:sp>
+        <p:nvSpPr>
+          <p:cNvPr id="7" name="Foliennummernplatzhalter 6"/>
+          <p:cNvSpPr>
+            <a:spLocks noGrp="1"/>
+          </p:cNvSpPr>
+          <p:nvPr>
+            <p:ph type="sldNum" sz="quarter" idx="12"/>
+          </p:nvPr>
+        </p:nvSpPr>
+        <p:spPr/>
+        <p:txBody>
+          <a:bodyPr/>
+          <a:lstStyle/>
+          <a:p>
+            <a:fld id="{C01938AF-F9EA-434A-A4EB-30D6D6E13CD1}" type="slidenum">
+              <a:rPr lang="de-DE" smtClean="0"/>
+              <a:t>‹Nr.›</a:t>
+            </a:fld>
+            <a:endParaRPr lang="de-DE"/>
+          </a:p>
+        </p:txBody>
+      </p:sp>
+    </p:spTree>
+    <p:extLst>
+      <p:ext uri="{BB962C8B-B14F-4D97-AF65-F5344CB8AC3E}">
+        <p14:creationId xmlns:p14="http://schemas.microsoft.com/office/powerpoint/2010/main" val="362405313"/>
+      </p:ext>
+    </p:extLst>
+  </p:cSld>
+  <p:clrMapOvr>
+    <a:masterClrMapping/>
+  </p:clrMapOvr>
+</p:sldLayout>
+</file>
+
+<file path=ppt/slideLayouts/slideLayout9.xml><?xml version="1.0" encoding="utf-8"?>
+<p:sldLayout xmlns:a="http://schemas.openxmlformats.org/drawingml/2006/main" xmlns:r="http://schemas.openxmlformats.org/officeDocument/2006/relationships" xmlns:p="http://schemas.openxmlformats.org/presentationml/2006/main" type="picTx" preserve="1">
+  <p:cSld name="Bild mit Beschriftung">
+    <p:spTree>
+      <p:nvGrpSpPr>
+        <p:cNvPr id="1" name=""/>
+        <p:cNvGrpSpPr/>
+        <p:nvPr/>
+      </p:nvGrpSpPr>
+      <p:grpSpPr>
+        <a:xfrm>
+          <a:off x="0" y="0"/>
+          <a:ext cx="0" cy="0"/>
+          <a:chOff x="0" y="0"/>
+          <a:chExt cx="0" cy="0"/>
+        </a:xfrm>
+      </p:grpSpPr>
+      <p:sp>
+        <p:nvSpPr>
+          <p:cNvPr id="2" name="Titel 1"/>
+          <p:cNvSpPr>
+            <a:spLocks noGrp="1"/>
+          </p:cNvSpPr>
+          <p:nvPr>
+            <p:ph type="title"/>
+          </p:nvPr>
+        </p:nvSpPr>
+        <p:spPr>
+          <a:xfrm>
+            <a:off x="1792288" y="4800600"/>
+            <a:ext cx="5486400" cy="566738"/>
+          </a:xfrm>
+        </p:spPr>
+        <p:txBody>
+          <a:bodyPr anchor="b"/>
+          <a:lstStyle>
+            <a:lvl1pPr algn="l">
+              <a:defRPr sz="2000" b="1"/>
+            </a:lvl1pPr>
+          </a:lstStyle>
+          <a:p>
+            <a:r>
+              <a:rPr lang="de-DE" smtClean="0"/>
+              <a:t>Mastertitelformat bearbeiten</a:t>
+            </a:r>
+            <a:endParaRPr lang="de-DE"/>
+          </a:p>
+        </p:txBody>
+      </p:sp>
+      <p:sp>
+        <p:nvSpPr>
+          <p:cNvPr id="3" name="Bildplatzhalter 2"/>
+          <p:cNvSpPr>
+            <a:spLocks noGrp="1"/>
+          </p:cNvSpPr>
+          <p:nvPr>
+            <p:ph type="pic" idx="1"/>
+          </p:nvPr>
+        </p:nvSpPr>
+        <p:spPr>
+          <a:xfrm>
+            <a:off x="1792288" y="612775"/>
+            <a:ext cx="5486400" cy="4114800"/>
+          </a:xfrm>
+        </p:spPr>
+        <p:txBody>
+          <a:bodyPr/>
+          <a:lstStyle>
+            <a:lvl1pPr marL="0" indent="0">
+              <a:buNone/>
+              <a:defRPr sz="3200"/>
+            </a:lvl1pPr>
+            <a:lvl2pPr marL="457200" indent="0">
+              <a:buNone/>
+              <a:defRPr sz="2800"/>
+            </a:lvl2pPr>
+            <a:lvl3pPr marL="914400" indent="0">
+              <a:buNone/>
+              <a:defRPr sz="2400"/>
+            </a:lvl3pPr>
+            <a:lvl4pPr marL="1371600" indent="0">
+              <a:buNone/>
+              <a:defRPr sz="2000"/>
+            </a:lvl4pPr>
+            <a:lvl5pPr marL="1828800" indent="0">
+              <a:buNone/>
+              <a:defRPr sz="2000"/>
+            </a:lvl5pPr>
+            <a:lvl6pPr marL="2286000" indent="0">
+              <a:buNone/>
+              <a:defRPr sz="2000"/>
+            </a:lvl6pPr>
+            <a:lvl7pPr marL="2743200" indent="0">
+              <a:buNone/>
+              <a:defRPr sz="2000"/>
+            </a:lvl7pPr>
+            <a:lvl8pPr marL="3200400" indent="0">
+              <a:buNone/>
+              <a:defRPr sz="2000"/>
+            </a:lvl8pPr>
+            <a:lvl9pPr marL="3657600" indent="0">
+              <a:buNone/>
+              <a:defRPr sz="2000"/>
+            </a:lvl9pPr>
+          </a:lstStyle>
+          <a:p>
+            <a:endParaRPr lang="de-DE"/>
+          </a:p>
+        </p:txBody>
+      </p:sp>
+      <p:sp>
+        <p:nvSpPr>
+          <p:cNvPr id="4" name="Textplatzhalter 3"/>
+          <p:cNvSpPr>
+            <a:spLocks noGrp="1"/>
+          </p:cNvSpPr>
+          <p:nvPr>
+            <p:ph type="body" sz="half" idx="2"/>
+          </p:nvPr>
+        </p:nvSpPr>
+        <p:spPr>
+          <a:xfrm>
+            <a:off x="1792288" y="5367338"/>
+            <a:ext cx="5486400" cy="804862"/>
+          </a:xfrm>
+        </p:spPr>
+        <p:txBody>
+          <a:bodyPr/>
+          <a:lstStyle>
+            <a:lvl1pPr marL="0" indent="0">
+              <a:buNone/>
+              <a:defRPr sz="1400"/>
+            </a:lvl1pPr>
+            <a:lvl2pPr marL="457200" indent="0">
+              <a:buNone/>
+              <a:defRPr sz="1200"/>
+            </a:lvl2pPr>
+            <a:lvl3pPr marL="914400" indent="0">
+              <a:buNone/>
+              <a:defRPr sz="1000"/>
+            </a:lvl3pPr>
+            <a:lvl4pPr marL="1371600" indent="0">
+              <a:buNone/>
+              <a:defRPr sz="900"/>
+            </a:lvl4pPr>
+            <a:lvl5pPr marL="1828800" indent="0">
+              <a:buNone/>
+              <a:defRPr sz="900"/>
+            </a:lvl5pPr>
+            <a:lvl6pPr marL="2286000" indent="0">
+              <a:buNone/>
+              <a:defRPr sz="900"/>
+            </a:lvl6pPr>
+            <a:lvl7pPr marL="2743200" indent="0">
+              <a:buNone/>
+              <a:defRPr sz="900"/>
+            </a:lvl7pPr>
+            <a:lvl8pPr marL="3200400" indent="0">
+              <a:buNone/>
+              <a:defRPr sz="900"/>
+            </a:lvl8pPr>
+            <a:lvl9pPr marL="3657600" indent="0">
+              <a:buNone/>
+              <a:defRPr sz="900"/>
+            </a:lvl9pPr>
+          </a:lstStyle>
+          <a:p>
+            <a:pPr lvl="0"/>
+            <a:r>
+              <a:rPr lang="de-DE" smtClean="0"/>
+              <a:t>Mastertextformat bearbeiten</a:t>
+            </a:r>
+          </a:p>
+        </p:txBody>
+      </p:sp>
+      <p:sp>
+        <p:nvSpPr>
+          <p:cNvPr id="5" name="Datumsplatzhalter 4"/>
+          <p:cNvSpPr>
+            <a:spLocks noGrp="1"/>
+          </p:cNvSpPr>
+          <p:nvPr>
+            <p:ph type="dt" sz="half" idx="10"/>
+          </p:nvPr>
+        </p:nvSpPr>
+        <p:spPr/>
+        <p:txBody>
+          <a:bodyPr/>
+          <a:lstStyle/>
+          <a:p>
+            <a:fld id="{CF11D4F3-078C-4440-B90C-42B9DA8738DC}" type="datetime5">
+              <a:rPr lang="de-DE" smtClean="0"/>
+              <a:t>19-Okt-15</a:t>
+            </a:fld>
+            <a:endParaRPr lang="de-DE"/>
+          </a:p>
+        </p:txBody>
+      </p:sp>
+      <p:sp>
+        <p:nvSpPr>
+          <p:cNvPr id="6" name="Fußzeilenplatzhalter 5"/>
+          <p:cNvSpPr>
+            <a:spLocks noGrp="1"/>
+          </p:cNvSpPr>
+          <p:nvPr>
+            <p:ph type="ftr" sz="quarter" idx="11"/>
+          </p:nvPr>
+        </p:nvSpPr>
+        <p:spPr/>
+        <p:txBody>
+          <a:bodyPr/>
+          <a:lstStyle/>
+          <a:p>
+            <a:r>
+              <a:rPr lang="de-DE" smtClean="0"/>
+              <a:t>Group 31:  A. Patel, C. Kaiser, L. Schmitz, N. Tatarakis </a:t>
             </a:r>
             <a:endParaRPr lang="de-DE"/>
           </a:p>
@@ -3734,7 +6196,7 @@
             </a:lvl1pPr>
           </a:lstStyle>
           <a:p>
-            <a:fld id="{2CEFD5BE-86AC-FC4D-91ED-FDA83CE48BB3}" type="datetime5">
+            <a:fld id="{8D3E6B2E-BD6D-1D44-A8D6-323A5221F7C2}" type="datetime5">
               <a:rPr lang="de-DE" smtClean="0"/>
               <a:t>19-Okt-15</a:t>
             </a:fld>
@@ -3754,8 +6216,8 @@
         </p:nvSpPr>
         <p:spPr>
           <a:xfrm>
-            <a:off x="3124200" y="6356350"/>
-            <a:ext cx="2895600" cy="365125"/>
+            <a:off x="3096846" y="6356350"/>
+            <a:ext cx="2950308" cy="365125"/>
           </a:xfrm>
           <a:prstGeom prst="rect">
             <a:avLst/>
@@ -3777,7 +6239,17 @@
           <a:p>
             <a:r>
               <a:rPr lang="de-DE" dirty="0" smtClean="0"/>
-              <a:t>A. Patel, C. Kaiser, L. Schmitz, N. </a:t>
+              <a:t>Group 31: </a:t>
+            </a:r>
+          </a:p>
+          <a:p>
+            <a:r>
+              <a:rPr lang="de-DE" dirty="0" smtClean="0"/>
+              <a:t>A</a:t>
+            </a:r>
+            <a:r>
+              <a:rPr lang="de-DE" dirty="0" smtClean="0"/>
+              <a:t>. Patel, C. Kaiser, L. Schmitz, N. </a:t>
             </a:r>
             <a:r>
               <a:rPr lang="de-DE" dirty="0" err="1" smtClean="0"/>
@@ -3852,7 +6324,531 @@
     <p:sldLayoutId id="2147483658" r:id="rId10"/>
     <p:sldLayoutId id="2147483659" r:id="rId11"/>
   </p:sldLayoutIdLst>
+  <p:timing>
+    <p:tnLst>
+      <p:par>
+        <p:cTn xmlns:p14="http://schemas.microsoft.com/office/powerpoint/2010/main" id="1" dur="indefinite" restart="never" nodeType="tmRoot"/>
+      </p:par>
+    </p:tnLst>
+  </p:timing>
   <p:hf hdr="0"/>
+  <p:txStyles>
+    <p:titleStyle>
+      <a:lvl1pPr algn="ctr" defTabSz="457200" rtl="0" eaLnBrk="1" latinLnBrk="0" hangingPunct="1">
+        <a:spcBef>
+          <a:spcPct val="0"/>
+        </a:spcBef>
+        <a:buNone/>
+        <a:defRPr sz="4400" kern="1200">
+          <a:solidFill>
+            <a:schemeClr val="tx1"/>
+          </a:solidFill>
+          <a:latin typeface="+mj-lt"/>
+          <a:ea typeface="+mj-ea"/>
+          <a:cs typeface="+mj-cs"/>
+        </a:defRPr>
+      </a:lvl1pPr>
+    </p:titleStyle>
+    <p:bodyStyle>
+      <a:lvl1pPr marL="342900" indent="-342900" algn="l" defTabSz="457200" rtl="0" eaLnBrk="1" latinLnBrk="0" hangingPunct="1">
+        <a:spcBef>
+          <a:spcPct val="20000"/>
+        </a:spcBef>
+        <a:buFont typeface="Arial"/>
+        <a:buChar char="•"/>
+        <a:defRPr sz="3200" kern="1200">
+          <a:solidFill>
+            <a:schemeClr val="tx1"/>
+          </a:solidFill>
+          <a:latin typeface="+mn-lt"/>
+          <a:ea typeface="+mn-ea"/>
+          <a:cs typeface="+mn-cs"/>
+        </a:defRPr>
+      </a:lvl1pPr>
+      <a:lvl2pPr marL="742950" indent="-285750" algn="l" defTabSz="457200" rtl="0" eaLnBrk="1" latinLnBrk="0" hangingPunct="1">
+        <a:spcBef>
+          <a:spcPct val="20000"/>
+        </a:spcBef>
+        <a:buFont typeface="Arial"/>
+        <a:buChar char="–"/>
+        <a:defRPr sz="2800" kern="1200">
+          <a:solidFill>
+            <a:schemeClr val="tx1"/>
+          </a:solidFill>
+          <a:latin typeface="+mn-lt"/>
+          <a:ea typeface="+mn-ea"/>
+          <a:cs typeface="+mn-cs"/>
+        </a:defRPr>
+      </a:lvl2pPr>
+      <a:lvl3pPr marL="1143000" indent="-228600" algn="l" defTabSz="457200" rtl="0" eaLnBrk="1" latinLnBrk="0" hangingPunct="1">
+        <a:spcBef>
+          <a:spcPct val="20000"/>
+        </a:spcBef>
+        <a:buFont typeface="Arial"/>
+        <a:buChar char="•"/>
+        <a:defRPr sz="2400" kern="1200">
+          <a:solidFill>
+            <a:schemeClr val="tx1"/>
+          </a:solidFill>
+          <a:latin typeface="+mn-lt"/>
+          <a:ea typeface="+mn-ea"/>
+          <a:cs typeface="+mn-cs"/>
+        </a:defRPr>
+      </a:lvl3pPr>
+      <a:lvl4pPr marL="1600200" indent="-228600" algn="l" defTabSz="457200" rtl="0" eaLnBrk="1" latinLnBrk="0" hangingPunct="1">
+        <a:spcBef>
+          <a:spcPct val="20000"/>
+        </a:spcBef>
+        <a:buFont typeface="Arial"/>
+        <a:buChar char="–"/>
+        <a:defRPr sz="2000" kern="1200">
+          <a:solidFill>
+            <a:schemeClr val="tx1"/>
+          </a:solidFill>
+          <a:latin typeface="+mn-lt"/>
+          <a:ea typeface="+mn-ea"/>
+          <a:cs typeface="+mn-cs"/>
+        </a:defRPr>
+      </a:lvl4pPr>
+      <a:lvl5pPr marL="2057400" indent="-228600" algn="l" defTabSz="457200" rtl="0" eaLnBrk="1" latinLnBrk="0" hangingPunct="1">
+        <a:spcBef>
+          <a:spcPct val="20000"/>
+        </a:spcBef>
+        <a:buFont typeface="Arial"/>
+        <a:buChar char="»"/>
+        <a:defRPr sz="2000" kern="1200">
+          <a:solidFill>
+            <a:schemeClr val="tx1"/>
+          </a:solidFill>
+          <a:latin typeface="+mn-lt"/>
+          <a:ea typeface="+mn-ea"/>
+          <a:cs typeface="+mn-cs"/>
+        </a:defRPr>
+      </a:lvl5pPr>
+      <a:lvl6pPr marL="2514600" indent="-228600" algn="l" defTabSz="457200" rtl="0" eaLnBrk="1" latinLnBrk="0" hangingPunct="1">
+        <a:spcBef>
+          <a:spcPct val="20000"/>
+        </a:spcBef>
+        <a:buFont typeface="Arial"/>
+        <a:buChar char="•"/>
+        <a:defRPr sz="2000" kern="1200">
+          <a:solidFill>
+            <a:schemeClr val="tx1"/>
+          </a:solidFill>
+          <a:latin typeface="+mn-lt"/>
+          <a:ea typeface="+mn-ea"/>
+          <a:cs typeface="+mn-cs"/>
+        </a:defRPr>
+      </a:lvl6pPr>
+      <a:lvl7pPr marL="2971800" indent="-228600" algn="l" defTabSz="457200" rtl="0" eaLnBrk="1" latinLnBrk="0" hangingPunct="1">
+        <a:spcBef>
+          <a:spcPct val="20000"/>
+        </a:spcBef>
+        <a:buFont typeface="Arial"/>
+        <a:buChar char="•"/>
+        <a:defRPr sz="2000" kern="1200">
+          <a:solidFill>
+            <a:schemeClr val="tx1"/>
+          </a:solidFill>
+          <a:latin typeface="+mn-lt"/>
+          <a:ea typeface="+mn-ea"/>
+          <a:cs typeface="+mn-cs"/>
+        </a:defRPr>
+      </a:lvl7pPr>
+      <a:lvl8pPr marL="3429000" indent="-228600" algn="l" defTabSz="457200" rtl="0" eaLnBrk="1" latinLnBrk="0" hangingPunct="1">
+        <a:spcBef>
+          <a:spcPct val="20000"/>
+        </a:spcBef>
+        <a:buFont typeface="Arial"/>
+        <a:buChar char="•"/>
+        <a:defRPr sz="2000" kern="1200">
+          <a:solidFill>
+            <a:schemeClr val="tx1"/>
+          </a:solidFill>
+          <a:latin typeface="+mn-lt"/>
+          <a:ea typeface="+mn-ea"/>
+          <a:cs typeface="+mn-cs"/>
+        </a:defRPr>
+      </a:lvl8pPr>
+      <a:lvl9pPr marL="3886200" indent="-228600" algn="l" defTabSz="457200" rtl="0" eaLnBrk="1" latinLnBrk="0" hangingPunct="1">
+        <a:spcBef>
+          <a:spcPct val="20000"/>
+        </a:spcBef>
+        <a:buFont typeface="Arial"/>
+        <a:buChar char="•"/>
+        <a:defRPr sz="2000" kern="1200">
+          <a:solidFill>
+            <a:schemeClr val="tx1"/>
+          </a:solidFill>
+          <a:latin typeface="+mn-lt"/>
+          <a:ea typeface="+mn-ea"/>
+          <a:cs typeface="+mn-cs"/>
+        </a:defRPr>
+      </a:lvl9pPr>
+    </p:bodyStyle>
+    <p:otherStyle>
+      <a:defPPr>
+        <a:defRPr lang="de-DE"/>
+      </a:defPPr>
+      <a:lvl1pPr marL="0" algn="l" defTabSz="457200" rtl="0" eaLnBrk="1" latinLnBrk="0" hangingPunct="1">
+        <a:defRPr sz="1800" kern="1200">
+          <a:solidFill>
+            <a:schemeClr val="tx1"/>
+          </a:solidFill>
+          <a:latin typeface="+mn-lt"/>
+          <a:ea typeface="+mn-ea"/>
+          <a:cs typeface="+mn-cs"/>
+        </a:defRPr>
+      </a:lvl1pPr>
+      <a:lvl2pPr marL="457200" algn="l" defTabSz="457200" rtl="0" eaLnBrk="1" latinLnBrk="0" hangingPunct="1">
+        <a:defRPr sz="1800" kern="1200">
+          <a:solidFill>
+            <a:schemeClr val="tx1"/>
+          </a:solidFill>
+          <a:latin typeface="+mn-lt"/>
+          <a:ea typeface="+mn-ea"/>
+          <a:cs typeface="+mn-cs"/>
+        </a:defRPr>
+      </a:lvl2pPr>
+      <a:lvl3pPr marL="914400" algn="l" defTabSz="457200" rtl="0" eaLnBrk="1" latinLnBrk="0" hangingPunct="1">
+        <a:defRPr sz="1800" kern="1200">
+          <a:solidFill>
+            <a:schemeClr val="tx1"/>
+          </a:solidFill>
+          <a:latin typeface="+mn-lt"/>
+          <a:ea typeface="+mn-ea"/>
+          <a:cs typeface="+mn-cs"/>
+        </a:defRPr>
+      </a:lvl3pPr>
+      <a:lvl4pPr marL="1371600" algn="l" defTabSz="457200" rtl="0" eaLnBrk="1" latinLnBrk="0" hangingPunct="1">
+        <a:defRPr sz="1800" kern="1200">
+          <a:solidFill>
+            <a:schemeClr val="tx1"/>
+          </a:solidFill>
+          <a:latin typeface="+mn-lt"/>
+          <a:ea typeface="+mn-ea"/>
+          <a:cs typeface="+mn-cs"/>
+        </a:defRPr>
+      </a:lvl4pPr>
+      <a:lvl5pPr marL="1828800" algn="l" defTabSz="457200" rtl="0" eaLnBrk="1" latinLnBrk="0" hangingPunct="1">
+        <a:defRPr sz="1800" kern="1200">
+          <a:solidFill>
+            <a:schemeClr val="tx1"/>
+          </a:solidFill>
+          <a:latin typeface="+mn-lt"/>
+          <a:ea typeface="+mn-ea"/>
+          <a:cs typeface="+mn-cs"/>
+        </a:defRPr>
+      </a:lvl5pPr>
+      <a:lvl6pPr marL="2286000" algn="l" defTabSz="457200" rtl="0" eaLnBrk="1" latinLnBrk="0" hangingPunct="1">
+        <a:defRPr sz="1800" kern="1200">
+          <a:solidFill>
+            <a:schemeClr val="tx1"/>
+          </a:solidFill>
+          <a:latin typeface="+mn-lt"/>
+          <a:ea typeface="+mn-ea"/>
+          <a:cs typeface="+mn-cs"/>
+        </a:defRPr>
+      </a:lvl6pPr>
+      <a:lvl7pPr marL="2743200" algn="l" defTabSz="457200" rtl="0" eaLnBrk="1" latinLnBrk="0" hangingPunct="1">
+        <a:defRPr sz="1800" kern="1200">
+          <a:solidFill>
+            <a:schemeClr val="tx1"/>
+          </a:solidFill>
+          <a:latin typeface="+mn-lt"/>
+          <a:ea typeface="+mn-ea"/>
+          <a:cs typeface="+mn-cs"/>
+        </a:defRPr>
+      </a:lvl7pPr>
+      <a:lvl8pPr marL="3200400" algn="l" defTabSz="457200" rtl="0" eaLnBrk="1" latinLnBrk="0" hangingPunct="1">
+        <a:defRPr sz="1800" kern="1200">
+          <a:solidFill>
+            <a:schemeClr val="tx1"/>
+          </a:solidFill>
+          <a:latin typeface="+mn-lt"/>
+          <a:ea typeface="+mn-ea"/>
+          <a:cs typeface="+mn-cs"/>
+        </a:defRPr>
+      </a:lvl8pPr>
+      <a:lvl9pPr marL="3657600" algn="l" defTabSz="457200" rtl="0" eaLnBrk="1" latinLnBrk="0" hangingPunct="1">
+        <a:defRPr sz="1800" kern="1200">
+          <a:solidFill>
+            <a:schemeClr val="tx1"/>
+          </a:solidFill>
+          <a:latin typeface="+mn-lt"/>
+          <a:ea typeface="+mn-ea"/>
+          <a:cs typeface="+mn-cs"/>
+        </a:defRPr>
+      </a:lvl9pPr>
+    </p:otherStyle>
+  </p:txStyles>
+</p:sldMaster>
+</file>
+
+<file path=ppt/slideMasters/slideMaster2.xml><?xml version="1.0" encoding="utf-8"?>
+<p:sldMaster xmlns:a="http://schemas.openxmlformats.org/drawingml/2006/main" xmlns:r="http://schemas.openxmlformats.org/officeDocument/2006/relationships" xmlns:p="http://schemas.openxmlformats.org/presentationml/2006/main" preserve="1">
+  <p:cSld>
+    <p:bg>
+      <p:bgRef idx="1001">
+        <a:schemeClr val="bg1"/>
+      </p:bgRef>
+    </p:bg>
+    <p:spTree>
+      <p:nvGrpSpPr>
+        <p:cNvPr id="1" name=""/>
+        <p:cNvGrpSpPr/>
+        <p:nvPr/>
+      </p:nvGrpSpPr>
+      <p:grpSpPr>
+        <a:xfrm>
+          <a:off x="0" y="0"/>
+          <a:ext cx="0" cy="0"/>
+          <a:chOff x="0" y="0"/>
+          <a:chExt cx="0" cy="0"/>
+        </a:xfrm>
+      </p:grpSpPr>
+      <p:sp>
+        <p:nvSpPr>
+          <p:cNvPr id="2" name="Titelplatzhalter 1"/>
+          <p:cNvSpPr>
+            <a:spLocks noGrp="1"/>
+          </p:cNvSpPr>
+          <p:nvPr>
+            <p:ph type="title"/>
+          </p:nvPr>
+        </p:nvSpPr>
+        <p:spPr>
+          <a:xfrm>
+            <a:off x="457200" y="274638"/>
+            <a:ext cx="8229600" cy="1143000"/>
+          </a:xfrm>
+          <a:prstGeom prst="rect">
+            <a:avLst/>
+          </a:prstGeom>
+        </p:spPr>
+        <p:txBody>
+          <a:bodyPr vert="horz" lIns="91440" tIns="45720" rIns="91440" bIns="45720" rtlCol="0" anchor="ctr">
+            <a:normAutofit/>
+          </a:bodyPr>
+          <a:lstStyle/>
+          <a:p>
+            <a:r>
+              <a:rPr lang="de-DE" smtClean="0"/>
+              <a:t>Mastertitelformat bearbeiten</a:t>
+            </a:r>
+            <a:endParaRPr lang="de-DE"/>
+          </a:p>
+        </p:txBody>
+      </p:sp>
+      <p:sp>
+        <p:nvSpPr>
+          <p:cNvPr id="3" name="Textplatzhalter 2"/>
+          <p:cNvSpPr>
+            <a:spLocks noGrp="1"/>
+          </p:cNvSpPr>
+          <p:nvPr>
+            <p:ph type="body" idx="1"/>
+          </p:nvPr>
+        </p:nvSpPr>
+        <p:spPr>
+          <a:xfrm>
+            <a:off x="457200" y="1600200"/>
+            <a:ext cx="8229600" cy="4525963"/>
+          </a:xfrm>
+          <a:prstGeom prst="rect">
+            <a:avLst/>
+          </a:prstGeom>
+        </p:spPr>
+        <p:txBody>
+          <a:bodyPr vert="horz" lIns="91440" tIns="45720" rIns="91440" bIns="45720" rtlCol="0">
+            <a:normAutofit/>
+          </a:bodyPr>
+          <a:lstStyle/>
+          <a:p>
+            <a:pPr lvl="0"/>
+            <a:r>
+              <a:rPr lang="de-DE" smtClean="0"/>
+              <a:t>Mastertextformat bearbeiten</a:t>
+            </a:r>
+          </a:p>
+          <a:p>
+            <a:pPr lvl="1"/>
+            <a:r>
+              <a:rPr lang="de-DE" smtClean="0"/>
+              <a:t>Zweite Ebene</a:t>
+            </a:r>
+          </a:p>
+          <a:p>
+            <a:pPr lvl="2"/>
+            <a:r>
+              <a:rPr lang="de-DE" smtClean="0"/>
+              <a:t>Dritte Ebene</a:t>
+            </a:r>
+          </a:p>
+          <a:p>
+            <a:pPr lvl="3"/>
+            <a:r>
+              <a:rPr lang="de-DE" smtClean="0"/>
+              <a:t>Vierte Ebene</a:t>
+            </a:r>
+          </a:p>
+          <a:p>
+            <a:pPr lvl="4"/>
+            <a:r>
+              <a:rPr lang="de-DE" smtClean="0"/>
+              <a:t>Fünfte Ebene</a:t>
+            </a:r>
+            <a:endParaRPr lang="de-DE"/>
+          </a:p>
+        </p:txBody>
+      </p:sp>
+      <p:sp>
+        <p:nvSpPr>
+          <p:cNvPr id="4" name="Datumsplatzhalter 3"/>
+          <p:cNvSpPr>
+            <a:spLocks noGrp="1"/>
+          </p:cNvSpPr>
+          <p:nvPr>
+            <p:ph type="dt" sz="half" idx="2"/>
+          </p:nvPr>
+        </p:nvSpPr>
+        <p:spPr>
+          <a:xfrm>
+            <a:off x="457200" y="6356350"/>
+            <a:ext cx="2133600" cy="365125"/>
+          </a:xfrm>
+          <a:prstGeom prst="rect">
+            <a:avLst/>
+          </a:prstGeom>
+        </p:spPr>
+        <p:txBody>
+          <a:bodyPr vert="horz" lIns="91440" tIns="45720" rIns="91440" bIns="45720" rtlCol="0" anchor="ctr"/>
+          <a:lstStyle>
+            <a:lvl1pPr algn="l">
+              <a:defRPr sz="1200">
+                <a:solidFill>
+                  <a:schemeClr val="tx1">
+                    <a:tint val="75000"/>
+                  </a:schemeClr>
+                </a:solidFill>
+              </a:defRPr>
+            </a:lvl1pPr>
+          </a:lstStyle>
+          <a:p>
+            <a:fld id="{1337284B-4799-8A41-B812-3DA2002D9A8C}" type="datetimeFigureOut">
+              <a:rPr lang="de-DE" smtClean="0"/>
+              <a:t>19.10.15</a:t>
+            </a:fld>
+            <a:endParaRPr lang="de-DE"/>
+          </a:p>
+        </p:txBody>
+      </p:sp>
+      <p:sp>
+        <p:nvSpPr>
+          <p:cNvPr id="5" name="Fußzeilenplatzhalter 4"/>
+          <p:cNvSpPr>
+            <a:spLocks noGrp="1"/>
+          </p:cNvSpPr>
+          <p:nvPr>
+            <p:ph type="ftr" sz="quarter" idx="3"/>
+          </p:nvPr>
+        </p:nvSpPr>
+        <p:spPr>
+          <a:xfrm>
+            <a:off x="3124200" y="6356350"/>
+            <a:ext cx="2895600" cy="365125"/>
+          </a:xfrm>
+          <a:prstGeom prst="rect">
+            <a:avLst/>
+          </a:prstGeom>
+        </p:spPr>
+        <p:txBody>
+          <a:bodyPr vert="horz" lIns="91440" tIns="45720" rIns="91440" bIns="45720" rtlCol="0" anchor="ctr"/>
+          <a:lstStyle>
+            <a:lvl1pPr algn="ctr">
+              <a:defRPr sz="1200">
+                <a:solidFill>
+                  <a:schemeClr val="tx1">
+                    <a:tint val="75000"/>
+                  </a:schemeClr>
+                </a:solidFill>
+              </a:defRPr>
+            </a:lvl1pPr>
+          </a:lstStyle>
+          <a:p>
+            <a:endParaRPr lang="de-DE"/>
+          </a:p>
+        </p:txBody>
+      </p:sp>
+      <p:sp>
+        <p:nvSpPr>
+          <p:cNvPr id="6" name="Foliennummernplatzhalter 5"/>
+          <p:cNvSpPr>
+            <a:spLocks noGrp="1"/>
+          </p:cNvSpPr>
+          <p:nvPr>
+            <p:ph type="sldNum" sz="quarter" idx="4"/>
+          </p:nvPr>
+        </p:nvSpPr>
+        <p:spPr>
+          <a:xfrm>
+            <a:off x="6553200" y="6356350"/>
+            <a:ext cx="2133600" cy="365125"/>
+          </a:xfrm>
+          <a:prstGeom prst="rect">
+            <a:avLst/>
+          </a:prstGeom>
+        </p:spPr>
+        <p:txBody>
+          <a:bodyPr vert="horz" lIns="91440" tIns="45720" rIns="91440" bIns="45720" rtlCol="0" anchor="ctr"/>
+          <a:lstStyle>
+            <a:lvl1pPr algn="r">
+              <a:defRPr sz="1200">
+                <a:solidFill>
+                  <a:schemeClr val="tx1">
+                    <a:tint val="75000"/>
+                  </a:schemeClr>
+                </a:solidFill>
+              </a:defRPr>
+            </a:lvl1pPr>
+          </a:lstStyle>
+          <a:p>
+            <a:fld id="{C1874292-B4E8-D94B-9AF5-6AAF92AD3238}" type="slidenum">
+              <a:rPr lang="de-DE" smtClean="0"/>
+              <a:t>‹Nr.›</a:t>
+            </a:fld>
+            <a:endParaRPr lang="de-DE"/>
+          </a:p>
+        </p:txBody>
+      </p:sp>
+    </p:spTree>
+    <p:extLst>
+      <p:ext uri="{BB962C8B-B14F-4D97-AF65-F5344CB8AC3E}">
+        <p14:creationId xmlns:p14="http://schemas.microsoft.com/office/powerpoint/2010/main" val="3275508648"/>
+      </p:ext>
+    </p:extLst>
+  </p:cSld>
+  <p:clrMap bg1="lt1" tx1="dk1" bg2="lt2" tx2="dk2" accent1="accent1" accent2="accent2" accent3="accent3" accent4="accent4" accent5="accent5" accent6="accent6" hlink="hlink" folHlink="folHlink"/>
+  <p:sldLayoutIdLst>
+    <p:sldLayoutId id="2147483661" r:id="rId1"/>
+    <p:sldLayoutId id="2147483662" r:id="rId2"/>
+    <p:sldLayoutId id="2147483663" r:id="rId3"/>
+    <p:sldLayoutId id="2147483664" r:id="rId4"/>
+    <p:sldLayoutId id="2147483665" r:id="rId5"/>
+    <p:sldLayoutId id="2147483666" r:id="rId6"/>
+    <p:sldLayoutId id="2147483667" r:id="rId7"/>
+    <p:sldLayoutId id="2147483668" r:id="rId8"/>
+    <p:sldLayoutId id="2147483669" r:id="rId9"/>
+    <p:sldLayoutId id="2147483670" r:id="rId10"/>
+    <p:sldLayoutId id="2147483671" r:id="rId11"/>
+  </p:sldLayoutIdLst>
+  <p:timing>
+    <p:tnLst>
+      <p:par>
+        <p:cTn xmlns:p14="http://schemas.microsoft.com/office/powerpoint/2010/main" id="1" dur="indefinite" restart="never" nodeType="tmRoot"/>
+      </p:par>
+    </p:tnLst>
+  </p:timing>
   <p:txStyles>
     <p:titleStyle>
       <a:lvl1pPr algn="ctr" defTabSz="457200" rtl="0" eaLnBrk="1" latinLnBrk="0" hangingPunct="1">
@@ -4239,7 +7235,7 @@
           <a:bodyPr/>
           <a:lstStyle/>
           <a:p>
-            <a:fld id="{0F20B5AF-3F4C-A742-B28C-4D75620ED836}" type="datetime5">
+            <a:fld id="{EC9D619D-132C-7444-AA19-0E427666B2F5}" type="datetime5">
               <a:rPr lang="de-DE" smtClean="0"/>
               <a:t>19-Okt-15</a:t>
             </a:fld>
@@ -4263,10 +7259,24 @@
           <a:lstStyle/>
           <a:p>
             <a:r>
-              <a:rPr lang="de-DE" smtClean="0"/>
-              <a:t>A. Patel, C. Kaiser, L. Schmitz, N. Tatarakis </a:t>
-            </a:r>
-            <a:endParaRPr lang="de-DE"/>
+              <a:rPr lang="de-DE" dirty="0" smtClean="0"/>
+              <a:t>Group 31:  </a:t>
+            </a:r>
+          </a:p>
+          <a:p>
+            <a:r>
+              <a:rPr lang="de-DE" dirty="0" smtClean="0"/>
+              <a:t>A. Patel, C. Kaiser, L. Schmitz, N. </a:t>
+            </a:r>
+            <a:r>
+              <a:rPr lang="de-DE" dirty="0" err="1" smtClean="0"/>
+              <a:t>Tatarakis</a:t>
+            </a:r>
+            <a:r>
+              <a:rPr lang="de-DE" dirty="0" smtClean="0"/>
+              <a:t> </a:t>
+            </a:r>
+            <a:endParaRPr lang="de-DE" dirty="0"/>
           </a:p>
         </p:txBody>
       </p:sp>
@@ -4413,7 +7423,7 @@
           <a:bodyPr/>
           <a:lstStyle/>
           <a:p>
-            <a:fld id="{0176A06F-AB14-F94A-8BCE-1C0CB4911F8E}" type="datetime5">
+            <a:fld id="{EDA6DE9C-37DB-D843-9244-4B46ECD0F859}" type="datetime5">
               <a:rPr lang="de-DE" smtClean="0"/>
               <a:t>19-Okt-15</a:t>
             </a:fld>
@@ -4437,10 +7447,24 @@
           <a:lstStyle/>
           <a:p>
             <a:r>
-              <a:rPr lang="de-DE" smtClean="0"/>
-              <a:t>A. Patel, C. Kaiser, L. Schmitz, N. Tatarakis </a:t>
-            </a:r>
-            <a:endParaRPr lang="de-DE"/>
+              <a:rPr lang="de-DE" dirty="0" smtClean="0"/>
+              <a:t>Group 31:  </a:t>
+            </a:r>
+          </a:p>
+          <a:p>
+            <a:r>
+              <a:rPr lang="de-DE" dirty="0" smtClean="0"/>
+              <a:t>A. Patel, C. Kaiser, L. Schmitz, N. </a:t>
+            </a:r>
+            <a:r>
+              <a:rPr lang="de-DE" dirty="0" err="1" smtClean="0"/>
+              <a:t>Tatarakis</a:t>
+            </a:r>
+            <a:r>
+              <a:rPr lang="de-DE" dirty="0" smtClean="0"/>
+              <a:t> </a:t>
+            </a:r>
+            <a:endParaRPr lang="de-DE" dirty="0"/>
           </a:p>
         </p:txBody>
       </p:sp>
@@ -4546,7 +7570,7 @@
           <a:bodyPr/>
           <a:lstStyle/>
           <a:p>
-            <a:fld id="{0176A06F-AB14-F94A-8BCE-1C0CB4911F8E}" type="datetime5">
+            <a:fld id="{DD0B4BCA-CF92-5C4D-B434-624B63D78367}" type="datetime5">
               <a:rPr lang="de-DE" smtClean="0"/>
               <a:t>19-Okt-15</a:t>
             </a:fld>
@@ -4570,10 +7594,24 @@
           <a:lstStyle/>
           <a:p>
             <a:r>
-              <a:rPr lang="de-DE" smtClean="0"/>
-              <a:t>A. Patel, C. Kaiser, L. Schmitz, N. Tatarakis </a:t>
-            </a:r>
-            <a:endParaRPr lang="de-DE"/>
+              <a:rPr lang="de-DE" dirty="0" smtClean="0"/>
+              <a:t>Group 31:  </a:t>
+            </a:r>
+          </a:p>
+          <a:p>
+            <a:r>
+              <a:rPr lang="de-DE" dirty="0" smtClean="0"/>
+              <a:t>A. Patel, C. Kaiser, L. Schmitz, N. </a:t>
+            </a:r>
+            <a:r>
+              <a:rPr lang="de-DE" dirty="0" err="1" smtClean="0"/>
+              <a:t>Tatarakis</a:t>
+            </a:r>
+            <a:r>
+              <a:rPr lang="de-DE" dirty="0" smtClean="0"/>
+              <a:t> </a:t>
+            </a:r>
+            <a:endParaRPr lang="de-DE" dirty="0"/>
           </a:p>
         </p:txBody>
       </p:sp>
@@ -4877,7 +7915,7 @@
           <a:bodyPr/>
           <a:lstStyle/>
           <a:p>
-            <a:fld id="{0176A06F-AB14-F94A-8BCE-1C0CB4911F8E}" type="datetime5">
+            <a:fld id="{0695DDD0-D609-E845-AD21-329BC988EB98}" type="datetime5">
               <a:rPr lang="de-DE" smtClean="0"/>
               <a:t>19-Okt-15</a:t>
             </a:fld>
@@ -4901,10 +7939,24 @@
           <a:lstStyle/>
           <a:p>
             <a:r>
-              <a:rPr lang="de-DE" smtClean="0"/>
-              <a:t>A. Patel, C. Kaiser, L. Schmitz, N. Tatarakis </a:t>
-            </a:r>
-            <a:endParaRPr lang="de-DE"/>
+              <a:rPr lang="de-DE" dirty="0" smtClean="0"/>
+              <a:t>Group 31:  </a:t>
+            </a:r>
+          </a:p>
+          <a:p>
+            <a:r>
+              <a:rPr lang="de-DE" dirty="0" smtClean="0"/>
+              <a:t>A. Patel, C. Kaiser, L. Schmitz, N. </a:t>
+            </a:r>
+            <a:r>
+              <a:rPr lang="de-DE" dirty="0" err="1" smtClean="0"/>
+              <a:t>Tatarakis</a:t>
+            </a:r>
+            <a:r>
+              <a:rPr lang="de-DE" dirty="0" smtClean="0"/>
+              <a:t> </a:t>
+            </a:r>
+            <a:endParaRPr lang="de-DE" dirty="0"/>
           </a:p>
         </p:txBody>
       </p:sp>
@@ -5170,7 +8222,7 @@
           <a:bodyPr/>
           <a:lstStyle/>
           <a:p>
-            <a:fld id="{0176A06F-AB14-F94A-8BCE-1C0CB4911F8E}" type="datetime5">
+            <a:fld id="{02FD22DA-C2F0-BB45-9858-2DF044018BB4}" type="datetime5">
               <a:rPr lang="de-DE" smtClean="0"/>
               <a:t>19-Okt-15</a:t>
             </a:fld>
@@ -5194,10 +8246,24 @@
           <a:lstStyle/>
           <a:p>
             <a:r>
-              <a:rPr lang="de-DE" smtClean="0"/>
-              <a:t>A. Patel, C. Kaiser, L. Schmitz, N. Tatarakis </a:t>
-            </a:r>
-            <a:endParaRPr lang="de-DE"/>
+              <a:rPr lang="de-DE" dirty="0" smtClean="0"/>
+              <a:t>Group 31:  </a:t>
+            </a:r>
+          </a:p>
+          <a:p>
+            <a:r>
+              <a:rPr lang="de-DE" dirty="0" smtClean="0"/>
+              <a:t>A. Patel, C. Kaiser, L. Schmitz, N. </a:t>
+            </a:r>
+            <a:r>
+              <a:rPr lang="de-DE" dirty="0" err="1" smtClean="0"/>
+              <a:t>Tatarakis</a:t>
+            </a:r>
+            <a:r>
+              <a:rPr lang="de-DE" dirty="0" smtClean="0"/>
+              <a:t> </a:t>
+            </a:r>
+            <a:endParaRPr lang="de-DE" dirty="0"/>
           </a:p>
         </p:txBody>
       </p:sp>
@@ -5551,7 +8617,7 @@
           <a:bodyPr/>
           <a:lstStyle/>
           <a:p>
-            <a:fld id="{2D4733B8-70C3-6141-8B66-0EF5CA422C2F}" type="datetime5">
+            <a:fld id="{0258F233-1BF0-5549-8C99-767349514C55}" type="datetime5">
               <a:rPr lang="de-DE" smtClean="0"/>
               <a:t>19-Okt-15</a:t>
             </a:fld>
@@ -5575,10 +8641,24 @@
           <a:lstStyle/>
           <a:p>
             <a:r>
-              <a:rPr lang="de-DE" smtClean="0"/>
-              <a:t>A. Patel, C. Kaiser, L. Schmitz, N. Tatarakis </a:t>
-            </a:r>
-            <a:endParaRPr lang="de-DE"/>
+              <a:rPr lang="de-DE" dirty="0" smtClean="0"/>
+              <a:t>Group 31:  </a:t>
+            </a:r>
+          </a:p>
+          <a:p>
+            <a:r>
+              <a:rPr lang="de-DE" dirty="0" smtClean="0"/>
+              <a:t>A. Patel, C. Kaiser, L. Schmitz, N. </a:t>
+            </a:r>
+            <a:r>
+              <a:rPr lang="de-DE" dirty="0" err="1" smtClean="0"/>
+              <a:t>Tatarakis</a:t>
+            </a:r>
+            <a:r>
+              <a:rPr lang="de-DE" dirty="0" smtClean="0"/>
+              <a:t> </a:t>
+            </a:r>
+            <a:endParaRPr lang="de-DE" dirty="0"/>
           </a:p>
         </p:txBody>
       </p:sp>
@@ -5615,6 +8695,13 @@
   <p:clrMapOvr>
     <a:masterClrMapping/>
   </p:clrMapOvr>
+  <p:timing>
+    <p:tnLst>
+      <p:par>
+        <p:cTn xmlns:p14="http://schemas.microsoft.com/office/powerpoint/2010/main" id="1" dur="indefinite" restart="never" nodeType="tmRoot"/>
+      </p:par>
+    </p:tnLst>
+  </p:timing>
 </p:sld>
 </file>
 
@@ -6537,7 +9624,7 @@
           <a:bodyPr/>
           <a:lstStyle/>
           <a:p>
-            <a:fld id="{0176A06F-AB14-F94A-8BCE-1C0CB4911F8E}" type="datetime5">
+            <a:fld id="{4D840E2C-C160-1D4F-BF52-111FE0787DA5}" type="datetime5">
               <a:rPr lang="de-DE" smtClean="0"/>
               <a:t>19-Okt-15</a:t>
             </a:fld>
@@ -6561,10 +9648,24 @@
           <a:lstStyle/>
           <a:p>
             <a:r>
-              <a:rPr lang="de-DE" smtClean="0"/>
-              <a:t>A. Patel, C. Kaiser, L. Schmitz, N. Tatarakis </a:t>
-            </a:r>
-            <a:endParaRPr lang="de-DE"/>
+              <a:rPr lang="de-DE" dirty="0" smtClean="0"/>
+              <a:t>Group 31:  </a:t>
+            </a:r>
+          </a:p>
+          <a:p>
+            <a:r>
+              <a:rPr lang="de-DE" dirty="0" smtClean="0"/>
+              <a:t>A. Patel, C. Kaiser, L. Schmitz, N. </a:t>
+            </a:r>
+            <a:r>
+              <a:rPr lang="de-DE" dirty="0" err="1" smtClean="0"/>
+              <a:t>Tatarakis</a:t>
+            </a:r>
+            <a:r>
+              <a:rPr lang="de-DE" dirty="0" smtClean="0"/>
+              <a:t> </a:t>
+            </a:r>
+            <a:endParaRPr lang="de-DE" dirty="0"/>
           </a:p>
         </p:txBody>
       </p:sp>
@@ -6776,7 +9877,7 @@
           <a:bodyPr/>
           <a:lstStyle/>
           <a:p>
-            <a:fld id="{0176A06F-AB14-F94A-8BCE-1C0CB4911F8E}" type="datetime5">
+            <a:fld id="{B3D8135C-0B31-C34D-8C26-E6DEA6B3A36F}" type="datetime5">
               <a:rPr lang="de-DE" smtClean="0"/>
               <a:t>19-Okt-15</a:t>
             </a:fld>
@@ -6800,10 +9901,24 @@
           <a:lstStyle/>
           <a:p>
             <a:r>
-              <a:rPr lang="de-DE" smtClean="0"/>
-              <a:t>A. Patel, C. Kaiser, L. Schmitz, N. Tatarakis </a:t>
-            </a:r>
-            <a:endParaRPr lang="de-DE"/>
+              <a:rPr lang="de-DE" dirty="0" smtClean="0"/>
+              <a:t>Group 31:  </a:t>
+            </a:r>
+          </a:p>
+          <a:p>
+            <a:r>
+              <a:rPr lang="de-DE" dirty="0" smtClean="0"/>
+              <a:t>A. Patel, C. Kaiser, L. Schmitz, N. </a:t>
+            </a:r>
+            <a:r>
+              <a:rPr lang="de-DE" dirty="0" err="1" smtClean="0"/>
+              <a:t>Tatarakis</a:t>
+            </a:r>
+            <a:r>
+              <a:rPr lang="de-DE" dirty="0" smtClean="0"/>
+              <a:t> </a:t>
+            </a:r>
+            <a:endParaRPr lang="de-DE" dirty="0"/>
           </a:p>
         </p:txBody>
       </p:sp>
@@ -6925,7 +10040,7 @@
           <a:bodyPr/>
           <a:lstStyle/>
           <a:p>
-            <a:fld id="{0176A06F-AB14-F94A-8BCE-1C0CB4911F8E}" type="datetime5">
+            <a:fld id="{F5660C72-D5CA-5448-AC04-2F05E4338CD8}" type="datetime5">
               <a:rPr lang="de-DE" smtClean="0"/>
               <a:t>19-Okt-15</a:t>
             </a:fld>
@@ -6950,7 +10065,7 @@
           <a:p>
             <a:r>
               <a:rPr lang="de-DE" smtClean="0"/>
-              <a:t>A. Patel, C. Kaiser, L. Schmitz, N. Tatarakis </a:t>
+              <a:t>Group 31:  A. Patel, C. Kaiser, L. Schmitz, N. Tatarakis </a:t>
             </a:r>
             <a:endParaRPr lang="de-DE"/>
           </a:p>
@@ -8601,7 +11716,7 @@
           <a:bodyPr/>
           <a:lstStyle/>
           <a:p>
-            <a:fld id="{0176A06F-AB14-F94A-8BCE-1C0CB4911F8E}" type="datetime5">
+            <a:fld id="{BBFAABF8-65C0-074C-A547-FABBB6C7ED62}" type="datetime5">
               <a:rPr lang="de-DE" smtClean="0"/>
               <a:t>19-Okt-15</a:t>
             </a:fld>
@@ -8623,6 +11738,12 @@
         <p:txBody>
           <a:bodyPr/>
           <a:lstStyle/>
+          <a:p>
+            <a:r>
+              <a:rPr lang="de-DE" dirty="0" smtClean="0"/>
+              <a:t>Group 31: </a:t>
+            </a:r>
+          </a:p>
           <a:p>
             <a:r>
               <a:rPr lang="de-DE" dirty="0" smtClean="0"/>
@@ -8758,7 +11879,7 @@
           <a:bodyPr/>
           <a:lstStyle/>
           <a:p>
-            <a:fld id="{0176A06F-AB14-F94A-8BCE-1C0CB4911F8E}" type="datetime5">
+            <a:fld id="{6105C88D-1315-EF45-8E38-260D713B710A}" type="datetime5">
               <a:rPr lang="de-DE" smtClean="0"/>
               <a:t>19-Okt-15</a:t>
             </a:fld>
@@ -8782,10 +11903,24 @@
           <a:lstStyle/>
           <a:p>
             <a:r>
-              <a:rPr lang="de-DE" smtClean="0"/>
-              <a:t>A. Patel, C. Kaiser, L. Schmitz, N. Tatarakis </a:t>
-            </a:r>
-            <a:endParaRPr lang="de-DE"/>
+              <a:rPr lang="de-DE" dirty="0" smtClean="0"/>
+              <a:t>Group 31:  </a:t>
+            </a:r>
+          </a:p>
+          <a:p>
+            <a:r>
+              <a:rPr lang="de-DE" dirty="0" smtClean="0"/>
+              <a:t>A. Patel, C. Kaiser, L. Schmitz, N. </a:t>
+            </a:r>
+            <a:r>
+              <a:rPr lang="de-DE" dirty="0" err="1" smtClean="0"/>
+              <a:t>Tatarakis</a:t>
+            </a:r>
+            <a:r>
+              <a:rPr lang="de-DE" dirty="0" smtClean="0"/>
+              <a:t> </a:t>
+            </a:r>
+            <a:endParaRPr lang="de-DE" dirty="0"/>
           </a:p>
         </p:txBody>
       </p:sp>
@@ -8848,6 +11983,13 @@
   <p:clrMapOvr>
     <a:masterClrMapping/>
   </p:clrMapOvr>
+  <p:timing>
+    <p:tnLst>
+      <p:par>
+        <p:cTn xmlns:p14="http://schemas.microsoft.com/office/powerpoint/2010/main" id="1" dur="indefinite" restart="never" nodeType="tmRoot"/>
+      </p:par>
+    </p:tnLst>
+  </p:timing>
 </p:sld>
 </file>
 
@@ -8918,7 +12060,7 @@
           <a:bodyPr/>
           <a:lstStyle/>
           <a:p>
-            <a:fld id="{0176A06F-AB14-F94A-8BCE-1C0CB4911F8E}" type="datetime5">
+            <a:fld id="{EADCDFCD-DFF3-C744-B1FA-F312D9C0C7DD}" type="datetime5">
               <a:rPr lang="de-DE" smtClean="0"/>
               <a:t>19-Okt-15</a:t>
             </a:fld>
@@ -8942,10 +12084,24 @@
           <a:lstStyle/>
           <a:p>
             <a:r>
-              <a:rPr lang="de-DE" smtClean="0"/>
-              <a:t>A. Patel, C. Kaiser, L. Schmitz, N. Tatarakis </a:t>
-            </a:r>
-            <a:endParaRPr lang="de-DE"/>
+              <a:rPr lang="de-DE" dirty="0" smtClean="0"/>
+              <a:t>Group 31:  </a:t>
+            </a:r>
+          </a:p>
+          <a:p>
+            <a:r>
+              <a:rPr lang="de-DE" dirty="0" smtClean="0"/>
+              <a:t>A. Patel, C. Kaiser, L. Schmitz, N. </a:t>
+            </a:r>
+            <a:r>
+              <a:rPr lang="de-DE" dirty="0" err="1" smtClean="0"/>
+              <a:t>Tatarakis</a:t>
+            </a:r>
+            <a:r>
+              <a:rPr lang="de-DE" dirty="0" smtClean="0"/>
+              <a:t> </a:t>
+            </a:r>
+            <a:endParaRPr lang="de-DE" dirty="0"/>
           </a:p>
         </p:txBody>
       </p:sp>
@@ -9518,7 +12674,7 @@
           <a:bodyPr/>
           <a:lstStyle/>
           <a:p>
-            <a:fld id="{0176A06F-AB14-F94A-8BCE-1C0CB4911F8E}" type="datetime5">
+            <a:fld id="{B7E39A7B-E787-004E-BE50-0B15ED2F0DE3}" type="datetime5">
               <a:rPr lang="de-DE" smtClean="0"/>
               <a:t>19-Okt-15</a:t>
             </a:fld>
@@ -9542,10 +12698,24 @@
           <a:lstStyle/>
           <a:p>
             <a:r>
-              <a:rPr lang="de-DE" smtClean="0"/>
-              <a:t>A. Patel, C. Kaiser, L. Schmitz, N. Tatarakis </a:t>
-            </a:r>
-            <a:endParaRPr lang="de-DE"/>
+              <a:rPr lang="de-DE" dirty="0" smtClean="0"/>
+              <a:t>Group 31:  </a:t>
+            </a:r>
+          </a:p>
+          <a:p>
+            <a:r>
+              <a:rPr lang="de-DE" dirty="0" smtClean="0"/>
+              <a:t>A. Patel, C. Kaiser, L. Schmitz, N. </a:t>
+            </a:r>
+            <a:r>
+              <a:rPr lang="de-DE" dirty="0" err="1" smtClean="0"/>
+              <a:t>Tatarakis</a:t>
+            </a:r>
+            <a:r>
+              <a:rPr lang="de-DE" dirty="0" smtClean="0"/>
+              <a:t> </a:t>
+            </a:r>
+            <a:endParaRPr lang="de-DE" dirty="0"/>
           </a:p>
         </p:txBody>
       </p:sp>
@@ -11143,7 +14313,7 @@
           <a:bodyPr/>
           <a:lstStyle/>
           <a:p>
-            <a:fld id="{0176A06F-AB14-F94A-8BCE-1C0CB4911F8E}" type="datetime5">
+            <a:fld id="{00720FD2-0DD5-174C-92D9-37F9D9DE9A7C}" type="datetime5">
               <a:rPr lang="de-DE" smtClean="0"/>
               <a:t>19-Okt-15</a:t>
             </a:fld>
@@ -11167,10 +14337,24 @@
           <a:lstStyle/>
           <a:p>
             <a:r>
-              <a:rPr lang="de-DE" smtClean="0"/>
-              <a:t>A. Patel, C. Kaiser, L. Schmitz, N. Tatarakis </a:t>
-            </a:r>
-            <a:endParaRPr lang="de-DE"/>
+              <a:rPr lang="de-DE" dirty="0" smtClean="0"/>
+              <a:t>Group 31:  </a:t>
+            </a:r>
+          </a:p>
+          <a:p>
+            <a:r>
+              <a:rPr lang="de-DE" dirty="0" smtClean="0"/>
+              <a:t>A. Patel, C. Kaiser, L. Schmitz, N. </a:t>
+            </a:r>
+            <a:r>
+              <a:rPr lang="de-DE" dirty="0" err="1" smtClean="0"/>
+              <a:t>Tatarakis</a:t>
+            </a:r>
+            <a:r>
+              <a:rPr lang="de-DE" dirty="0" smtClean="0"/>
+              <a:t> </a:t>
+            </a:r>
+            <a:endParaRPr lang="de-DE" dirty="0"/>
           </a:p>
         </p:txBody>
       </p:sp>
@@ -11373,7 +14557,7 @@
           <a:bodyPr/>
           <a:lstStyle/>
           <a:p>
-            <a:fld id="{0176A06F-AB14-F94A-8BCE-1C0CB4911F8E}" type="datetime5">
+            <a:fld id="{EF4AE24D-822E-1144-9A52-FA71CDD03AC1}" type="datetime5">
               <a:rPr lang="de-DE" smtClean="0"/>
               <a:t>19-Okt-15</a:t>
             </a:fld>
@@ -11397,10 +14581,24 @@
           <a:lstStyle/>
           <a:p>
             <a:r>
-              <a:rPr lang="de-DE" smtClean="0"/>
-              <a:t>A. Patel, C. Kaiser, L. Schmitz, N. Tatarakis </a:t>
-            </a:r>
-            <a:endParaRPr lang="de-DE"/>
+              <a:rPr lang="de-DE" dirty="0" smtClean="0"/>
+              <a:t>Group 31: </a:t>
+            </a:r>
+          </a:p>
+          <a:p>
+            <a:r>
+              <a:rPr lang="de-DE" dirty="0" smtClean="0"/>
+              <a:t> A. Patel, C. Kaiser, L. Schmitz, N. </a:t>
+            </a:r>
+            <a:r>
+              <a:rPr lang="de-DE" dirty="0" err="1" smtClean="0"/>
+              <a:t>Tatarakis</a:t>
+            </a:r>
+            <a:r>
+              <a:rPr lang="de-DE" dirty="0" smtClean="0"/>
+              <a:t> </a:t>
+            </a:r>
+            <a:endParaRPr lang="de-DE" dirty="0"/>
           </a:p>
         </p:txBody>
       </p:sp>
@@ -12245,7 +15443,7 @@
           <a:bodyPr/>
           <a:lstStyle/>
           <a:p>
-            <a:fld id="{0176A06F-AB14-F94A-8BCE-1C0CB4911F8E}" type="datetime5">
+            <a:fld id="{F141122E-64AE-5442-8F5B-AB96D133BA0B}" type="datetime5">
               <a:rPr lang="de-DE" smtClean="0"/>
               <a:t>19-Okt-15</a:t>
             </a:fld>
@@ -12269,10 +15467,24 @@
           <a:lstStyle/>
           <a:p>
             <a:r>
-              <a:rPr lang="de-DE" smtClean="0"/>
-              <a:t>A. Patel, C. Kaiser, L. Schmitz, N. Tatarakis </a:t>
-            </a:r>
-            <a:endParaRPr lang="de-DE"/>
+              <a:rPr lang="de-DE" dirty="0" smtClean="0"/>
+              <a:t>Group 31:  </a:t>
+            </a:r>
+          </a:p>
+          <a:p>
+            <a:r>
+              <a:rPr lang="de-DE" dirty="0" smtClean="0"/>
+              <a:t>A. Patel, C. Kaiser, L. Schmitz, N. </a:t>
+            </a:r>
+            <a:r>
+              <a:rPr lang="de-DE" dirty="0" err="1" smtClean="0"/>
+              <a:t>Tatarakis</a:t>
+            </a:r>
+            <a:r>
+              <a:rPr lang="de-DE" dirty="0" smtClean="0"/>
+              <a:t> </a:t>
+            </a:r>
+            <a:endParaRPr lang="de-DE" dirty="0"/>
           </a:p>
         </p:txBody>
       </p:sp>
@@ -13301,7 +16513,7 @@
           <a:bodyPr/>
           <a:lstStyle/>
           <a:p>
-            <a:fld id="{0176A06F-AB14-F94A-8BCE-1C0CB4911F8E}" type="datetime5">
+            <a:fld id="{31ACFCED-4D2F-A448-9DBE-737C7F29D7FA}" type="datetime5">
               <a:rPr lang="de-DE" smtClean="0"/>
               <a:t>19-Okt-15</a:t>
             </a:fld>
@@ -13325,10 +16537,24 @@
           <a:lstStyle/>
           <a:p>
             <a:r>
-              <a:rPr lang="de-DE" smtClean="0"/>
-              <a:t>A. Patel, C. Kaiser, L. Schmitz, N. Tatarakis </a:t>
-            </a:r>
-            <a:endParaRPr lang="de-DE"/>
+              <a:rPr lang="de-DE" dirty="0" smtClean="0"/>
+              <a:t>Group 31:  </a:t>
+            </a:r>
+          </a:p>
+          <a:p>
+            <a:r>
+              <a:rPr lang="de-DE" dirty="0" smtClean="0"/>
+              <a:t>A. Patel, C. Kaiser, L. Schmitz, N. </a:t>
+            </a:r>
+            <a:r>
+              <a:rPr lang="de-DE" dirty="0" err="1" smtClean="0"/>
+              <a:t>Tatarakis</a:t>
+            </a:r>
+            <a:r>
+              <a:rPr lang="de-DE" dirty="0" smtClean="0"/>
+              <a:t> </a:t>
+            </a:r>
+            <a:endParaRPr lang="de-DE" dirty="0"/>
           </a:p>
         </p:txBody>
       </p:sp>
@@ -16759,7 +19985,7 @@
 </file>
 
 <file path=ppt/theme/theme2.xml><?xml version="1.0" encoding="utf-8"?>
-<a:theme xmlns:a="http://schemas.openxmlformats.org/drawingml/2006/main" name="Office-Design">
+<a:theme xmlns:a="http://schemas.openxmlformats.org/drawingml/2006/main" name="Benutzerdefiniertes Design">
   <a:themeElements>
     <a:clrScheme name="Office">
       <a:dk1>
@@ -17396,4 +20622,324 @@
   </a:objectDefaults>
   <a:extraClrSchemeLst/>
 </a:theme>
+</file>
+
+<file path=ppt/theme/theme4.xml><?xml version="1.0" encoding="utf-8"?>
+<a:theme xmlns:a="http://schemas.openxmlformats.org/drawingml/2006/main" name="Office-Design">
+  <a:themeElements>
+    <a:clrScheme name="Office">
+      <a:dk1>
+        <a:sysClr val="windowText" lastClr="000000"/>
+      </a:dk1>
+      <a:lt1>
+        <a:sysClr val="window" lastClr="FFFFFF"/>
+      </a:lt1>
+      <a:dk2>
+        <a:srgbClr val="1F497D"/>
+      </a:dk2>
+      <a:lt2>
+        <a:srgbClr val="EEECE1"/>
+      </a:lt2>
+      <a:accent1>
+        <a:srgbClr val="4F81BD"/>
+      </a:accent1>
+      <a:accent2>
+        <a:srgbClr val="C0504D"/>
+      </a:accent2>
+      <a:accent3>
+        <a:srgbClr val="9BBB59"/>
+      </a:accent3>
+      <a:accent4>
+        <a:srgbClr val="8064A2"/>
+      </a:accent4>
+      <a:accent5>
+        <a:srgbClr val="4BACC6"/>
+      </a:accent5>
+      <a:accent6>
+        <a:srgbClr val="F79646"/>
+      </a:accent6>
+      <a:hlink>
+        <a:srgbClr val="0000FF"/>
+      </a:hlink>
+      <a:folHlink>
+        <a:srgbClr val="800080"/>
+      </a:folHlink>
+    </a:clrScheme>
+    <a:fontScheme name="Office">
+      <a:majorFont>
+        <a:latin typeface="Calibri"/>
+        <a:ea typeface=""/>
+        <a:cs typeface=""/>
+        <a:font script="Jpan" typeface="ＭＳ Ｐゴシック"/>
+        <a:font script="Hang" typeface="맑은 고딕"/>
+        <a:font script="Hans" typeface="宋体"/>
+        <a:font script="Hant" typeface="新細明體"/>
+        <a:font script="Arab" typeface="Times New Roman"/>
+        <a:font script="Hebr" typeface="Times New Roman"/>
+        <a:font script="Thai" typeface="Angsana New"/>
+        <a:font script="Ethi" typeface="Nyala"/>
+        <a:font script="Beng" typeface="Vrinda"/>
+        <a:font script="Gujr" typeface="Shruti"/>
+        <a:font script="Khmr" typeface="MoolBoran"/>
+        <a:font script="Knda" typeface="Tunga"/>
+        <a:font script="Guru" typeface="Raavi"/>
+        <a:font script="Cans" typeface="Euphemia"/>
+        <a:font script="Cher" typeface="Plantagenet Cherokee"/>
+        <a:font script="Yiii" typeface="Microsoft Yi Baiti"/>
+        <a:font script="Tibt" typeface="Microsoft Himalaya"/>
+        <a:font script="Thaa" typeface="MV Boli"/>
+        <a:font script="Deva" typeface="Mangal"/>
+        <a:font script="Telu" typeface="Gautami"/>
+        <a:font script="Taml" typeface="Latha"/>
+        <a:font script="Syrc" typeface="Estrangelo Edessa"/>
+        <a:font script="Orya" typeface="Kalinga"/>
+        <a:font script="Mlym" typeface="Kartika"/>
+        <a:font script="Laoo" typeface="DokChampa"/>
+        <a:font script="Sinh" typeface="Iskoola Pota"/>
+        <a:font script="Mong" typeface="Mongolian Baiti"/>
+        <a:font script="Viet" typeface="Times New Roman"/>
+        <a:font script="Uigh" typeface="Microsoft Uighur"/>
+        <a:font script="Geor" typeface="Sylfaen"/>
+      </a:majorFont>
+      <a:minorFont>
+        <a:latin typeface="Calibri"/>
+        <a:ea typeface=""/>
+        <a:cs typeface=""/>
+        <a:font script="Jpan" typeface="ＭＳ Ｐゴシック"/>
+        <a:font script="Hang" typeface="맑은 고딕"/>
+        <a:font script="Hans" typeface="宋体"/>
+        <a:font script="Hant" typeface="新細明體"/>
+        <a:font script="Arab" typeface="Arial"/>
+        <a:font script="Hebr" typeface="Arial"/>
+        <a:font script="Thai" typeface="Cordia New"/>
+        <a:font script="Ethi" typeface="Nyala"/>
+        <a:font script="Beng" typeface="Vrinda"/>
+        <a:font script="Gujr" typeface="Shruti"/>
+        <a:font script="Khmr" typeface="DaunPenh"/>
+        <a:font script="Knda" typeface="Tunga"/>
+        <a:font script="Guru" typeface="Raavi"/>
+        <a:font script="Cans" typeface="Euphemia"/>
+        <a:font script="Cher" typeface="Plantagenet Cherokee"/>
+        <a:font script="Yiii" typeface="Microsoft Yi Baiti"/>
+        <a:font script="Tibt" typeface="Microsoft Himalaya"/>
+        <a:font script="Thaa" typeface="MV Boli"/>
+        <a:font script="Deva" typeface="Mangal"/>
+        <a:font script="Telu" typeface="Gautami"/>
+        <a:font script="Taml" typeface="Latha"/>
+        <a:font script="Syrc" typeface="Estrangelo Edessa"/>
+        <a:font script="Orya" typeface="Kalinga"/>
+        <a:font script="Mlym" typeface="Kartika"/>
+        <a:font script="Laoo" typeface="DokChampa"/>
+        <a:font script="Sinh" typeface="Iskoola Pota"/>
+        <a:font script="Mong" typeface="Mongolian Baiti"/>
+        <a:font script="Viet" typeface="Arial"/>
+        <a:font script="Uigh" typeface="Microsoft Uighur"/>
+        <a:font script="Geor" typeface="Sylfaen"/>
+      </a:minorFont>
+    </a:fontScheme>
+    <a:fmtScheme name="Office">
+      <a:fillStyleLst>
+        <a:solidFill>
+          <a:schemeClr val="phClr"/>
+        </a:solidFill>
+        <a:gradFill rotWithShape="1">
+          <a:gsLst>
+            <a:gs pos="0">
+              <a:schemeClr val="phClr">
+                <a:tint val="50000"/>
+                <a:satMod val="300000"/>
+              </a:schemeClr>
+            </a:gs>
+            <a:gs pos="35000">
+              <a:schemeClr val="phClr">
+                <a:tint val="37000"/>
+                <a:satMod val="300000"/>
+              </a:schemeClr>
+            </a:gs>
+            <a:gs pos="100000">
+              <a:schemeClr val="phClr">
+                <a:tint val="15000"/>
+                <a:satMod val="350000"/>
+              </a:schemeClr>
+            </a:gs>
+          </a:gsLst>
+          <a:lin ang="16200000" scaled="1"/>
+        </a:gradFill>
+        <a:gradFill rotWithShape="1">
+          <a:gsLst>
+            <a:gs pos="0">
+              <a:schemeClr val="phClr">
+                <a:tint val="100000"/>
+                <a:shade val="100000"/>
+                <a:satMod val="130000"/>
+              </a:schemeClr>
+            </a:gs>
+            <a:gs pos="100000">
+              <a:schemeClr val="phClr">
+                <a:tint val="50000"/>
+                <a:shade val="100000"/>
+                <a:satMod val="350000"/>
+              </a:schemeClr>
+            </a:gs>
+          </a:gsLst>
+          <a:lin ang="16200000" scaled="0"/>
+        </a:gradFill>
+      </a:fillStyleLst>
+      <a:lnStyleLst>
+        <a:ln w="9525" cap="flat" cmpd="sng" algn="ctr">
+          <a:solidFill>
+            <a:schemeClr val="phClr">
+              <a:shade val="95000"/>
+              <a:satMod val="105000"/>
+            </a:schemeClr>
+          </a:solidFill>
+          <a:prstDash val="solid"/>
+        </a:ln>
+        <a:ln w="25400" cap="flat" cmpd="sng" algn="ctr">
+          <a:solidFill>
+            <a:schemeClr val="phClr"/>
+          </a:solidFill>
+          <a:prstDash val="solid"/>
+        </a:ln>
+        <a:ln w="38100" cap="flat" cmpd="sng" algn="ctr">
+          <a:solidFill>
+            <a:schemeClr val="phClr"/>
+          </a:solidFill>
+          <a:prstDash val="solid"/>
+        </a:ln>
+      </a:lnStyleLst>
+      <a:effectStyleLst>
+        <a:effectStyle>
+          <a:effectLst>
+            <a:outerShdw blurRad="40000" dist="20000" dir="5400000" rotWithShape="0">
+              <a:srgbClr val="000000">
+                <a:alpha val="38000"/>
+              </a:srgbClr>
+            </a:outerShdw>
+          </a:effectLst>
+        </a:effectStyle>
+        <a:effectStyle>
+          <a:effectLst>
+            <a:outerShdw blurRad="40000" dist="23000" dir="5400000" rotWithShape="0">
+              <a:srgbClr val="000000">
+                <a:alpha val="35000"/>
+              </a:srgbClr>
+            </a:outerShdw>
+          </a:effectLst>
+        </a:effectStyle>
+        <a:effectStyle>
+          <a:effectLst>
+            <a:outerShdw blurRad="40000" dist="23000" dir="5400000" rotWithShape="0">
+              <a:srgbClr val="000000">
+                <a:alpha val="35000"/>
+              </a:srgbClr>
+            </a:outerShdw>
+          </a:effectLst>
+          <a:scene3d>
+            <a:camera prst="orthographicFront">
+              <a:rot lat="0" lon="0" rev="0"/>
+            </a:camera>
+            <a:lightRig rig="threePt" dir="t">
+              <a:rot lat="0" lon="0" rev="1200000"/>
+            </a:lightRig>
+          </a:scene3d>
+          <a:sp3d>
+            <a:bevelT w="63500" h="25400"/>
+          </a:sp3d>
+        </a:effectStyle>
+      </a:effectStyleLst>
+      <a:bgFillStyleLst>
+        <a:solidFill>
+          <a:schemeClr val="phClr"/>
+        </a:solidFill>
+        <a:gradFill rotWithShape="1">
+          <a:gsLst>
+            <a:gs pos="0">
+              <a:schemeClr val="phClr">
+                <a:tint val="40000"/>
+                <a:satMod val="350000"/>
+              </a:schemeClr>
+            </a:gs>
+            <a:gs pos="40000">
+              <a:schemeClr val="phClr">
+                <a:tint val="45000"/>
+                <a:shade val="99000"/>
+                <a:satMod val="350000"/>
+              </a:schemeClr>
+            </a:gs>
+            <a:gs pos="100000">
+              <a:schemeClr val="phClr">
+                <a:shade val="20000"/>
+                <a:satMod val="255000"/>
+              </a:schemeClr>
+            </a:gs>
+          </a:gsLst>
+          <a:path path="circle">
+            <a:fillToRect l="50000" t="-80000" r="50000" b="180000"/>
+          </a:path>
+        </a:gradFill>
+        <a:gradFill rotWithShape="1">
+          <a:gsLst>
+            <a:gs pos="0">
+              <a:schemeClr val="phClr">
+                <a:tint val="80000"/>
+                <a:satMod val="300000"/>
+              </a:schemeClr>
+            </a:gs>
+            <a:gs pos="100000">
+              <a:schemeClr val="phClr">
+                <a:shade val="30000"/>
+                <a:satMod val="200000"/>
+              </a:schemeClr>
+            </a:gs>
+          </a:gsLst>
+          <a:path path="circle">
+            <a:fillToRect l="50000" t="50000" r="50000" b="50000"/>
+          </a:path>
+        </a:gradFill>
+      </a:bgFillStyleLst>
+    </a:fmtScheme>
+  </a:themeElements>
+  <a:objectDefaults>
+    <a:spDef>
+      <a:spPr/>
+      <a:bodyPr/>
+      <a:lstStyle/>
+      <a:style>
+        <a:lnRef idx="1">
+          <a:schemeClr val="accent1"/>
+        </a:lnRef>
+        <a:fillRef idx="3">
+          <a:schemeClr val="accent1"/>
+        </a:fillRef>
+        <a:effectRef idx="2">
+          <a:schemeClr val="accent1"/>
+        </a:effectRef>
+        <a:fontRef idx="minor">
+          <a:schemeClr val="lt1"/>
+        </a:fontRef>
+      </a:style>
+    </a:spDef>
+    <a:lnDef>
+      <a:spPr/>
+      <a:bodyPr/>
+      <a:lstStyle/>
+      <a:style>
+        <a:lnRef idx="2">
+          <a:schemeClr val="accent1"/>
+        </a:lnRef>
+        <a:fillRef idx="0">
+          <a:schemeClr val="accent1"/>
+        </a:fillRef>
+        <a:effectRef idx="1">
+          <a:schemeClr val="accent1"/>
+        </a:effectRef>
+        <a:fontRef idx="minor">
+          <a:schemeClr val="tx1"/>
+        </a:fontRef>
+      </a:style>
+    </a:lnDef>
+  </a:objectDefaults>
+  <a:extraClrSchemeLst/>
+</a:theme>
 </file>